--- a/Filip Dutina prezentacija.pptx
+++ b/Filip Dutina prezentacija.pptx
@@ -5,7 +5,7 @@
     <p:sldMasterId id="2147483660" r:id="rId1"/>
   </p:sldMasterIdLst>
   <p:notesMasterIdLst>
-    <p:notesMasterId r:id="rId8"/>
+    <p:notesMasterId r:id="rId18"/>
   </p:notesMasterIdLst>
   <p:sldIdLst>
     <p:sldId id="256" r:id="rId2"/>
@@ -14,6 +14,16 @@
     <p:sldId id="259" r:id="rId5"/>
     <p:sldId id="260" r:id="rId6"/>
     <p:sldId id="261" r:id="rId7"/>
+    <p:sldId id="262" r:id="rId8"/>
+    <p:sldId id="263" r:id="rId9"/>
+    <p:sldId id="264" r:id="rId10"/>
+    <p:sldId id="265" r:id="rId11"/>
+    <p:sldId id="266" r:id="rId12"/>
+    <p:sldId id="267" r:id="rId13"/>
+    <p:sldId id="268" r:id="rId14"/>
+    <p:sldId id="269" r:id="rId15"/>
+    <p:sldId id="270" r:id="rId16"/>
+    <p:sldId id="271" r:id="rId17"/>
   </p:sldIdLst>
   <p:sldSz cx="12192000" cy="6858000"/>
   <p:notesSz cx="6858000" cy="9144000"/>
@@ -120,6 +130,1024 @@
 </p:presentation>
 </file>
 
+<file path=ppt/charts/chart1.xml><?xml version="1.0" encoding="utf-8"?>
+<c:chartSpace xmlns:c="http://schemas.openxmlformats.org/drawingml/2006/chart" xmlns:a="http://schemas.openxmlformats.org/drawingml/2006/main" xmlns:r="http://schemas.openxmlformats.org/officeDocument/2006/relationships">
+  <c:date1904 val="0"/>
+  <c:lang val="en-US"/>
+  <c:roundedCorners val="0"/>
+  <mc:AlternateContent xmlns:mc="http://schemas.openxmlformats.org/markup-compatibility/2006">
+    <mc:Choice xmlns:c14="http://schemas.microsoft.com/office/drawing/2007/8/2/chart" Requires="c14">
+      <c14:style val="102"/>
+    </mc:Choice>
+    <mc:Fallback>
+      <c:style val="2"/>
+    </mc:Fallback>
+  </mc:AlternateContent>
+  <c:chart>
+    <c:title>
+      <c:tx>
+        <c:rich>
+          <a:bodyPr rot="0" spcFirstLastPara="1" vertOverflow="ellipsis" vert="horz" wrap="square" anchor="ctr" anchorCtr="1"/>
+          <a:lstStyle/>
+          <a:p>
+            <a:pPr>
+              <a:defRPr sz="1600" b="1" i="0" u="none" strike="noStrike" kern="1200" baseline="0">
+                <a:solidFill>
+                  <a:schemeClr val="tx2"/>
+                </a:solidFill>
+                <a:latin typeface="+mn-lt"/>
+                <a:ea typeface="+mn-ea"/>
+                <a:cs typeface="+mn-cs"/>
+              </a:defRPr>
+            </a:pPr>
+            <a:r>
+              <a:rPr lang="en-GB"/>
+              <a:t>Izmerena brzina komunikacije</a:t>
+            </a:r>
+          </a:p>
+        </c:rich>
+      </c:tx>
+      <c:layout/>
+      <c:overlay val="0"/>
+      <c:spPr>
+        <a:noFill/>
+        <a:ln>
+          <a:noFill/>
+        </a:ln>
+        <a:effectLst/>
+      </c:spPr>
+      <c:txPr>
+        <a:bodyPr rot="0" spcFirstLastPara="1" vertOverflow="ellipsis" vert="horz" wrap="square" anchor="ctr" anchorCtr="1"/>
+        <a:lstStyle/>
+        <a:p>
+          <a:pPr>
+            <a:defRPr sz="1600" b="1" i="0" u="none" strike="noStrike" kern="1200" baseline="0">
+              <a:solidFill>
+                <a:schemeClr val="tx2"/>
+              </a:solidFill>
+              <a:latin typeface="+mn-lt"/>
+              <a:ea typeface="+mn-ea"/>
+              <a:cs typeface="+mn-cs"/>
+            </a:defRPr>
+          </a:pPr>
+          <a:endParaRPr lang="en-US"/>
+        </a:p>
+      </c:txPr>
+    </c:title>
+    <c:autoTitleDeleted val="0"/>
+    <c:plotArea>
+      <c:layout/>
+      <c:scatterChart>
+        <c:scatterStyle val="lineMarker"/>
+        <c:varyColors val="0"/>
+        <c:ser>
+          <c:idx val="0"/>
+          <c:order val="0"/>
+          <c:spPr>
+            <a:ln w="25400" cap="rnd">
+              <a:noFill/>
+              <a:round/>
+            </a:ln>
+            <a:effectLst/>
+          </c:spPr>
+          <c:marker>
+            <c:symbol val="circle"/>
+            <c:size val="5"/>
+            <c:spPr>
+              <a:gradFill rotWithShape="1">
+                <a:gsLst>
+                  <a:gs pos="0">
+                    <a:schemeClr val="accent1">
+                      <a:satMod val="103000"/>
+                      <a:lumMod val="102000"/>
+                      <a:tint val="94000"/>
+                    </a:schemeClr>
+                  </a:gs>
+                  <a:gs pos="50000">
+                    <a:schemeClr val="accent1">
+                      <a:satMod val="110000"/>
+                      <a:lumMod val="100000"/>
+                      <a:shade val="100000"/>
+                    </a:schemeClr>
+                  </a:gs>
+                  <a:gs pos="100000">
+                    <a:schemeClr val="accent1">
+                      <a:lumMod val="99000"/>
+                      <a:satMod val="120000"/>
+                      <a:shade val="78000"/>
+                    </a:schemeClr>
+                  </a:gs>
+                </a:gsLst>
+                <a:lin ang="5400000" scaled="0"/>
+              </a:gradFill>
+              <a:ln w="9525">
+                <a:solidFill>
+                  <a:schemeClr val="accent1"/>
+                </a:solidFill>
+                <a:round/>
+              </a:ln>
+              <a:effectLst/>
+            </c:spPr>
+          </c:marker>
+          <c:trendline>
+            <c:spPr>
+              <a:ln w="9525" cap="rnd">
+                <a:solidFill>
+                  <a:schemeClr val="accent1"/>
+                </a:solidFill>
+              </a:ln>
+              <a:effectLst/>
+            </c:spPr>
+            <c:trendlineType val="linear"/>
+            <c:dispRSqr val="0"/>
+            <c:dispEq val="0"/>
+          </c:trendline>
+          <c:xVal>
+            <c:numRef>
+              <c:f>Sheet1!$S$2:$S$12</c:f>
+              <c:numCache>
+                <c:formatCode>General</c:formatCode>
+                <c:ptCount val="11"/>
+                <c:pt idx="0">
+                  <c:v>1359.44</c:v>
+                </c:pt>
+                <c:pt idx="1">
+                  <c:v>1359.44</c:v>
+                </c:pt>
+                <c:pt idx="2">
+                  <c:v>1359.44</c:v>
+                </c:pt>
+                <c:pt idx="3">
+                  <c:v>308.64</c:v>
+                </c:pt>
+                <c:pt idx="4">
+                  <c:v>308.64</c:v>
+                </c:pt>
+                <c:pt idx="5">
+                  <c:v>308.64</c:v>
+                </c:pt>
+                <c:pt idx="6">
+                  <c:v>18957.04</c:v>
+                </c:pt>
+                <c:pt idx="7">
+                  <c:v>588</c:v>
+                </c:pt>
+                <c:pt idx="8">
+                  <c:v>588</c:v>
+                </c:pt>
+                <c:pt idx="9">
+                  <c:v>588</c:v>
+                </c:pt>
+                <c:pt idx="10">
+                  <c:v>4826.4799999999996</c:v>
+                </c:pt>
+              </c:numCache>
+            </c:numRef>
+          </c:xVal>
+          <c:yVal>
+            <c:numRef>
+              <c:f>Sheet1!$T$2:$T$12</c:f>
+              <c:numCache>
+                <c:formatCode>General</c:formatCode>
+                <c:ptCount val="11"/>
+                <c:pt idx="0">
+                  <c:v>19.66</c:v>
+                </c:pt>
+                <c:pt idx="1">
+                  <c:v>22.53</c:v>
+                </c:pt>
+                <c:pt idx="2">
+                  <c:v>24.45</c:v>
+                </c:pt>
+                <c:pt idx="3">
+                  <c:v>23.69</c:v>
+                </c:pt>
+                <c:pt idx="4">
+                  <c:v>23.93</c:v>
+                </c:pt>
+                <c:pt idx="5">
+                  <c:v>23.89</c:v>
+                </c:pt>
+                <c:pt idx="6">
+                  <c:v>23.64</c:v>
+                </c:pt>
+                <c:pt idx="7">
+                  <c:v>19.510000000000002</c:v>
+                </c:pt>
+                <c:pt idx="8">
+                  <c:v>24.22</c:v>
+                </c:pt>
+                <c:pt idx="9">
+                  <c:v>24.27</c:v>
+                </c:pt>
+                <c:pt idx="10">
+                  <c:v>24.84</c:v>
+                </c:pt>
+              </c:numCache>
+            </c:numRef>
+          </c:yVal>
+          <c:smooth val="0"/>
+        </c:ser>
+        <c:dLbls>
+          <c:showLegendKey val="0"/>
+          <c:showVal val="0"/>
+          <c:showCatName val="0"/>
+          <c:showSerName val="0"/>
+          <c:showPercent val="0"/>
+          <c:showBubbleSize val="0"/>
+        </c:dLbls>
+        <c:axId val="456681248"/>
+        <c:axId val="456681640"/>
+      </c:scatterChart>
+      <c:valAx>
+        <c:axId val="456681248"/>
+        <c:scaling>
+          <c:orientation val="minMax"/>
+        </c:scaling>
+        <c:delete val="0"/>
+        <c:axPos val="b"/>
+        <c:majorGridlines>
+          <c:spPr>
+            <a:ln w="9525" cap="flat" cmpd="sng" algn="ctr">
+              <a:solidFill>
+                <a:schemeClr val="tx2">
+                  <a:lumMod val="15000"/>
+                  <a:lumOff val="85000"/>
+                </a:schemeClr>
+              </a:solidFill>
+              <a:round/>
+            </a:ln>
+            <a:effectLst/>
+          </c:spPr>
+        </c:majorGridlines>
+        <c:title>
+          <c:tx>
+            <c:rich>
+              <a:bodyPr rot="0" spcFirstLastPara="1" vertOverflow="ellipsis" vert="horz" wrap="square" anchor="ctr" anchorCtr="1"/>
+              <a:lstStyle/>
+              <a:p>
+                <a:pPr>
+                  <a:defRPr sz="900" b="1" i="0" u="none" strike="noStrike" kern="1200" baseline="0">
+                    <a:solidFill>
+                      <a:schemeClr val="tx2"/>
+                    </a:solidFill>
+                    <a:latin typeface="+mn-lt"/>
+                    <a:ea typeface="+mn-ea"/>
+                    <a:cs typeface="+mn-cs"/>
+                  </a:defRPr>
+                </a:pPr>
+                <a:r>
+                  <a:rPr lang="sr-Latn-RS"/>
+                  <a:t>Veličina datoteke koja se šalje (</a:t>
+                </a:r>
+                <a:r>
+                  <a:rPr lang="en-GB"/>
+                  <a:t>k</a:t>
+                </a:r>
+                <a:r>
+                  <a:rPr lang="sr-Latn-RS"/>
+                  <a:t>bit)</a:t>
+                </a:r>
+                <a:endParaRPr lang="en-GB"/>
+              </a:p>
+            </c:rich>
+          </c:tx>
+          <c:layout/>
+          <c:overlay val="0"/>
+          <c:spPr>
+            <a:noFill/>
+            <a:ln>
+              <a:noFill/>
+            </a:ln>
+            <a:effectLst/>
+          </c:spPr>
+          <c:txPr>
+            <a:bodyPr rot="0" spcFirstLastPara="1" vertOverflow="ellipsis" vert="horz" wrap="square" anchor="ctr" anchorCtr="1"/>
+            <a:lstStyle/>
+            <a:p>
+              <a:pPr>
+                <a:defRPr sz="900" b="1" i="0" u="none" strike="noStrike" kern="1200" baseline="0">
+                  <a:solidFill>
+                    <a:schemeClr val="tx2"/>
+                  </a:solidFill>
+                  <a:latin typeface="+mn-lt"/>
+                  <a:ea typeface="+mn-ea"/>
+                  <a:cs typeface="+mn-cs"/>
+                </a:defRPr>
+              </a:pPr>
+              <a:endParaRPr lang="en-US"/>
+            </a:p>
+          </c:txPr>
+        </c:title>
+        <c:numFmt formatCode="General" sourceLinked="1"/>
+        <c:majorTickMark val="none"/>
+        <c:minorTickMark val="none"/>
+        <c:tickLblPos val="nextTo"/>
+        <c:spPr>
+          <a:noFill/>
+          <a:ln w="9525" cap="flat" cmpd="sng" algn="ctr">
+            <a:solidFill>
+              <a:schemeClr val="tx2">
+                <a:lumMod val="15000"/>
+                <a:lumOff val="85000"/>
+              </a:schemeClr>
+            </a:solidFill>
+            <a:round/>
+          </a:ln>
+          <a:effectLst/>
+        </c:spPr>
+        <c:txPr>
+          <a:bodyPr rot="-60000000" spcFirstLastPara="1" vertOverflow="ellipsis" vert="horz" wrap="square" anchor="ctr" anchorCtr="1"/>
+          <a:lstStyle/>
+          <a:p>
+            <a:pPr>
+              <a:defRPr sz="900" b="0" i="0" u="none" strike="noStrike" kern="1200" baseline="0">
+                <a:solidFill>
+                  <a:schemeClr val="tx2"/>
+                </a:solidFill>
+                <a:latin typeface="+mn-lt"/>
+                <a:ea typeface="+mn-ea"/>
+                <a:cs typeface="+mn-cs"/>
+              </a:defRPr>
+            </a:pPr>
+            <a:endParaRPr lang="en-US"/>
+          </a:p>
+        </c:txPr>
+        <c:crossAx val="456681640"/>
+        <c:crosses val="autoZero"/>
+        <c:crossBetween val="midCat"/>
+      </c:valAx>
+      <c:valAx>
+        <c:axId val="456681640"/>
+        <c:scaling>
+          <c:orientation val="minMax"/>
+        </c:scaling>
+        <c:delete val="0"/>
+        <c:axPos val="l"/>
+        <c:majorGridlines>
+          <c:spPr>
+            <a:ln w="9525" cap="flat" cmpd="sng" algn="ctr">
+              <a:solidFill>
+                <a:schemeClr val="tx2">
+                  <a:lumMod val="15000"/>
+                  <a:lumOff val="85000"/>
+                </a:schemeClr>
+              </a:solidFill>
+              <a:round/>
+            </a:ln>
+            <a:effectLst/>
+          </c:spPr>
+        </c:majorGridlines>
+        <c:title>
+          <c:tx>
+            <c:rich>
+              <a:bodyPr rot="-5400000" spcFirstLastPara="1" vertOverflow="ellipsis" vert="horz" wrap="square" anchor="ctr" anchorCtr="1"/>
+              <a:lstStyle/>
+              <a:p>
+                <a:pPr>
+                  <a:defRPr sz="900" b="1" i="0" u="none" strike="noStrike" kern="1200" baseline="0">
+                    <a:solidFill>
+                      <a:schemeClr val="tx2"/>
+                    </a:solidFill>
+                    <a:latin typeface="+mn-lt"/>
+                    <a:ea typeface="+mn-ea"/>
+                    <a:cs typeface="+mn-cs"/>
+                  </a:defRPr>
+                </a:pPr>
+                <a:r>
+                  <a:rPr lang="sr-Latn-RS"/>
+                  <a:t>Brzina (</a:t>
+                </a:r>
+                <a:r>
+                  <a:rPr lang="en-GB"/>
+                  <a:t>k</a:t>
+                </a:r>
+                <a:r>
+                  <a:rPr lang="sr-Latn-RS"/>
+                  <a:t>bit/s)</a:t>
+                </a:r>
+                <a:endParaRPr lang="en-GB"/>
+              </a:p>
+            </c:rich>
+          </c:tx>
+          <c:layout/>
+          <c:overlay val="0"/>
+          <c:spPr>
+            <a:noFill/>
+            <a:ln>
+              <a:noFill/>
+            </a:ln>
+            <a:effectLst/>
+          </c:spPr>
+          <c:txPr>
+            <a:bodyPr rot="-5400000" spcFirstLastPara="1" vertOverflow="ellipsis" vert="horz" wrap="square" anchor="ctr" anchorCtr="1"/>
+            <a:lstStyle/>
+            <a:p>
+              <a:pPr>
+                <a:defRPr sz="900" b="1" i="0" u="none" strike="noStrike" kern="1200" baseline="0">
+                  <a:solidFill>
+                    <a:schemeClr val="tx2"/>
+                  </a:solidFill>
+                  <a:latin typeface="+mn-lt"/>
+                  <a:ea typeface="+mn-ea"/>
+                  <a:cs typeface="+mn-cs"/>
+                </a:defRPr>
+              </a:pPr>
+              <a:endParaRPr lang="en-US"/>
+            </a:p>
+          </c:txPr>
+        </c:title>
+        <c:numFmt formatCode="General" sourceLinked="1"/>
+        <c:majorTickMark val="none"/>
+        <c:minorTickMark val="none"/>
+        <c:tickLblPos val="nextTo"/>
+        <c:spPr>
+          <a:noFill/>
+          <a:ln>
+            <a:solidFill>
+              <a:schemeClr val="tx2">
+                <a:lumMod val="40000"/>
+                <a:lumOff val="60000"/>
+              </a:schemeClr>
+            </a:solidFill>
+          </a:ln>
+          <a:effectLst/>
+        </c:spPr>
+        <c:txPr>
+          <a:bodyPr rot="-60000000" spcFirstLastPara="1" vertOverflow="ellipsis" vert="horz" wrap="square" anchor="ctr" anchorCtr="1"/>
+          <a:lstStyle/>
+          <a:p>
+            <a:pPr>
+              <a:defRPr sz="900" b="0" i="0" u="none" strike="noStrike" kern="1200" baseline="0">
+                <a:solidFill>
+                  <a:schemeClr val="tx2"/>
+                </a:solidFill>
+                <a:latin typeface="+mn-lt"/>
+                <a:ea typeface="+mn-ea"/>
+                <a:cs typeface="+mn-cs"/>
+              </a:defRPr>
+            </a:pPr>
+            <a:endParaRPr lang="en-US"/>
+          </a:p>
+        </c:txPr>
+        <c:crossAx val="456681248"/>
+        <c:crosses val="autoZero"/>
+        <c:crossBetween val="midCat"/>
+      </c:valAx>
+      <c:spPr>
+        <a:noFill/>
+        <a:ln>
+          <a:noFill/>
+        </a:ln>
+        <a:effectLst/>
+      </c:spPr>
+    </c:plotArea>
+    <c:plotVisOnly val="1"/>
+    <c:dispBlanksAs val="gap"/>
+    <c:showDLblsOverMax val="0"/>
+  </c:chart>
+  <c:spPr>
+    <a:noFill/>
+    <a:ln>
+      <a:noFill/>
+    </a:ln>
+    <a:effectLst/>
+  </c:spPr>
+  <c:txPr>
+    <a:bodyPr/>
+    <a:lstStyle/>
+    <a:p>
+      <a:pPr>
+        <a:defRPr/>
+      </a:pPr>
+      <a:endParaRPr lang="en-US"/>
+    </a:p>
+  </c:txPr>
+  <c:externalData r:id="rId3">
+    <c:autoUpdate val="0"/>
+  </c:externalData>
+</c:chartSpace>
+</file>
+
+<file path=ppt/charts/colors1.xml><?xml version="1.0" encoding="utf-8"?>
+<cs:colorStyle xmlns:cs="http://schemas.microsoft.com/office/drawing/2012/chartStyle" xmlns:a="http://schemas.openxmlformats.org/drawingml/2006/main" meth="cycle" id="10">
+  <a:schemeClr val="accent1"/>
+  <a:schemeClr val="accent2"/>
+  <a:schemeClr val="accent3"/>
+  <a:schemeClr val="accent4"/>
+  <a:schemeClr val="accent5"/>
+  <a:schemeClr val="accent6"/>
+  <cs:variation/>
+  <cs:variation>
+    <a:lumMod val="60000"/>
+  </cs:variation>
+  <cs:variation>
+    <a:lumMod val="80000"/>
+    <a:lumOff val="20000"/>
+  </cs:variation>
+  <cs:variation>
+    <a:lumMod val="80000"/>
+  </cs:variation>
+  <cs:variation>
+    <a:lumMod val="60000"/>
+    <a:lumOff val="40000"/>
+  </cs:variation>
+  <cs:variation>
+    <a:lumMod val="50000"/>
+  </cs:variation>
+  <cs:variation>
+    <a:lumMod val="70000"/>
+    <a:lumOff val="30000"/>
+  </cs:variation>
+  <cs:variation>
+    <a:lumMod val="70000"/>
+  </cs:variation>
+  <cs:variation>
+    <a:lumMod val="50000"/>
+    <a:lumOff val="50000"/>
+  </cs:variation>
+</cs:colorStyle>
+</file>
+
+<file path=ppt/charts/style1.xml><?xml version="1.0" encoding="utf-8"?>
+<cs:chartStyle xmlns:cs="http://schemas.microsoft.com/office/drawing/2012/chartStyle" xmlns:a="http://schemas.openxmlformats.org/drawingml/2006/main" id="242">
+  <cs:axisTitle>
+    <cs:lnRef idx="0"/>
+    <cs:fillRef idx="0"/>
+    <cs:effectRef idx="0"/>
+    <cs:fontRef idx="minor">
+      <a:schemeClr val="tx2"/>
+    </cs:fontRef>
+    <cs:defRPr sz="900" b="1" kern="1200"/>
+  </cs:axisTitle>
+  <cs:categoryAxis>
+    <cs:lnRef idx="0"/>
+    <cs:fillRef idx="0"/>
+    <cs:effectRef idx="0"/>
+    <cs:fontRef idx="minor">
+      <a:schemeClr val="tx2"/>
+    </cs:fontRef>
+    <cs:spPr>
+      <a:ln w="9525" cap="flat" cmpd="sng" algn="ctr">
+        <a:solidFill>
+          <a:schemeClr val="tx2">
+            <a:lumMod val="15000"/>
+            <a:lumOff val="85000"/>
+          </a:schemeClr>
+        </a:solidFill>
+        <a:round/>
+      </a:ln>
+    </cs:spPr>
+    <cs:defRPr sz="900" kern="1200"/>
+  </cs:categoryAxis>
+  <cs:chartArea mods="allowNoFillOverride allowNoLineOverride">
+    <cs:lnRef idx="0"/>
+    <cs:fillRef idx="0"/>
+    <cs:effectRef idx="0"/>
+    <cs:fontRef idx="minor">
+      <a:schemeClr val="tx2"/>
+    </cs:fontRef>
+    <cs:spPr>
+      <a:solidFill>
+        <a:schemeClr val="bg1"/>
+      </a:solidFill>
+      <a:ln w="9525" cap="flat" cmpd="sng" algn="ctr">
+        <a:solidFill>
+          <a:schemeClr val="tx2">
+            <a:lumMod val="15000"/>
+            <a:lumOff val="85000"/>
+          </a:schemeClr>
+        </a:solidFill>
+        <a:round/>
+      </a:ln>
+    </cs:spPr>
+    <cs:defRPr sz="900" kern="1200"/>
+  </cs:chartArea>
+  <cs:dataLabel>
+    <cs:lnRef idx="0"/>
+    <cs:fillRef idx="0"/>
+    <cs:effectRef idx="0"/>
+    <cs:fontRef idx="minor">
+      <a:schemeClr val="tx2"/>
+    </cs:fontRef>
+    <cs:defRPr sz="900" kern="1200"/>
+  </cs:dataLabel>
+  <cs:dataLabelCallout>
+    <cs:lnRef idx="0"/>
+    <cs:fillRef idx="0"/>
+    <cs:effectRef idx="0"/>
+    <cs:fontRef idx="minor">
+      <a:schemeClr val="dk2">
+        <a:lumMod val="75000"/>
+      </a:schemeClr>
+    </cs:fontRef>
+    <cs:spPr>
+      <a:solidFill>
+        <a:schemeClr val="lt1"/>
+      </a:solidFill>
+      <a:ln>
+        <a:solidFill>
+          <a:schemeClr val="dk1">
+            <a:lumMod val="25000"/>
+            <a:lumOff val="75000"/>
+          </a:schemeClr>
+        </a:solidFill>
+      </a:ln>
+    </cs:spPr>
+    <cs:defRPr sz="900" kern="1200"/>
+    <cs:bodyPr rot="0" spcFirstLastPara="1" vertOverflow="clip" horzOverflow="clip" vert="horz" wrap="square" lIns="36576" tIns="18288" rIns="36576" bIns="18288" anchor="ctr" anchorCtr="1">
+      <a:spAutoFit/>
+    </cs:bodyPr>
+  </cs:dataLabelCallout>
+  <cs:dataPoint>
+    <cs:lnRef idx="0"/>
+    <cs:fillRef idx="3">
+      <cs:styleClr val="auto"/>
+    </cs:fillRef>
+    <cs:effectRef idx="2"/>
+    <cs:fontRef idx="minor">
+      <a:schemeClr val="tx2"/>
+    </cs:fontRef>
+  </cs:dataPoint>
+  <cs:dataPoint3D>
+    <cs:lnRef idx="0"/>
+    <cs:fillRef idx="3">
+      <cs:styleClr val="auto"/>
+    </cs:fillRef>
+    <cs:effectRef idx="2"/>
+    <cs:fontRef idx="minor">
+      <a:schemeClr val="tx2"/>
+    </cs:fontRef>
+  </cs:dataPoint3D>
+  <cs:dataPointLine>
+    <cs:lnRef idx="0">
+      <cs:styleClr val="auto"/>
+    </cs:lnRef>
+    <cs:fillRef idx="3"/>
+    <cs:effectRef idx="2"/>
+    <cs:fontRef idx="minor">
+      <a:schemeClr val="tx2"/>
+    </cs:fontRef>
+    <cs:spPr>
+      <a:ln w="9525" cap="rnd">
+        <a:solidFill>
+          <a:schemeClr val="phClr"/>
+        </a:solidFill>
+        <a:round/>
+      </a:ln>
+    </cs:spPr>
+  </cs:dataPointLine>
+  <cs:dataPointMarker>
+    <cs:lnRef idx="0">
+      <cs:styleClr val="auto"/>
+    </cs:lnRef>
+    <cs:fillRef idx="3">
+      <cs:styleClr val="auto"/>
+    </cs:fillRef>
+    <cs:effectRef idx="2"/>
+    <cs:fontRef idx="minor">
+      <a:schemeClr val="tx2"/>
+    </cs:fontRef>
+    <cs:spPr>
+      <a:ln w="9525">
+        <a:solidFill>
+          <a:schemeClr val="phClr"/>
+        </a:solidFill>
+        <a:round/>
+      </a:ln>
+    </cs:spPr>
+  </cs:dataPointMarker>
+  <cs:dataPointMarkerLayout symbol="circle" size="5"/>
+  <cs:dataPointWireframe>
+    <cs:lnRef idx="0">
+      <cs:styleClr val="auto"/>
+    </cs:lnRef>
+    <cs:fillRef idx="3"/>
+    <cs:effectRef idx="2"/>
+    <cs:fontRef idx="minor">
+      <a:schemeClr val="tx2"/>
+    </cs:fontRef>
+    <cs:spPr>
+      <a:ln w="9525" cap="rnd">
+        <a:solidFill>
+          <a:schemeClr val="phClr"/>
+        </a:solidFill>
+        <a:round/>
+      </a:ln>
+    </cs:spPr>
+  </cs:dataPointWireframe>
+  <cs:dataTable>
+    <cs:lnRef idx="0"/>
+    <cs:fillRef idx="0"/>
+    <cs:effectRef idx="0"/>
+    <cs:fontRef idx="minor">
+      <a:schemeClr val="tx2"/>
+    </cs:fontRef>
+    <cs:spPr>
+      <a:ln w="9525">
+        <a:solidFill>
+          <a:schemeClr val="tx2">
+            <a:lumMod val="15000"/>
+            <a:lumOff val="85000"/>
+          </a:schemeClr>
+        </a:solidFill>
+      </a:ln>
+    </cs:spPr>
+    <cs:defRPr sz="900" kern="1200"/>
+  </cs:dataTable>
+  <cs:downBar>
+    <cs:lnRef idx="0"/>
+    <cs:fillRef idx="0"/>
+    <cs:effectRef idx="0"/>
+    <cs:fontRef idx="minor">
+      <a:schemeClr val="dk1"/>
+    </cs:fontRef>
+    <cs:spPr>
+      <a:solidFill>
+        <a:schemeClr val="dk1">
+          <a:lumMod val="65000"/>
+          <a:lumOff val="35000"/>
+        </a:schemeClr>
+      </a:solidFill>
+      <a:ln w="9525">
+        <a:solidFill>
+          <a:schemeClr val="tx1">
+            <a:lumMod val="65000"/>
+            <a:lumOff val="35000"/>
+          </a:schemeClr>
+        </a:solidFill>
+      </a:ln>
+    </cs:spPr>
+  </cs:downBar>
+  <cs:dropLine>
+    <cs:lnRef idx="0"/>
+    <cs:fillRef idx="0"/>
+    <cs:effectRef idx="0"/>
+    <cs:fontRef idx="minor">
+      <a:schemeClr val="tx2"/>
+    </cs:fontRef>
+    <cs:spPr>
+      <a:ln w="9525">
+        <a:solidFill>
+          <a:schemeClr val="tx2">
+            <a:lumMod val="60000"/>
+            <a:lumOff val="40000"/>
+          </a:schemeClr>
+        </a:solidFill>
+        <a:prstDash val="dash"/>
+      </a:ln>
+    </cs:spPr>
+  </cs:dropLine>
+  <cs:errorBar>
+    <cs:lnRef idx="0"/>
+    <cs:fillRef idx="0"/>
+    <cs:effectRef idx="0"/>
+    <cs:fontRef idx="minor">
+      <a:schemeClr val="tx2"/>
+    </cs:fontRef>
+    <cs:spPr>
+      <a:ln w="9525">
+        <a:solidFill>
+          <a:schemeClr val="tx2">
+            <a:lumMod val="75000"/>
+          </a:schemeClr>
+        </a:solidFill>
+        <a:round/>
+      </a:ln>
+    </cs:spPr>
+  </cs:errorBar>
+  <cs:floor>
+    <cs:lnRef idx="0"/>
+    <cs:fillRef idx="0"/>
+    <cs:effectRef idx="0"/>
+    <cs:fontRef idx="minor">
+      <a:schemeClr val="tx2"/>
+    </cs:fontRef>
+  </cs:floor>
+  <cs:gridlineMajor>
+    <cs:lnRef idx="0"/>
+    <cs:fillRef idx="0"/>
+    <cs:effectRef idx="0"/>
+    <cs:fontRef idx="minor">
+      <a:schemeClr val="tx2"/>
+    </cs:fontRef>
+    <cs:spPr>
+      <a:ln w="9525" cap="flat" cmpd="sng" algn="ctr">
+        <a:solidFill>
+          <a:schemeClr val="tx2">
+            <a:lumMod val="15000"/>
+            <a:lumOff val="85000"/>
+          </a:schemeClr>
+        </a:solidFill>
+        <a:round/>
+      </a:ln>
+    </cs:spPr>
+  </cs:gridlineMajor>
+  <cs:gridlineMinor>
+    <cs:lnRef idx="0"/>
+    <cs:fillRef idx="0"/>
+    <cs:effectRef idx="0"/>
+    <cs:fontRef idx="minor">
+      <a:schemeClr val="tx2"/>
+    </cs:fontRef>
+    <cs:spPr>
+      <a:ln>
+        <a:solidFill>
+          <a:schemeClr val="tx2">
+            <a:lumMod val="5000"/>
+            <a:lumOff val="95000"/>
+          </a:schemeClr>
+        </a:solidFill>
+      </a:ln>
+    </cs:spPr>
+  </cs:gridlineMinor>
+  <cs:hiLoLine>
+    <cs:lnRef idx="0"/>
+    <cs:fillRef idx="0"/>
+    <cs:effectRef idx="0"/>
+    <cs:fontRef idx="minor">
+      <a:schemeClr val="tx2"/>
+    </cs:fontRef>
+    <cs:spPr>
+      <a:ln w="9525">
+        <a:solidFill>
+          <a:schemeClr val="tx2">
+            <a:lumMod val="60000"/>
+            <a:lumOff val="40000"/>
+          </a:schemeClr>
+        </a:solidFill>
+        <a:prstDash val="dash"/>
+      </a:ln>
+    </cs:spPr>
+  </cs:hiLoLine>
+  <cs:leaderLine>
+    <cs:lnRef idx="0"/>
+    <cs:fillRef idx="0"/>
+    <cs:effectRef idx="0"/>
+    <cs:fontRef idx="minor">
+      <a:schemeClr val="tx2"/>
+    </cs:fontRef>
+    <cs:spPr>
+      <a:ln w="9525">
+        <a:solidFill>
+          <a:schemeClr val="tx2">
+            <a:lumMod val="35000"/>
+            <a:lumOff val="65000"/>
+          </a:schemeClr>
+        </a:solidFill>
+      </a:ln>
+    </cs:spPr>
+  </cs:leaderLine>
+  <cs:legend>
+    <cs:lnRef idx="0"/>
+    <cs:fillRef idx="0"/>
+    <cs:effectRef idx="0"/>
+    <cs:fontRef idx="minor">
+      <a:schemeClr val="tx2"/>
+    </cs:fontRef>
+    <cs:defRPr sz="900" kern="1200"/>
+  </cs:legend>
+  <cs:plotArea>
+    <cs:lnRef idx="0"/>
+    <cs:fillRef idx="0"/>
+    <cs:effectRef idx="0"/>
+    <cs:fontRef idx="minor">
+      <a:schemeClr val="tx2"/>
+    </cs:fontRef>
+  </cs:plotArea>
+  <cs:plotArea3D>
+    <cs:lnRef idx="0"/>
+    <cs:fillRef idx="0"/>
+    <cs:effectRef idx="0"/>
+    <cs:fontRef idx="minor">
+      <a:schemeClr val="tx2"/>
+    </cs:fontRef>
+  </cs:plotArea3D>
+  <cs:seriesAxis>
+    <cs:lnRef idx="0"/>
+    <cs:fillRef idx="0"/>
+    <cs:effectRef idx="0"/>
+    <cs:fontRef idx="minor">
+      <a:schemeClr val="tx2"/>
+    </cs:fontRef>
+    <cs:spPr>
+      <a:ln w="9525" cap="flat" cmpd="sng" algn="ctr">
+        <a:solidFill>
+          <a:schemeClr val="tx2">
+            <a:lumMod val="15000"/>
+            <a:lumOff val="85000"/>
+          </a:schemeClr>
+        </a:solidFill>
+        <a:round/>
+      </a:ln>
+    </cs:spPr>
+    <cs:defRPr sz="900" kern="1200"/>
+  </cs:seriesAxis>
+  <cs:seriesLine>
+    <cs:lnRef idx="0"/>
+    <cs:fillRef idx="0"/>
+    <cs:effectRef idx="0"/>
+    <cs:fontRef idx="minor">
+      <a:schemeClr val="tx2"/>
+    </cs:fontRef>
+    <cs:spPr>
+      <a:ln w="9525">
+        <a:solidFill>
+          <a:schemeClr val="tx2">
+            <a:lumMod val="60000"/>
+            <a:lumOff val="40000"/>
+          </a:schemeClr>
+        </a:solidFill>
+        <a:prstDash val="dash"/>
+      </a:ln>
+    </cs:spPr>
+  </cs:seriesLine>
+  <cs:title>
+    <cs:lnRef idx="0"/>
+    <cs:fillRef idx="0"/>
+    <cs:effectRef idx="0"/>
+    <cs:fontRef idx="minor">
+      <a:schemeClr val="tx2"/>
+    </cs:fontRef>
+    <cs:defRPr sz="1600" b="1" kern="1200"/>
+  </cs:title>
+  <cs:trendline>
+    <cs:lnRef idx="0">
+      <cs:styleClr val="auto"/>
+    </cs:lnRef>
+    <cs:fillRef idx="0"/>
+    <cs:effectRef idx="0"/>
+    <cs:fontRef idx="minor">
+      <a:schemeClr val="tx2"/>
+    </cs:fontRef>
+    <cs:spPr>
+      <a:ln w="9525" cap="rnd">
+        <a:solidFill>
+          <a:schemeClr val="phClr"/>
+        </a:solidFill>
+      </a:ln>
+    </cs:spPr>
+  </cs:trendline>
+  <cs:trendlineLabel>
+    <cs:lnRef idx="0"/>
+    <cs:fillRef idx="0"/>
+    <cs:effectRef idx="0"/>
+    <cs:fontRef idx="minor">
+      <a:schemeClr val="tx2"/>
+    </cs:fontRef>
+    <cs:defRPr sz="900" kern="1200"/>
+  </cs:trendlineLabel>
+  <cs:upBar>
+    <cs:lnRef idx="0"/>
+    <cs:fillRef idx="0"/>
+    <cs:effectRef idx="0"/>
+    <cs:fontRef idx="minor">
+      <a:schemeClr val="tx2"/>
+    </cs:fontRef>
+    <cs:spPr>
+      <a:solidFill>
+        <a:schemeClr val="lt1"/>
+      </a:solidFill>
+      <a:ln w="9525">
+        <a:solidFill>
+          <a:schemeClr val="tx1">
+            <a:lumMod val="15000"/>
+            <a:lumOff val="85000"/>
+          </a:schemeClr>
+        </a:solidFill>
+      </a:ln>
+    </cs:spPr>
+  </cs:upBar>
+  <cs:valueAxis>
+    <cs:lnRef idx="0"/>
+    <cs:fillRef idx="0"/>
+    <cs:effectRef idx="0"/>
+    <cs:fontRef idx="minor">
+      <a:schemeClr val="tx2"/>
+    </cs:fontRef>
+    <cs:spPr>
+      <a:ln>
+        <a:solidFill>
+          <a:schemeClr val="tx2">
+            <a:lumMod val="40000"/>
+            <a:lumOff val="60000"/>
+          </a:schemeClr>
+        </a:solidFill>
+      </a:ln>
+    </cs:spPr>
+    <cs:defRPr sz="900" kern="1200"/>
+  </cs:valueAxis>
+  <cs:wall>
+    <cs:lnRef idx="0"/>
+    <cs:fillRef idx="0"/>
+    <cs:effectRef idx="0"/>
+    <cs:fontRef idx="minor">
+      <a:schemeClr val="tx2"/>
+    </cs:fontRef>
+  </cs:wall>
+</cs:chartStyle>
+</file>
+
 <file path=ppt/notesMasters/notesMaster1.xml><?xml version="1.0" encoding="utf-8"?>
 <p:notesMaster xmlns:a="http://schemas.openxmlformats.org/drawingml/2006/main" xmlns:r="http://schemas.openxmlformats.org/officeDocument/2006/relationships" xmlns:p="http://schemas.openxmlformats.org/presentationml/2006/main">
   <p:cSld>
@@ -202,7 +1230,7 @@
           <a:p>
             <a:fld id="{A2D218C2-7343-4502-8DBC-BF026141FD57}" type="datetimeFigureOut">
               <a:rPr lang="en-GB" smtClean="0"/>
-              <a:t>04/09/2018</a:t>
+              <a:t>05/09/2018</a:t>
             </a:fld>
             <a:endParaRPr lang="en-GB" dirty="0"/>
           </a:p>
@@ -591,6 +1619,457 @@
 </p:notes>
 </file>
 
+<file path=ppt/notesSlides/notesSlide10.xml><?xml version="1.0" encoding="utf-8"?>
+<p:notes xmlns:a="http://schemas.openxmlformats.org/drawingml/2006/main" xmlns:r="http://schemas.openxmlformats.org/officeDocument/2006/relationships" xmlns:p="http://schemas.openxmlformats.org/presentationml/2006/main">
+  <p:cSld>
+    <p:spTree>
+      <p:nvGrpSpPr>
+        <p:cNvPr id="1" name=""/>
+        <p:cNvGrpSpPr/>
+        <p:nvPr/>
+      </p:nvGrpSpPr>
+      <p:grpSpPr>
+        <a:xfrm>
+          <a:off x="0" y="0"/>
+          <a:ext cx="0" cy="0"/>
+          <a:chOff x="0" y="0"/>
+          <a:chExt cx="0" cy="0"/>
+        </a:xfrm>
+      </p:grpSpPr>
+      <p:sp>
+        <p:nvSpPr>
+          <p:cNvPr id="2" name="Slide Image Placeholder 1"/>
+          <p:cNvSpPr>
+            <a:spLocks noGrp="1" noRot="1" noChangeAspect="1"/>
+          </p:cNvSpPr>
+          <p:nvPr>
+            <p:ph type="sldImg"/>
+          </p:nvPr>
+        </p:nvSpPr>
+        <p:spPr/>
+      </p:sp>
+      <mc:AlternateContent xmlns:mc="http://schemas.openxmlformats.org/markup-compatibility/2006">
+        <mc:Choice xmlns:a14="http://schemas.microsoft.com/office/drawing/2010/main" Requires="a14">
+          <p:sp>
+            <p:nvSpPr>
+              <p:cNvPr id="3" name="Notes Placeholder 2"/>
+              <p:cNvSpPr>
+                <a:spLocks noGrp="1"/>
+              </p:cNvSpPr>
+              <p:nvPr>
+                <p:ph type="body" idx="1"/>
+              </p:nvPr>
+            </p:nvSpPr>
+            <p:spPr/>
+            <p:txBody>
+              <a:bodyPr/>
+              <a:lstStyle/>
+              <a:p>
+                <a:r>
+                  <a:rPr lang="sr-Latn-RS" sz="1200" kern="1200" dirty="0" smtClean="0">
+                    <a:solidFill>
+                      <a:schemeClr val="tx1"/>
+                    </a:solidFill>
+                    <a:effectLst/>
+                    <a:latin typeface="+mn-lt"/>
+                    <a:ea typeface="+mn-ea"/>
+                    <a:cs typeface="+mn-cs"/>
+                  </a:rPr>
+                  <a:t>Bezbednost rešenja može se podići na viši nivo upotrebom većih prostih brojeva pri izradi </a:t>
+                </a:r>
+                <a:r>
+                  <a:rPr lang="sr-Latn-RS" sz="1200" i="1" kern="1200" dirty="0">
+                    <a:solidFill>
+                      <a:schemeClr val="tx1"/>
+                    </a:solidFill>
+                    <a:effectLst/>
+                    <a:latin typeface="+mn-lt"/>
+                    <a:ea typeface="+mn-ea"/>
+                    <a:cs typeface="+mn-cs"/>
+                  </a:rPr>
+                  <a:t>RSA</a:t>
+                </a:r>
+                <a:r>
+                  <a:rPr lang="sr-Latn-RS" sz="1200" kern="1200" dirty="0">
+                    <a:solidFill>
+                      <a:schemeClr val="tx1"/>
+                    </a:solidFill>
+                    <a:effectLst/>
+                    <a:latin typeface="+mn-lt"/>
+                    <a:ea typeface="+mn-ea"/>
+                    <a:cs typeface="+mn-cs"/>
+                  </a:rPr>
+                  <a:t> tajnih i javnih ključeva, a pošto se u rešenju brojevi </a:t>
+                </a:r>
+                <a14:m>
+                  <m:oMath xmlns:m="http://schemas.openxmlformats.org/officeDocument/2006/math">
+                    <m:r>
+                      <a:rPr lang="sr-Latn-RS" sz="1200" b="1" i="1" kern="1200">
+                        <a:solidFill>
+                          <a:schemeClr val="tx1"/>
+                        </a:solidFill>
+                        <a:effectLst/>
+                        <a:latin typeface="+mn-lt"/>
+                        <a:ea typeface="+mn-ea"/>
+                        <a:cs typeface="+mn-cs"/>
+                      </a:rPr>
+                      <m:t>𝒆</m:t>
+                    </m:r>
+                  </m:oMath>
+                </a14:m>
+                <a:r>
+                  <a:rPr lang="sr-Latn-RS" sz="1200" kern="1200" dirty="0">
+                    <a:solidFill>
+                      <a:schemeClr val="tx1"/>
+                    </a:solidFill>
+                    <a:effectLst/>
+                    <a:latin typeface="+mn-lt"/>
+                    <a:ea typeface="+mn-ea"/>
+                    <a:cs typeface="+mn-cs"/>
+                  </a:rPr>
+                  <a:t> i </a:t>
+                </a:r>
+                <a14:m>
+                  <m:oMath xmlns:m="http://schemas.openxmlformats.org/officeDocument/2006/math">
+                    <m:r>
+                      <a:rPr lang="sr-Latn-RS" sz="1200" b="1" i="1" kern="1200">
+                        <a:solidFill>
+                          <a:schemeClr val="tx1"/>
+                        </a:solidFill>
+                        <a:effectLst/>
+                        <a:latin typeface="+mn-lt"/>
+                        <a:ea typeface="+mn-ea"/>
+                        <a:cs typeface="+mn-cs"/>
+                      </a:rPr>
+                      <m:t>𝒅</m:t>
+                    </m:r>
+                  </m:oMath>
+                </a14:m>
+                <a:r>
+                  <a:rPr lang="sr-Latn-RS" sz="1200" b="1" kern="1200" dirty="0">
+                    <a:solidFill>
+                      <a:schemeClr val="tx1"/>
+                    </a:solidFill>
+                    <a:effectLst/>
+                    <a:latin typeface="+mn-lt"/>
+                    <a:ea typeface="+mn-ea"/>
+                    <a:cs typeface="+mn-cs"/>
+                  </a:rPr>
+                  <a:t> </a:t>
+                </a:r>
+                <a:r>
+                  <a:rPr lang="sr-Latn-RS" sz="1200" kern="1200" dirty="0">
+                    <a:solidFill>
+                      <a:schemeClr val="tx1"/>
+                    </a:solidFill>
+                    <a:effectLst/>
+                    <a:latin typeface="+mn-lt"/>
+                    <a:ea typeface="+mn-ea"/>
+                    <a:cs typeface="+mn-cs"/>
+                  </a:rPr>
+                  <a:t>biraju na slučajan način iz niza ključeva, prostim proširenjem niza iz kog se biraju ti ključevi može dovesti do veće sigurnosti. Takođe, ovo rešenje moguće je poboljšati dodatnim optimizacijama napisanog koda kako bi se povećala brzina obrade paketa, a samim tim i brzina razmene podataka između namenske platforme i računara. Još jedan od načina unapređenja programske podrške jeste  korišćenje neke od komercijalnih biblioteka za enkripciju/dekripciju podataka</a:t>
+                </a:r>
+                <a:r>
+                  <a:rPr lang="sr-Latn-RS" sz="1200" kern="1200" dirty="0" smtClean="0">
+                    <a:solidFill>
+                      <a:schemeClr val="tx1"/>
+                    </a:solidFill>
+                    <a:effectLst/>
+                    <a:latin typeface="+mn-lt"/>
+                    <a:ea typeface="+mn-ea"/>
+                    <a:cs typeface="+mn-cs"/>
+                  </a:rPr>
+                  <a:t>.</a:t>
+                </a:r>
+              </a:p>
+              <a:p>
+                <a:endParaRPr lang="en-GB" sz="1200" kern="1200" dirty="0">
+                  <a:solidFill>
+                    <a:schemeClr val="tx1"/>
+                  </a:solidFill>
+                  <a:effectLst/>
+                  <a:latin typeface="+mn-lt"/>
+                  <a:ea typeface="+mn-ea"/>
+                  <a:cs typeface="+mn-cs"/>
+                </a:endParaRPr>
+              </a:p>
+              <a:p>
+                <a:r>
+                  <a:rPr lang="sr-Latn-RS" sz="1200" kern="1200" dirty="0">
+                    <a:solidFill>
+                      <a:schemeClr val="tx1"/>
+                    </a:solidFill>
+                    <a:effectLst/>
+                    <a:latin typeface="+mn-lt"/>
+                    <a:ea typeface="+mn-ea"/>
+                    <a:cs typeface="+mn-cs"/>
+                  </a:rPr>
+                  <a:t>Stalni napredak u automobilskoj industriji dovodi do toga da se u modernom vozilu svake sekunde stvara i obrađuje velika količina podataka, pa je neminovno da je potreba za čuvanjem i obezbeđivanjem podataka jedna od primarnih zadataka inženjera, kao što je i demonstrirano u ovom rešenju.</a:t>
+                </a:r>
+                <a:endParaRPr lang="en-GB" sz="1200" kern="1200" dirty="0">
+                  <a:solidFill>
+                    <a:schemeClr val="tx1"/>
+                  </a:solidFill>
+                  <a:effectLst/>
+                  <a:latin typeface="+mn-lt"/>
+                  <a:ea typeface="+mn-ea"/>
+                  <a:cs typeface="+mn-cs"/>
+                </a:endParaRPr>
+              </a:p>
+              <a:p>
+                <a:r>
+                  <a:rPr lang="sr-Latn-RS" sz="1200" kern="1200" dirty="0">
+                    <a:solidFill>
+                      <a:schemeClr val="tx1"/>
+                    </a:solidFill>
+                    <a:effectLst/>
+                    <a:latin typeface="+mn-lt"/>
+                    <a:ea typeface="+mn-ea"/>
+                    <a:cs typeface="+mn-cs"/>
+                  </a:rPr>
+                  <a:t/>
+                </a:r>
+                <a:br>
+                  <a:rPr lang="sr-Latn-RS" sz="1200" kern="1200" dirty="0">
+                    <a:solidFill>
+                      <a:schemeClr val="tx1"/>
+                    </a:solidFill>
+                    <a:effectLst/>
+                    <a:latin typeface="+mn-lt"/>
+                    <a:ea typeface="+mn-ea"/>
+                    <a:cs typeface="+mn-cs"/>
+                  </a:rPr>
+                </a:br>
+                <a:endParaRPr lang="en-GB" dirty="0"/>
+              </a:p>
+            </p:txBody>
+          </p:sp>
+        </mc:Choice>
+        <mc:Fallback>
+          <p:sp>
+            <p:nvSpPr>
+              <p:cNvPr id="3" name="Notes Placeholder 2"/>
+              <p:cNvSpPr>
+                <a:spLocks noGrp="1"/>
+              </p:cNvSpPr>
+              <p:nvPr>
+                <p:ph type="body" idx="1"/>
+              </p:nvPr>
+            </p:nvSpPr>
+            <p:spPr/>
+            <p:txBody>
+              <a:bodyPr/>
+              <a:lstStyle/>
+              <a:p>
+                <a:r>
+                  <a:rPr lang="sr-Latn-RS" sz="1200" kern="1200" dirty="0" smtClean="0">
+                    <a:solidFill>
+                      <a:schemeClr val="tx1"/>
+                    </a:solidFill>
+                    <a:effectLst/>
+                    <a:latin typeface="+mn-lt"/>
+                    <a:ea typeface="+mn-ea"/>
+                    <a:cs typeface="+mn-cs"/>
+                  </a:rPr>
+                  <a:t>Bezbednost rešenja može se podići na viši nivo upotrebom većih prostih brojeva pri izradi </a:t>
+                </a:r>
+                <a:r>
+                  <a:rPr lang="sr-Latn-RS" sz="1200" i="1" kern="1200" dirty="0">
+                    <a:solidFill>
+                      <a:schemeClr val="tx1"/>
+                    </a:solidFill>
+                    <a:effectLst/>
+                    <a:latin typeface="+mn-lt"/>
+                    <a:ea typeface="+mn-ea"/>
+                    <a:cs typeface="+mn-cs"/>
+                  </a:rPr>
+                  <a:t>RSA</a:t>
+                </a:r>
+                <a:r>
+                  <a:rPr lang="sr-Latn-RS" sz="1200" kern="1200" dirty="0">
+                    <a:solidFill>
+                      <a:schemeClr val="tx1"/>
+                    </a:solidFill>
+                    <a:effectLst/>
+                    <a:latin typeface="+mn-lt"/>
+                    <a:ea typeface="+mn-ea"/>
+                    <a:cs typeface="+mn-cs"/>
+                  </a:rPr>
+                  <a:t> tajnih i javnih ključeva, a pošto se u rešenju brojevi </a:t>
+                </a:r>
+                <a:r>
+                  <a:rPr lang="sr-Latn-RS" sz="1200" b="1" i="0" kern="1200">
+                    <a:solidFill>
+                      <a:schemeClr val="tx1"/>
+                    </a:solidFill>
+                    <a:effectLst/>
+                    <a:latin typeface="+mn-lt"/>
+                    <a:ea typeface="+mn-ea"/>
+                    <a:cs typeface="+mn-cs"/>
+                  </a:rPr>
+                  <a:t>𝒆</a:t>
+                </a:r>
+                <a:r>
+                  <a:rPr lang="sr-Latn-RS" sz="1200" kern="1200" dirty="0">
+                    <a:solidFill>
+                      <a:schemeClr val="tx1"/>
+                    </a:solidFill>
+                    <a:effectLst/>
+                    <a:latin typeface="+mn-lt"/>
+                    <a:ea typeface="+mn-ea"/>
+                    <a:cs typeface="+mn-cs"/>
+                  </a:rPr>
+                  <a:t> i </a:t>
+                </a:r>
+                <a:r>
+                  <a:rPr lang="sr-Latn-RS" sz="1200" b="1" i="0" kern="1200">
+                    <a:solidFill>
+                      <a:schemeClr val="tx1"/>
+                    </a:solidFill>
+                    <a:effectLst/>
+                    <a:latin typeface="+mn-lt"/>
+                    <a:ea typeface="+mn-ea"/>
+                    <a:cs typeface="+mn-cs"/>
+                  </a:rPr>
+                  <a:t>𝒅</a:t>
+                </a:r>
+                <a:r>
+                  <a:rPr lang="sr-Latn-RS" sz="1200" b="1" kern="1200" dirty="0">
+                    <a:solidFill>
+                      <a:schemeClr val="tx1"/>
+                    </a:solidFill>
+                    <a:effectLst/>
+                    <a:latin typeface="+mn-lt"/>
+                    <a:ea typeface="+mn-ea"/>
+                    <a:cs typeface="+mn-cs"/>
+                  </a:rPr>
+                  <a:t> </a:t>
+                </a:r>
+                <a:r>
+                  <a:rPr lang="sr-Latn-RS" sz="1200" kern="1200" dirty="0">
+                    <a:solidFill>
+                      <a:schemeClr val="tx1"/>
+                    </a:solidFill>
+                    <a:effectLst/>
+                    <a:latin typeface="+mn-lt"/>
+                    <a:ea typeface="+mn-ea"/>
+                    <a:cs typeface="+mn-cs"/>
+                  </a:rPr>
+                  <a:t>biraju na slučajan način iz niza ključeva, prostim proširenjem niza iz kog se biraju ti ključevi može dovesti do veće sigurnosti. Takođe, ovo rešenje moguće je poboljšati dodatnim optimizacijama napisanog koda kako bi se povećala brzina obrade paketa, a samim tim i brzina razmene podataka između namenske platforme i računara. Još jedan od načina unapređenja programske podrške jeste  korišćenje neke od komercijalnih biblioteka za enkripciju/dekripciju podataka</a:t>
+                </a:r>
+                <a:r>
+                  <a:rPr lang="sr-Latn-RS" sz="1200" kern="1200" dirty="0" smtClean="0">
+                    <a:solidFill>
+                      <a:schemeClr val="tx1"/>
+                    </a:solidFill>
+                    <a:effectLst/>
+                    <a:latin typeface="+mn-lt"/>
+                    <a:ea typeface="+mn-ea"/>
+                    <a:cs typeface="+mn-cs"/>
+                  </a:rPr>
+                  <a:t>.</a:t>
+                </a:r>
+              </a:p>
+              <a:p>
+                <a:endParaRPr lang="en-GB" sz="1200" kern="1200" dirty="0">
+                  <a:solidFill>
+                    <a:schemeClr val="tx1"/>
+                  </a:solidFill>
+                  <a:effectLst/>
+                  <a:latin typeface="+mn-lt"/>
+                  <a:ea typeface="+mn-ea"/>
+                  <a:cs typeface="+mn-cs"/>
+                </a:endParaRPr>
+              </a:p>
+              <a:p>
+                <a:r>
+                  <a:rPr lang="sr-Latn-RS" sz="1200" kern="1200" dirty="0">
+                    <a:solidFill>
+                      <a:schemeClr val="tx1"/>
+                    </a:solidFill>
+                    <a:effectLst/>
+                    <a:latin typeface="+mn-lt"/>
+                    <a:ea typeface="+mn-ea"/>
+                    <a:cs typeface="+mn-cs"/>
+                  </a:rPr>
+                  <a:t>Stalni napredak u automobilskoj industriji dovodi do toga da se u modernom vozilu svake sekunde stvara i obrađuje velika količina podataka, pa je neminovno da je potreba za čuvanjem i obezbeđivanjem podataka jedna od primarnih zadataka inženjera, kao što je i demonstrirano u ovom rešenju.</a:t>
+                </a:r>
+                <a:endParaRPr lang="en-GB" sz="1200" kern="1200" dirty="0">
+                  <a:solidFill>
+                    <a:schemeClr val="tx1"/>
+                  </a:solidFill>
+                  <a:effectLst/>
+                  <a:latin typeface="+mn-lt"/>
+                  <a:ea typeface="+mn-ea"/>
+                  <a:cs typeface="+mn-cs"/>
+                </a:endParaRPr>
+              </a:p>
+              <a:p>
+                <a:r>
+                  <a:rPr lang="sr-Latn-RS" sz="1200" kern="1200" dirty="0">
+                    <a:solidFill>
+                      <a:schemeClr val="tx1"/>
+                    </a:solidFill>
+                    <a:effectLst/>
+                    <a:latin typeface="+mn-lt"/>
+                    <a:ea typeface="+mn-ea"/>
+                    <a:cs typeface="+mn-cs"/>
+                  </a:rPr>
+                  <a:t/>
+                </a:r>
+                <a:br>
+                  <a:rPr lang="sr-Latn-RS" sz="1200" kern="1200" dirty="0">
+                    <a:solidFill>
+                      <a:schemeClr val="tx1"/>
+                    </a:solidFill>
+                    <a:effectLst/>
+                    <a:latin typeface="+mn-lt"/>
+                    <a:ea typeface="+mn-ea"/>
+                    <a:cs typeface="+mn-cs"/>
+                  </a:rPr>
+                </a:br>
+                <a:endParaRPr lang="en-GB" dirty="0"/>
+              </a:p>
+            </p:txBody>
+          </p:sp>
+        </mc:Fallback>
+      </mc:AlternateContent>
+      <p:sp>
+        <p:nvSpPr>
+          <p:cNvPr id="4" name="Slide Number Placeholder 3"/>
+          <p:cNvSpPr>
+            <a:spLocks noGrp="1"/>
+          </p:cNvSpPr>
+          <p:nvPr>
+            <p:ph type="sldNum" sz="quarter" idx="10"/>
+          </p:nvPr>
+        </p:nvSpPr>
+        <p:spPr/>
+        <p:txBody>
+          <a:bodyPr/>
+          <a:lstStyle/>
+          <a:p>
+            <a:fld id="{9F10CBF3-37F0-420D-959A-0BF960019D0A}" type="slidenum">
+              <a:rPr lang="en-GB" smtClean="0"/>
+              <a:t>15</a:t>
+            </a:fld>
+            <a:endParaRPr lang="en-GB" dirty="0"/>
+          </a:p>
+        </p:txBody>
+      </p:sp>
+    </p:spTree>
+    <p:extLst>
+      <p:ext uri="{BB962C8B-B14F-4D97-AF65-F5344CB8AC3E}">
+        <p14:creationId xmlns:p14="http://schemas.microsoft.com/office/powerpoint/2010/main" val="2464913382"/>
+      </p:ext>
+    </p:extLst>
+  </p:cSld>
+  <p:clrMapOvr>
+    <a:masterClrMapping/>
+  </p:clrMapOvr>
+</p:notes>
+</file>
+
 <file path=ppt/notesSlides/notesSlide2.xml><?xml version="1.0" encoding="utf-8"?>
 <p:notes xmlns:a="http://schemas.openxmlformats.org/drawingml/2006/main" xmlns:r="http://schemas.openxmlformats.org/officeDocument/2006/relationships" xmlns:p="http://schemas.openxmlformats.org/presentationml/2006/main">
   <p:cSld>
@@ -1298,6 +2777,2847 @@
     <p:extLst>
       <p:ext uri="{BB962C8B-B14F-4D97-AF65-F5344CB8AC3E}">
         <p14:creationId xmlns:p14="http://schemas.microsoft.com/office/powerpoint/2010/main" val="3964633490"/>
+      </p:ext>
+    </p:extLst>
+  </p:cSld>
+  <p:clrMapOvr>
+    <a:masterClrMapping/>
+  </p:clrMapOvr>
+</p:notes>
+</file>
+
+<file path=ppt/notesSlides/notesSlide5.xml><?xml version="1.0" encoding="utf-8"?>
+<p:notes xmlns:a="http://schemas.openxmlformats.org/drawingml/2006/main" xmlns:r="http://schemas.openxmlformats.org/officeDocument/2006/relationships" xmlns:p="http://schemas.openxmlformats.org/presentationml/2006/main">
+  <p:cSld>
+    <p:spTree>
+      <p:nvGrpSpPr>
+        <p:cNvPr id="1" name=""/>
+        <p:cNvGrpSpPr/>
+        <p:nvPr/>
+      </p:nvGrpSpPr>
+      <p:grpSpPr>
+        <a:xfrm>
+          <a:off x="0" y="0"/>
+          <a:ext cx="0" cy="0"/>
+          <a:chOff x="0" y="0"/>
+          <a:chExt cx="0" cy="0"/>
+        </a:xfrm>
+      </p:grpSpPr>
+      <p:sp>
+        <p:nvSpPr>
+          <p:cNvPr id="2" name="Slide Image Placeholder 1"/>
+          <p:cNvSpPr>
+            <a:spLocks noGrp="1" noRot="1" noChangeAspect="1"/>
+          </p:cNvSpPr>
+          <p:nvPr>
+            <p:ph type="sldImg"/>
+          </p:nvPr>
+        </p:nvSpPr>
+        <p:spPr/>
+      </p:sp>
+      <mc:AlternateContent xmlns:mc="http://schemas.openxmlformats.org/markup-compatibility/2006">
+        <mc:Choice xmlns:a14="http://schemas.microsoft.com/office/drawing/2010/main" Requires="a14">
+          <p:sp>
+            <p:nvSpPr>
+              <p:cNvPr id="3" name="Notes Placeholder 2"/>
+              <p:cNvSpPr>
+                <a:spLocks noGrp="1"/>
+              </p:cNvSpPr>
+              <p:nvPr>
+                <p:ph type="body" idx="1"/>
+              </p:nvPr>
+            </p:nvSpPr>
+            <p:spPr/>
+            <p:txBody>
+              <a:bodyPr/>
+              <a:lstStyle/>
+              <a:p>
+                <a:pPr marL="0" marR="0" lvl="0" indent="0" algn="l" defTabSz="914400" rtl="0" eaLnBrk="1" fontAlgn="auto" latinLnBrk="0" hangingPunct="1">
+                  <a:lnSpc>
+                    <a:spcPct val="100000"/>
+                  </a:lnSpc>
+                  <a:spcBef>
+                    <a:spcPts val="0"/>
+                  </a:spcBef>
+                  <a:spcAft>
+                    <a:spcPts val="0"/>
+                  </a:spcAft>
+                  <a:buClrTx/>
+                  <a:buSzTx/>
+                  <a:buFontTx/>
+                  <a:buNone/>
+                  <a:tabLst/>
+                  <a:defRPr/>
+                </a:pPr>
+                <a:r>
+                  <a:rPr lang="sr-Latn-RS" sz="1200" kern="1200" dirty="0" smtClean="0">
+                    <a:solidFill>
+                      <a:schemeClr val="tx1"/>
+                    </a:solidFill>
+                    <a:effectLst/>
+                    <a:latin typeface="+mn-lt"/>
+                    <a:ea typeface="+mn-ea"/>
+                    <a:cs typeface="+mn-cs"/>
+                  </a:rPr>
+                  <a:t>Enkripcija (engl. </a:t>
+                </a:r>
+                <a:r>
+                  <a:rPr lang="sr-Latn-RS" sz="1200" i="1" kern="1200" dirty="0" smtClean="0">
+                    <a:solidFill>
+                      <a:schemeClr val="tx1"/>
+                    </a:solidFill>
+                    <a:effectLst/>
+                    <a:latin typeface="+mn-lt"/>
+                    <a:ea typeface="+mn-ea"/>
+                    <a:cs typeface="+mn-cs"/>
+                  </a:rPr>
+                  <a:t>encryption</a:t>
+                </a:r>
+                <a:r>
+                  <a:rPr lang="sr-Latn-RS" sz="1200" kern="1200" dirty="0" smtClean="0">
+                    <a:solidFill>
+                      <a:schemeClr val="tx1"/>
+                    </a:solidFill>
+                    <a:effectLst/>
+                    <a:latin typeface="+mn-lt"/>
+                    <a:ea typeface="+mn-ea"/>
+                    <a:cs typeface="+mn-cs"/>
+                  </a:rPr>
+                  <a:t>) ili šifrovanje je proces u kriptografiji kojim se vrši izmena podataka tako da se podaci, ili poruke, učine nečitljivim za osobe koje ne poseduju određeno znanje (ključ). Na taj način se dobija šifrovana informacija. Da bi ovi podaci postali razumljivi i upotrebljivi, potrebno je da se dešifruju. Dešifrovanje se vrši procesom suprotnim od enkripcije koji se naziva dekripcija (engl. </a:t>
+                </a:r>
+                <a:r>
+                  <a:rPr lang="sr-Latn-RS" sz="1200" i="1" kern="1200" dirty="0" smtClean="0">
+                    <a:solidFill>
+                      <a:schemeClr val="tx1"/>
+                    </a:solidFill>
+                    <a:effectLst/>
+                    <a:latin typeface="+mn-lt"/>
+                    <a:ea typeface="+mn-ea"/>
+                    <a:cs typeface="+mn-cs"/>
+                  </a:rPr>
+                  <a:t>decryption</a:t>
+                </a:r>
+                <a:r>
+                  <a:rPr lang="sr-Latn-RS" sz="1200" kern="1200" dirty="0" smtClean="0">
+                    <a:solidFill>
+                      <a:schemeClr val="tx1"/>
+                    </a:solidFill>
+                    <a:effectLst/>
+                    <a:latin typeface="+mn-lt"/>
+                    <a:ea typeface="+mn-ea"/>
+                    <a:cs typeface="+mn-cs"/>
+                  </a:rPr>
+                  <a:t>). </a:t>
+                </a:r>
+                <a:endParaRPr lang="en-GB" sz="1200" kern="1200" dirty="0" smtClean="0">
+                  <a:solidFill>
+                    <a:schemeClr val="tx1"/>
+                  </a:solidFill>
+                  <a:effectLst/>
+                  <a:latin typeface="+mn-lt"/>
+                  <a:ea typeface="+mn-ea"/>
+                  <a:cs typeface="+mn-cs"/>
+                </a:endParaRPr>
+              </a:p>
+              <a:p>
+                <a:pPr marL="0" marR="0" lvl="0" indent="0" algn="l" defTabSz="914400" rtl="0" eaLnBrk="1" fontAlgn="auto" latinLnBrk="0" hangingPunct="1">
+                  <a:lnSpc>
+                    <a:spcPct val="100000"/>
+                  </a:lnSpc>
+                  <a:spcBef>
+                    <a:spcPts val="0"/>
+                  </a:spcBef>
+                  <a:spcAft>
+                    <a:spcPts val="0"/>
+                  </a:spcAft>
+                  <a:buClrTx/>
+                  <a:buSzTx/>
+                  <a:buFontTx/>
+                  <a:buNone/>
+                  <a:tabLst/>
+                  <a:defRPr/>
+                </a:pPr>
+                <a:endParaRPr lang="en-GB" sz="1200" kern="1200" dirty="0" smtClean="0">
+                  <a:solidFill>
+                    <a:schemeClr val="tx1"/>
+                  </a:solidFill>
+                  <a:effectLst/>
+                  <a:latin typeface="+mn-lt"/>
+                  <a:ea typeface="+mn-ea"/>
+                  <a:cs typeface="+mn-cs"/>
+                </a:endParaRPr>
+              </a:p>
+              <a:p>
+                <a:pPr marL="0" marR="0" lvl="0" indent="0" algn="l" defTabSz="914400" rtl="0" eaLnBrk="1" fontAlgn="auto" latinLnBrk="0" hangingPunct="1">
+                  <a:lnSpc>
+                    <a:spcPct val="100000"/>
+                  </a:lnSpc>
+                  <a:spcBef>
+                    <a:spcPts val="0"/>
+                  </a:spcBef>
+                  <a:spcAft>
+                    <a:spcPts val="0"/>
+                  </a:spcAft>
+                  <a:buClrTx/>
+                  <a:buSzTx/>
+                  <a:buFontTx/>
+                  <a:buNone/>
+                  <a:tabLst/>
+                  <a:defRPr/>
+                </a:pPr>
+                <a:r>
+                  <a:rPr lang="en-GB" sz="1200" kern="1200" dirty="0" err="1" smtClean="0">
+                    <a:solidFill>
+                      <a:schemeClr val="tx1"/>
+                    </a:solidFill>
+                    <a:effectLst/>
+                    <a:latin typeface="+mn-lt"/>
+                    <a:ea typeface="+mn-ea"/>
+                    <a:cs typeface="+mn-cs"/>
+                  </a:rPr>
+                  <a:t>Elementi</a:t>
+                </a:r>
+                <a:r>
+                  <a:rPr lang="en-GB" sz="1200" kern="1200" dirty="0" smtClean="0">
+                    <a:solidFill>
+                      <a:schemeClr val="tx1"/>
+                    </a:solidFill>
+                    <a:effectLst/>
+                    <a:latin typeface="+mn-lt"/>
+                    <a:ea typeface="+mn-ea"/>
+                    <a:cs typeface="+mn-cs"/>
+                  </a:rPr>
+                  <a:t> </a:t>
+                </a:r>
+                <a:r>
+                  <a:rPr lang="en-GB" sz="1200" kern="1200" dirty="0" err="1" smtClean="0">
+                    <a:solidFill>
+                      <a:schemeClr val="tx1"/>
+                    </a:solidFill>
+                    <a:effectLst/>
+                    <a:latin typeface="+mn-lt"/>
+                    <a:ea typeface="+mn-ea"/>
+                    <a:cs typeface="+mn-cs"/>
+                  </a:rPr>
+                  <a:t>enkripcije</a:t>
+                </a:r>
+                <a:r>
+                  <a:rPr lang="en-GB" sz="1200" kern="1200" dirty="0" smtClean="0">
+                    <a:solidFill>
+                      <a:schemeClr val="tx1"/>
+                    </a:solidFill>
+                    <a:effectLst/>
+                    <a:latin typeface="+mn-lt"/>
+                    <a:ea typeface="+mn-ea"/>
+                    <a:cs typeface="+mn-cs"/>
+                  </a:rPr>
+                  <a:t>:</a:t>
+                </a:r>
+              </a:p>
+              <a:p>
+                <a:r>
+                  <a:rPr lang="sr-Latn-RS" sz="1200" kern="1200" dirty="0" smtClean="0">
+                    <a:solidFill>
+                      <a:schemeClr val="tx1"/>
+                    </a:solidFill>
+                    <a:effectLst/>
+                    <a:latin typeface="+mn-lt"/>
+                    <a:ea typeface="+mn-ea"/>
+                    <a:cs typeface="+mn-cs"/>
+                  </a:rPr>
+                  <a:t>• </a:t>
+                </a:r>
+                <a:r>
+                  <a:rPr lang="sr-Latn-RS" sz="1200" i="1" kern="1200" dirty="0" smtClean="0">
+                    <a:solidFill>
+                      <a:schemeClr val="tx1"/>
+                    </a:solidFill>
+                    <a:effectLst/>
+                    <a:latin typeface="+mn-lt"/>
+                    <a:ea typeface="+mn-ea"/>
+                    <a:cs typeface="+mn-cs"/>
+                  </a:rPr>
+                  <a:t>Algoritam</a:t>
+                </a:r>
+                <a:r>
+                  <a:rPr lang="sr-Latn-RS" sz="1200" kern="1200" dirty="0" smtClean="0">
+                    <a:solidFill>
+                      <a:schemeClr val="tx1"/>
+                    </a:solidFill>
+                    <a:effectLst/>
+                    <a:latin typeface="+mn-lt"/>
+                    <a:ea typeface="+mn-ea"/>
+                    <a:cs typeface="+mn-cs"/>
+                  </a:rPr>
+                  <a:t>: funkcija, obično sa jakom matematičkom osnovom, koja obavlja zadatak enkripcije podataka.</a:t>
+                </a:r>
+                <a:endParaRPr lang="en-GB" sz="1200" kern="1200" dirty="0" smtClean="0">
+                  <a:solidFill>
+                    <a:schemeClr val="tx1"/>
+                  </a:solidFill>
+                  <a:effectLst/>
+                  <a:latin typeface="+mn-lt"/>
+                  <a:ea typeface="+mn-ea"/>
+                  <a:cs typeface="+mn-cs"/>
+                </a:endParaRPr>
+              </a:p>
+              <a:p>
+                <a:r>
+                  <a:rPr lang="sr-Latn-RS" sz="1200" kern="1200" dirty="0" smtClean="0">
+                    <a:solidFill>
+                      <a:schemeClr val="tx1"/>
+                    </a:solidFill>
+                    <a:effectLst/>
+                    <a:latin typeface="+mn-lt"/>
+                    <a:ea typeface="+mn-ea"/>
+                    <a:cs typeface="+mn-cs"/>
+                  </a:rPr>
+                  <a:t>• </a:t>
+                </a:r>
+                <a:r>
+                  <a:rPr lang="sr-Latn-RS" sz="1200" i="1" kern="1200" dirty="0" smtClean="0">
+                    <a:solidFill>
+                      <a:schemeClr val="tx1"/>
+                    </a:solidFill>
+                    <a:effectLst/>
+                    <a:latin typeface="+mn-lt"/>
+                    <a:ea typeface="+mn-ea"/>
+                    <a:cs typeface="+mn-cs"/>
+                  </a:rPr>
+                  <a:t>Ključevi</a:t>
+                </a:r>
+                <a:r>
+                  <a:rPr lang="sr-Latn-RS" sz="1200" kern="1200" dirty="0" smtClean="0">
+                    <a:solidFill>
+                      <a:schemeClr val="tx1"/>
+                    </a:solidFill>
+                    <a:effectLst/>
+                    <a:latin typeface="+mn-lt"/>
+                    <a:ea typeface="+mn-ea"/>
+                    <a:cs typeface="+mn-cs"/>
+                  </a:rPr>
+                  <a:t>: koriste se zajedno sa algoritmima enkripcije i određuju način na koji su podaci šifrovani.</a:t>
+                </a:r>
+                <a:endParaRPr lang="en-GB" sz="1200" kern="1200" dirty="0" smtClean="0">
+                  <a:solidFill>
+                    <a:schemeClr val="tx1"/>
+                  </a:solidFill>
+                  <a:effectLst/>
+                  <a:latin typeface="+mn-lt"/>
+                  <a:ea typeface="+mn-ea"/>
+                  <a:cs typeface="+mn-cs"/>
+                </a:endParaRPr>
+              </a:p>
+              <a:p>
+                <a:r>
+                  <a:rPr lang="sr-Latn-RS" sz="1200" kern="1200" dirty="0" smtClean="0">
+                    <a:solidFill>
+                      <a:schemeClr val="tx1"/>
+                    </a:solidFill>
+                    <a:effectLst/>
+                    <a:latin typeface="+mn-lt"/>
+                    <a:ea typeface="+mn-ea"/>
+                    <a:cs typeface="+mn-cs"/>
+                  </a:rPr>
+                  <a:t>• </a:t>
+                </a:r>
+                <a:r>
+                  <a:rPr lang="sr-Latn-RS" sz="1200" i="1" kern="1200" dirty="0" smtClean="0">
+                    <a:solidFill>
+                      <a:schemeClr val="tx1"/>
+                    </a:solidFill>
+                    <a:effectLst/>
+                    <a:latin typeface="+mn-lt"/>
+                    <a:ea typeface="+mn-ea"/>
+                    <a:cs typeface="+mn-cs"/>
+                  </a:rPr>
+                  <a:t>Dužina ključa</a:t>
+                </a:r>
+                <a:r>
+                  <a:rPr lang="sr-Latn-RS" sz="1200" kern="1200" dirty="0" smtClean="0">
+                    <a:solidFill>
+                      <a:schemeClr val="tx1"/>
+                    </a:solidFill>
+                    <a:effectLst/>
+                    <a:latin typeface="+mn-lt"/>
+                    <a:ea typeface="+mn-ea"/>
+                    <a:cs typeface="+mn-cs"/>
+                  </a:rPr>
+                  <a:t>: enkripcioni ključevi imaju određenu dužinu u zavisnosti od toga koji enkripcioni sistemi se koriste. Dužina se meri brojem bitova, a što su duži ključevi, teži su za oštećenje sistema enkripcije.</a:t>
+                </a:r>
+                <a:endParaRPr lang="en-GB" sz="1200" kern="1200" dirty="0" smtClean="0">
+                  <a:solidFill>
+                    <a:schemeClr val="tx1"/>
+                  </a:solidFill>
+                  <a:effectLst/>
+                  <a:latin typeface="+mn-lt"/>
+                  <a:ea typeface="+mn-ea"/>
+                  <a:cs typeface="+mn-cs"/>
+                </a:endParaRPr>
+              </a:p>
+              <a:p>
+                <a:r>
+                  <a:rPr lang="sr-Latn-RS" sz="1200" kern="1200" dirty="0" smtClean="0">
+                    <a:solidFill>
+                      <a:schemeClr val="tx1"/>
+                    </a:solidFill>
+                    <a:effectLst/>
+                    <a:latin typeface="+mn-lt"/>
+                    <a:ea typeface="+mn-ea"/>
+                    <a:cs typeface="+mn-cs"/>
+                  </a:rPr>
+                  <a:t>• </a:t>
+                </a:r>
+                <a:r>
+                  <a:rPr lang="sr-Latn-RS" sz="1200" i="1" kern="1200" dirty="0" smtClean="0">
+                    <a:solidFill>
+                      <a:schemeClr val="tx1"/>
+                    </a:solidFill>
+                    <a:effectLst/>
+                    <a:latin typeface="+mn-lt"/>
+                    <a:ea typeface="+mn-ea"/>
+                    <a:cs typeface="+mn-cs"/>
+                  </a:rPr>
+                  <a:t>Otvoren tekst</a:t>
+                </a:r>
+                <a:r>
+                  <a:rPr lang="sr-Latn-RS" sz="1200" kern="1200" dirty="0" smtClean="0">
+                    <a:solidFill>
+                      <a:schemeClr val="tx1"/>
+                    </a:solidFill>
+                    <a:effectLst/>
+                    <a:latin typeface="+mn-lt"/>
+                    <a:ea typeface="+mn-ea"/>
+                    <a:cs typeface="+mn-cs"/>
+                  </a:rPr>
+                  <a:t> (engl. </a:t>
+                </a:r>
+                <a:r>
+                  <a:rPr lang="sr-Latn-RS" sz="1200" i="1" kern="1200" dirty="0" smtClean="0">
+                    <a:solidFill>
+                      <a:schemeClr val="tx1"/>
+                    </a:solidFill>
+                    <a:effectLst/>
+                    <a:latin typeface="+mn-lt"/>
+                    <a:ea typeface="+mn-ea"/>
+                    <a:cs typeface="+mn-cs"/>
+                  </a:rPr>
+                  <a:t>plaintext</a:t>
+                </a:r>
+                <a:r>
+                  <a:rPr lang="sr-Latn-RS" sz="1200" kern="1200" dirty="0" smtClean="0">
+                    <a:solidFill>
+                      <a:schemeClr val="tx1"/>
+                    </a:solidFill>
+                    <a:effectLst/>
+                    <a:latin typeface="+mn-lt"/>
+                    <a:ea typeface="+mn-ea"/>
+                    <a:cs typeface="+mn-cs"/>
+                  </a:rPr>
+                  <a:t>): informacije koje želimo da šifrujemo.</a:t>
+                </a:r>
+                <a:endParaRPr lang="en-GB" sz="1200" kern="1200" dirty="0" smtClean="0">
+                  <a:solidFill>
+                    <a:schemeClr val="tx1"/>
+                  </a:solidFill>
+                  <a:effectLst/>
+                  <a:latin typeface="+mn-lt"/>
+                  <a:ea typeface="+mn-ea"/>
+                  <a:cs typeface="+mn-cs"/>
+                </a:endParaRPr>
+              </a:p>
+              <a:p>
+                <a:r>
+                  <a:rPr lang="sr-Latn-RS" sz="1200" kern="1200" dirty="0" smtClean="0">
+                    <a:solidFill>
+                      <a:schemeClr val="tx1"/>
+                    </a:solidFill>
+                    <a:effectLst/>
+                    <a:latin typeface="+mn-lt"/>
+                    <a:ea typeface="+mn-ea"/>
+                    <a:cs typeface="+mn-cs"/>
+                  </a:rPr>
+                  <a:t>• </a:t>
+                </a:r>
+                <a:r>
+                  <a:rPr lang="sr-Latn-RS" sz="1200" i="1" kern="1200" dirty="0" smtClean="0">
+                    <a:solidFill>
+                      <a:schemeClr val="tx1"/>
+                    </a:solidFill>
+                    <a:effectLst/>
+                    <a:latin typeface="+mn-lt"/>
+                    <a:ea typeface="+mn-ea"/>
+                    <a:cs typeface="+mn-cs"/>
+                  </a:rPr>
+                  <a:t>Šifrovan tekst</a:t>
+                </a:r>
+                <a:r>
+                  <a:rPr lang="sr-Latn-RS" sz="1200" kern="1200" dirty="0" smtClean="0">
+                    <a:solidFill>
+                      <a:schemeClr val="tx1"/>
+                    </a:solidFill>
+                    <a:effectLst/>
+                    <a:latin typeface="+mn-lt"/>
+                    <a:ea typeface="+mn-ea"/>
+                    <a:cs typeface="+mn-cs"/>
+                  </a:rPr>
+                  <a:t> (engl. </a:t>
+                </a:r>
+                <a:r>
+                  <a:rPr lang="sr-Latn-RS" sz="1200" i="1" kern="1200" dirty="0" smtClean="0">
+                    <a:solidFill>
+                      <a:schemeClr val="tx1"/>
+                    </a:solidFill>
+                    <a:effectLst/>
+                    <a:latin typeface="+mn-lt"/>
+                    <a:ea typeface="+mn-ea"/>
+                    <a:cs typeface="+mn-cs"/>
+                  </a:rPr>
+                  <a:t>ciphertext</a:t>
+                </a:r>
+                <a:r>
+                  <a:rPr lang="sr-Latn-RS" sz="1200" kern="1200" dirty="0" smtClean="0">
+                    <a:solidFill>
+                      <a:schemeClr val="tx1"/>
+                    </a:solidFill>
+                    <a:effectLst/>
+                    <a:latin typeface="+mn-lt"/>
+                    <a:ea typeface="+mn-ea"/>
+                    <a:cs typeface="+mn-cs"/>
+                  </a:rPr>
+                  <a:t>): informacije nakon šifrovanja.</a:t>
+                </a:r>
+              </a:p>
+              <a:p>
+                <a:endParaRPr lang="sr-Latn-RS" sz="1200" kern="1200" dirty="0" smtClean="0">
+                  <a:solidFill>
+                    <a:schemeClr val="tx1"/>
+                  </a:solidFill>
+                  <a:effectLst/>
+                  <a:latin typeface="+mn-lt"/>
+                  <a:ea typeface="+mn-ea"/>
+                  <a:cs typeface="+mn-cs"/>
+                </a:endParaRPr>
+              </a:p>
+              <a:p>
+                <a:r>
+                  <a:rPr lang="sr-Latn-RS" sz="1200" kern="1200" dirty="0" smtClean="0">
+                    <a:solidFill>
+                      <a:schemeClr val="tx1"/>
+                    </a:solidFill>
+                    <a:effectLst/>
+                    <a:latin typeface="+mn-lt"/>
+                    <a:ea typeface="+mn-ea"/>
+                    <a:cs typeface="+mn-cs"/>
+                  </a:rPr>
+                  <a:t>Postoje dve osnovne vrste enkripcije, simetrična i asimetrična enkripcija. Kod simetrične enkripcije se i za šifrovanje i za dešifrovanje koristi ista šifra (ključ), i samim tim što obe strane koriste isti ključ i za enkripciju i za dekripciju proboj sistema je znatno olakšan. Kod asimetrične enkripcije postoji poseban ključ samo za šifrovanje i drugi koji služi samo za dešifrovanje. Ova dva ključa nazivaju se još </a:t>
+                </a:r>
+                <a:r>
+                  <a:rPr lang="sr-Latn-RS" sz="1200" b="1" kern="1200" dirty="0" smtClean="0">
+                    <a:solidFill>
+                      <a:schemeClr val="tx1"/>
+                    </a:solidFill>
+                    <a:effectLst/>
+                    <a:latin typeface="+mn-lt"/>
+                    <a:ea typeface="+mn-ea"/>
+                    <a:cs typeface="+mn-cs"/>
+                  </a:rPr>
+                  <a:t>tajni</a:t>
+                </a:r>
+                <a:r>
+                  <a:rPr lang="sr-Latn-RS" sz="1200" kern="1200" dirty="0" smtClean="0">
+                    <a:solidFill>
+                      <a:schemeClr val="tx1"/>
+                    </a:solidFill>
+                    <a:effectLst/>
+                    <a:latin typeface="+mn-lt"/>
+                    <a:ea typeface="+mn-ea"/>
+                    <a:cs typeface="+mn-cs"/>
+                  </a:rPr>
+                  <a:t> i </a:t>
+                </a:r>
+                <a:r>
+                  <a:rPr lang="sr-Latn-RS" sz="1200" b="1" kern="1200" dirty="0" smtClean="0">
+                    <a:solidFill>
+                      <a:schemeClr val="tx1"/>
+                    </a:solidFill>
+                    <a:effectLst/>
+                    <a:latin typeface="+mn-lt"/>
+                    <a:ea typeface="+mn-ea"/>
+                    <a:cs typeface="+mn-cs"/>
+                  </a:rPr>
+                  <a:t>javni</a:t>
+                </a:r>
+                <a:r>
+                  <a:rPr lang="sr-Latn-RS" sz="1200" i="1" kern="1200" dirty="0" smtClean="0">
+                    <a:solidFill>
+                      <a:schemeClr val="tx1"/>
+                    </a:solidFill>
+                    <a:effectLst/>
+                    <a:latin typeface="+mn-lt"/>
+                    <a:ea typeface="+mn-ea"/>
+                    <a:cs typeface="+mn-cs"/>
+                  </a:rPr>
+                  <a:t> </a:t>
+                </a:r>
+                <a:r>
+                  <a:rPr lang="sr-Latn-RS" sz="1200" kern="1200" dirty="0" smtClean="0">
+                    <a:solidFill>
+                      <a:schemeClr val="tx1"/>
+                    </a:solidFill>
+                    <a:effectLst/>
+                    <a:latin typeface="+mn-lt"/>
+                    <a:ea typeface="+mn-ea"/>
+                    <a:cs typeface="+mn-cs"/>
+                  </a:rPr>
+                  <a:t>ključevi. Tajni ključ se dodeljuje onda kada se vrši enkripcija i na osnovu njega se generiše javni ključ, koji koristi strana koja treba da pročita podatke.</a:t>
+                </a:r>
+                <a:r>
+                  <a:rPr lang="sr-Latn-RS" sz="1200" i="1" kern="1200" dirty="0" smtClean="0">
+                    <a:solidFill>
+                      <a:schemeClr val="tx1"/>
+                    </a:solidFill>
+                    <a:effectLst/>
+                    <a:latin typeface="+mn-lt"/>
+                    <a:ea typeface="+mn-ea"/>
+                    <a:cs typeface="+mn-cs"/>
+                  </a:rPr>
+                  <a:t> </a:t>
+                </a:r>
+              </a:p>
+              <a:p>
+                <a:endParaRPr lang="sr-Latn-RS" sz="1200" i="1" kern="1200" dirty="0" smtClean="0">
+                  <a:solidFill>
+                    <a:schemeClr val="tx1"/>
+                  </a:solidFill>
+                  <a:effectLst/>
+                  <a:latin typeface="+mn-lt"/>
+                  <a:ea typeface="+mn-ea"/>
+                  <a:cs typeface="+mn-cs"/>
+                </a:endParaRPr>
+              </a:p>
+              <a:p>
+                <a:r>
+                  <a:rPr lang="sr-Latn-RS" sz="1200" kern="1200" dirty="0" smtClean="0">
+                    <a:solidFill>
+                      <a:schemeClr val="tx1"/>
+                    </a:solidFill>
+                    <a:effectLst/>
+                    <a:latin typeface="+mn-lt"/>
+                    <a:ea typeface="+mn-ea"/>
+                    <a:cs typeface="+mn-cs"/>
+                  </a:rPr>
+                  <a:t>Kod </a:t>
+                </a:r>
+                <a:r>
+                  <a:rPr lang="sr-Latn-RS" sz="1200" i="1" kern="1200" dirty="0">
+                    <a:solidFill>
+                      <a:schemeClr val="tx1"/>
+                    </a:solidFill>
+                    <a:effectLst/>
+                    <a:latin typeface="+mn-lt"/>
+                    <a:ea typeface="+mn-ea"/>
+                    <a:cs typeface="+mn-cs"/>
+                  </a:rPr>
+                  <a:t>RSA</a:t>
+                </a:r>
+                <a:r>
+                  <a:rPr lang="sr-Latn-RS" sz="1200" kern="1200" dirty="0">
+                    <a:solidFill>
+                      <a:schemeClr val="tx1"/>
+                    </a:solidFill>
+                    <a:effectLst/>
+                    <a:latin typeface="+mn-lt"/>
+                    <a:ea typeface="+mn-ea"/>
+                    <a:cs typeface="+mn-cs"/>
+                  </a:rPr>
+                  <a:t> enkripcije se postavlja pitanje zašto se koriste baš prosti brojevi? Zašto ne bilo koja dva velika broja? Odgovor leži u tome da je današnjim računarima veoma lako pomnožiti dva velika prosta broja i naći broj </a:t>
+                </a:r>
+                <a14:m>
+                  <m:oMath xmlns:m="http://schemas.openxmlformats.org/officeDocument/2006/math">
+                    <m:r>
+                      <a:rPr lang="sr-Latn-RS" sz="1200" b="1" i="1" kern="1200">
+                        <a:solidFill>
+                          <a:schemeClr val="tx1"/>
+                        </a:solidFill>
+                        <a:effectLst/>
+                        <a:latin typeface="+mn-lt"/>
+                        <a:ea typeface="+mn-ea"/>
+                        <a:cs typeface="+mn-cs"/>
+                      </a:rPr>
+                      <m:t>𝒏</m:t>
+                    </m:r>
+                  </m:oMath>
+                </a14:m>
+                <a:r>
+                  <a:rPr lang="sr-Latn-RS" sz="1200" kern="1200" dirty="0">
+                    <a:solidFill>
+                      <a:schemeClr val="tx1"/>
+                    </a:solidFill>
+                    <a:effectLst/>
+                    <a:latin typeface="+mn-lt"/>
+                    <a:ea typeface="+mn-ea"/>
+                    <a:cs typeface="+mn-cs"/>
+                  </a:rPr>
+                  <a:t>, ali ne postoji način na koji bi se efikasno odradila inverzna operacija kako bi se došlo do faktora </a:t>
+                </a:r>
+                <a14:m>
+                  <m:oMath xmlns:m="http://schemas.openxmlformats.org/officeDocument/2006/math">
+                    <m:r>
+                      <a:rPr lang="sr-Latn-RS" sz="1200" b="1" i="1" kern="1200">
+                        <a:solidFill>
+                          <a:schemeClr val="tx1"/>
+                        </a:solidFill>
+                        <a:effectLst/>
+                        <a:latin typeface="+mn-lt"/>
+                        <a:ea typeface="+mn-ea"/>
+                        <a:cs typeface="+mn-cs"/>
+                      </a:rPr>
+                      <m:t>𝒑</m:t>
+                    </m:r>
+                  </m:oMath>
+                </a14:m>
+                <a:r>
+                  <a:rPr lang="sr-Latn-RS" sz="1200" kern="1200" dirty="0">
+                    <a:solidFill>
+                      <a:schemeClr val="tx1"/>
+                    </a:solidFill>
+                    <a:effectLst/>
+                    <a:latin typeface="+mn-lt"/>
+                    <a:ea typeface="+mn-ea"/>
+                    <a:cs typeface="+mn-cs"/>
+                  </a:rPr>
+                  <a:t> i </a:t>
+                </a:r>
+                <a14:m>
+                  <m:oMath xmlns:m="http://schemas.openxmlformats.org/officeDocument/2006/math">
+                    <m:r>
+                      <a:rPr lang="sr-Latn-RS" sz="1200" b="1" i="1" kern="1200">
+                        <a:solidFill>
+                          <a:schemeClr val="tx1"/>
+                        </a:solidFill>
+                        <a:effectLst/>
+                        <a:latin typeface="+mn-lt"/>
+                        <a:ea typeface="+mn-ea"/>
+                        <a:cs typeface="+mn-cs"/>
+                      </a:rPr>
+                      <m:t>𝒒</m:t>
+                    </m:r>
+                  </m:oMath>
+                </a14:m>
+                <a:r>
+                  <a:rPr lang="sr-Latn-RS" sz="1200" kern="1200" dirty="0">
+                    <a:solidFill>
+                      <a:schemeClr val="tx1"/>
+                    </a:solidFill>
+                    <a:effectLst/>
+                    <a:latin typeface="+mn-lt"/>
+                    <a:ea typeface="+mn-ea"/>
+                    <a:cs typeface="+mn-cs"/>
+                  </a:rPr>
+                  <a:t> jer to direktno proizilazi iz osnovne teoreme algebre. Ona kaže da se svaki složeni broj, koji je veći od 1, može napisati na tačno jedan način kao proizvod prostih brojeva. Sa malim brojevima to je lako, npr. </a:t>
+                </a:r>
+                <a14:m>
+                  <m:oMath xmlns:m="http://schemas.openxmlformats.org/officeDocument/2006/math">
+                    <m:r>
+                      <a:rPr lang="sr-Latn-RS" sz="1200" b="1" i="1" kern="1200">
+                        <a:solidFill>
+                          <a:schemeClr val="tx1"/>
+                        </a:solidFill>
+                        <a:effectLst/>
+                        <a:latin typeface="+mn-lt"/>
+                        <a:ea typeface="+mn-ea"/>
+                        <a:cs typeface="+mn-cs"/>
+                      </a:rPr>
+                      <m:t>𝟏𝟓</m:t>
+                    </m:r>
+                    <m:r>
+                      <a:rPr lang="sr-Latn-RS" sz="1200" b="1" i="1" kern="1200">
+                        <a:solidFill>
+                          <a:schemeClr val="tx1"/>
+                        </a:solidFill>
+                        <a:effectLst/>
+                        <a:latin typeface="+mn-lt"/>
+                        <a:ea typeface="+mn-ea"/>
+                        <a:cs typeface="+mn-cs"/>
+                      </a:rPr>
+                      <m:t>=</m:t>
+                    </m:r>
+                    <m:r>
+                      <a:rPr lang="sr-Latn-RS" sz="1200" b="1" i="1" kern="1200">
+                        <a:solidFill>
+                          <a:schemeClr val="tx1"/>
+                        </a:solidFill>
+                        <a:effectLst/>
+                        <a:latin typeface="+mn-lt"/>
+                        <a:ea typeface="+mn-ea"/>
+                        <a:cs typeface="+mn-cs"/>
+                      </a:rPr>
+                      <m:t>𝟑</m:t>
+                    </m:r>
+                    <m:r>
+                      <a:rPr lang="sr-Latn-RS" sz="1200" b="1" i="1" kern="1200">
+                        <a:solidFill>
+                          <a:schemeClr val="tx1"/>
+                        </a:solidFill>
+                        <a:effectLst/>
+                        <a:latin typeface="+mn-lt"/>
+                        <a:ea typeface="+mn-ea"/>
+                        <a:cs typeface="+mn-cs"/>
+                      </a:rPr>
+                      <m:t>∗</m:t>
+                    </m:r>
+                    <m:r>
+                      <a:rPr lang="sr-Latn-RS" sz="1200" b="1" i="1" kern="1200">
+                        <a:solidFill>
+                          <a:schemeClr val="tx1"/>
+                        </a:solidFill>
+                        <a:effectLst/>
+                        <a:latin typeface="+mn-lt"/>
+                        <a:ea typeface="+mn-ea"/>
+                        <a:cs typeface="+mn-cs"/>
+                      </a:rPr>
+                      <m:t>𝟓</m:t>
+                    </m:r>
+                  </m:oMath>
+                </a14:m>
+                <a:r>
+                  <a:rPr lang="sr-Latn-RS" sz="1200" kern="1200" dirty="0">
+                    <a:solidFill>
+                      <a:schemeClr val="tx1"/>
+                    </a:solidFill>
+                    <a:effectLst/>
+                    <a:latin typeface="+mn-lt"/>
+                    <a:ea typeface="+mn-ea"/>
+                    <a:cs typeface="+mn-cs"/>
+                  </a:rPr>
+                  <a:t> ili </a:t>
+                </a:r>
+                <a14:m>
+                  <m:oMath xmlns:m="http://schemas.openxmlformats.org/officeDocument/2006/math">
+                    <m:r>
+                      <a:rPr lang="sr-Latn-RS" sz="1200" b="1" i="1" kern="1200">
+                        <a:solidFill>
+                          <a:schemeClr val="tx1"/>
+                        </a:solidFill>
+                        <a:effectLst/>
+                        <a:latin typeface="+mn-lt"/>
+                        <a:ea typeface="+mn-ea"/>
+                        <a:cs typeface="+mn-cs"/>
+                      </a:rPr>
+                      <m:t>𝟐𝟓𝟓</m:t>
+                    </m:r>
+                    <m:r>
+                      <a:rPr lang="sr-Latn-RS" sz="1200" b="1" i="1" kern="1200">
+                        <a:solidFill>
+                          <a:schemeClr val="tx1"/>
+                        </a:solidFill>
+                        <a:effectLst/>
+                        <a:latin typeface="+mn-lt"/>
+                        <a:ea typeface="+mn-ea"/>
+                        <a:cs typeface="+mn-cs"/>
+                      </a:rPr>
+                      <m:t>=</m:t>
+                    </m:r>
+                    <m:r>
+                      <a:rPr lang="sr-Latn-RS" sz="1200" b="1" i="1" kern="1200">
+                        <a:solidFill>
+                          <a:schemeClr val="tx1"/>
+                        </a:solidFill>
+                        <a:effectLst/>
+                        <a:latin typeface="+mn-lt"/>
+                        <a:ea typeface="+mn-ea"/>
+                        <a:cs typeface="+mn-cs"/>
+                      </a:rPr>
+                      <m:t>𝟑</m:t>
+                    </m:r>
+                    <m:r>
+                      <a:rPr lang="sr-Latn-RS" sz="1200" b="1" i="1" kern="1200">
+                        <a:solidFill>
+                          <a:schemeClr val="tx1"/>
+                        </a:solidFill>
+                        <a:effectLst/>
+                        <a:latin typeface="+mn-lt"/>
+                        <a:ea typeface="+mn-ea"/>
+                        <a:cs typeface="+mn-cs"/>
+                      </a:rPr>
+                      <m:t>∗</m:t>
+                    </m:r>
+                    <m:r>
+                      <a:rPr lang="sr-Latn-RS" sz="1200" b="1" i="1" kern="1200">
+                        <a:solidFill>
+                          <a:schemeClr val="tx1"/>
+                        </a:solidFill>
+                        <a:effectLst/>
+                        <a:latin typeface="+mn-lt"/>
+                        <a:ea typeface="+mn-ea"/>
+                        <a:cs typeface="+mn-cs"/>
+                      </a:rPr>
+                      <m:t>𝟓</m:t>
+                    </m:r>
+                    <m:r>
+                      <a:rPr lang="sr-Latn-RS" sz="1200" b="1" i="1" kern="1200">
+                        <a:solidFill>
+                          <a:schemeClr val="tx1"/>
+                        </a:solidFill>
+                        <a:effectLst/>
+                        <a:latin typeface="+mn-lt"/>
+                        <a:ea typeface="+mn-ea"/>
+                        <a:cs typeface="+mn-cs"/>
+                      </a:rPr>
+                      <m:t>∗</m:t>
+                    </m:r>
+                    <m:r>
+                      <a:rPr lang="sr-Latn-RS" sz="1200" b="1" i="1" kern="1200">
+                        <a:solidFill>
+                          <a:schemeClr val="tx1"/>
+                        </a:solidFill>
+                        <a:effectLst/>
+                        <a:latin typeface="+mn-lt"/>
+                        <a:ea typeface="+mn-ea"/>
+                        <a:cs typeface="+mn-cs"/>
+                      </a:rPr>
+                      <m:t>𝟏𝟕</m:t>
+                    </m:r>
+                  </m:oMath>
+                </a14:m>
+                <a:r>
+                  <a:rPr lang="sr-Latn-RS" sz="1200" kern="1200" dirty="0">
+                    <a:solidFill>
+                      <a:schemeClr val="tx1"/>
+                    </a:solidFill>
+                    <a:effectLst/>
+                    <a:latin typeface="+mn-lt"/>
+                    <a:ea typeface="+mn-ea"/>
+                    <a:cs typeface="+mn-cs"/>
+                  </a:rPr>
+                  <a:t>, ali kada je dat problem koji izgleda kao </a:t>
+                </a:r>
+                <a14:m>
+                  <m:oMath xmlns:m="http://schemas.openxmlformats.org/officeDocument/2006/math">
+                    <m:r>
+                      <a:rPr lang="sr-Latn-RS" sz="1200" b="1" i="1" kern="1200">
+                        <a:solidFill>
+                          <a:schemeClr val="tx1"/>
+                        </a:solidFill>
+                        <a:effectLst/>
+                        <a:latin typeface="+mn-lt"/>
+                        <a:ea typeface="+mn-ea"/>
+                        <a:cs typeface="+mn-cs"/>
+                      </a:rPr>
+                      <m:t>𝒑</m:t>
+                    </m:r>
+                    <m:r>
+                      <a:rPr lang="sr-Latn-RS" sz="1200" b="1" i="1" kern="1200">
+                        <a:solidFill>
+                          <a:schemeClr val="tx1"/>
+                        </a:solidFill>
+                        <a:effectLst/>
+                        <a:latin typeface="+mn-lt"/>
+                        <a:ea typeface="+mn-ea"/>
+                        <a:cs typeface="+mn-cs"/>
+                      </a:rPr>
+                      <m:t>∗</m:t>
+                    </m:r>
+                    <m:r>
+                      <a:rPr lang="sr-Latn-RS" sz="1200" b="1" i="1" kern="1200">
+                        <a:solidFill>
+                          <a:schemeClr val="tx1"/>
+                        </a:solidFill>
+                        <a:effectLst/>
+                        <a:latin typeface="+mn-lt"/>
+                        <a:ea typeface="+mn-ea"/>
+                        <a:cs typeface="+mn-cs"/>
+                      </a:rPr>
+                      <m:t>𝒒</m:t>
+                    </m:r>
+                    <m:r>
+                      <a:rPr lang="sr-Latn-RS" sz="1200" b="1" i="1" kern="1200">
+                        <a:solidFill>
+                          <a:schemeClr val="tx1"/>
+                        </a:solidFill>
+                        <a:effectLst/>
+                        <a:latin typeface="+mn-lt"/>
+                        <a:ea typeface="+mn-ea"/>
+                        <a:cs typeface="+mn-cs"/>
+                      </a:rPr>
+                      <m:t>=</m:t>
+                    </m:r>
+                    <m:r>
+                      <a:rPr lang="sr-Latn-RS" sz="1200" b="1" i="1" kern="1200">
+                        <a:solidFill>
+                          <a:schemeClr val="tx1"/>
+                        </a:solidFill>
+                        <a:effectLst/>
+                        <a:latin typeface="+mn-lt"/>
+                        <a:ea typeface="+mn-ea"/>
+                        <a:cs typeface="+mn-cs"/>
+                      </a:rPr>
+                      <m:t>𝟔𝟕𝟎𝟎𝟐𝟖𝟑</m:t>
+                    </m:r>
+                  </m:oMath>
+                </a14:m>
+                <a:r>
+                  <a:rPr lang="sr-Latn-RS" sz="1200" kern="1200" dirty="0">
+                    <a:solidFill>
+                      <a:schemeClr val="tx1"/>
+                    </a:solidFill>
+                    <a:effectLst/>
+                    <a:latin typeface="+mn-lt"/>
+                    <a:ea typeface="+mn-ea"/>
+                    <a:cs typeface="+mn-cs"/>
+                  </a:rPr>
+                  <a:t>, onda je izuzetno teško zaključiti da je </a:t>
+                </a:r>
+                <a14:m>
+                  <m:oMath xmlns:m="http://schemas.openxmlformats.org/officeDocument/2006/math">
+                    <m:r>
+                      <a:rPr lang="sr-Latn-RS" sz="1200" b="1" i="1" kern="1200">
+                        <a:solidFill>
+                          <a:schemeClr val="tx1"/>
+                        </a:solidFill>
+                        <a:effectLst/>
+                        <a:latin typeface="+mn-lt"/>
+                        <a:ea typeface="+mn-ea"/>
+                        <a:cs typeface="+mn-cs"/>
+                      </a:rPr>
+                      <m:t>𝒑</m:t>
+                    </m:r>
+                    <m:r>
+                      <a:rPr lang="sr-Latn-RS" sz="1200" b="1" i="1" kern="1200">
+                        <a:solidFill>
+                          <a:schemeClr val="tx1"/>
+                        </a:solidFill>
+                        <a:effectLst/>
+                        <a:latin typeface="+mn-lt"/>
+                        <a:ea typeface="+mn-ea"/>
+                        <a:cs typeface="+mn-cs"/>
+                      </a:rPr>
+                      <m:t>=</m:t>
+                    </m:r>
+                    <m:r>
+                      <a:rPr lang="sr-Latn-RS" sz="1200" b="1" i="1" kern="1200">
+                        <a:solidFill>
+                          <a:schemeClr val="tx1"/>
+                        </a:solidFill>
+                        <a:effectLst/>
+                        <a:latin typeface="+mn-lt"/>
+                        <a:ea typeface="+mn-ea"/>
+                        <a:cs typeface="+mn-cs"/>
+                      </a:rPr>
+                      <m:t>𝟏𝟖𝟖𝟗</m:t>
+                    </m:r>
+                  </m:oMath>
+                </a14:m>
+                <a:r>
+                  <a:rPr lang="sr-Latn-RS" sz="1200" kern="1200" dirty="0">
+                    <a:solidFill>
+                      <a:schemeClr val="tx1"/>
+                    </a:solidFill>
+                    <a:effectLst/>
+                    <a:latin typeface="+mn-lt"/>
+                    <a:ea typeface="+mn-ea"/>
+                    <a:cs typeface="+mn-cs"/>
+                  </a:rPr>
+                  <a:t> i da je </a:t>
+                </a:r>
+                <a14:m>
+                  <m:oMath xmlns:m="http://schemas.openxmlformats.org/officeDocument/2006/math">
+                    <m:r>
+                      <a:rPr lang="sr-Latn-RS" sz="1200" b="1" i="1" kern="1200">
+                        <a:solidFill>
+                          <a:schemeClr val="tx1"/>
+                        </a:solidFill>
+                        <a:effectLst/>
+                        <a:latin typeface="+mn-lt"/>
+                        <a:ea typeface="+mn-ea"/>
+                        <a:cs typeface="+mn-cs"/>
+                      </a:rPr>
+                      <m:t>𝒒</m:t>
+                    </m:r>
+                    <m:r>
+                      <a:rPr lang="sr-Latn-RS" sz="1200" b="1" i="1" kern="1200">
+                        <a:solidFill>
+                          <a:schemeClr val="tx1"/>
+                        </a:solidFill>
+                        <a:effectLst/>
+                        <a:latin typeface="+mn-lt"/>
+                        <a:ea typeface="+mn-ea"/>
+                        <a:cs typeface="+mn-cs"/>
+                      </a:rPr>
+                      <m:t>=</m:t>
+                    </m:r>
+                    <m:r>
+                      <a:rPr lang="sr-Latn-RS" sz="1200" b="1" i="1" kern="1200">
+                        <a:solidFill>
+                          <a:schemeClr val="tx1"/>
+                        </a:solidFill>
+                        <a:effectLst/>
+                        <a:latin typeface="+mn-lt"/>
+                        <a:ea typeface="+mn-ea"/>
+                        <a:cs typeface="+mn-cs"/>
+                      </a:rPr>
+                      <m:t>𝟑𝟓𝟒𝟕</m:t>
+                    </m:r>
+                  </m:oMath>
+                </a14:m>
+                <a:r>
+                  <a:rPr lang="sr-Latn-RS" sz="1200" kern="1200" dirty="0">
+                    <a:solidFill>
+                      <a:schemeClr val="tx1"/>
+                    </a:solidFill>
+                    <a:effectLst/>
+                    <a:latin typeface="+mn-lt"/>
+                    <a:ea typeface="+mn-ea"/>
+                    <a:cs typeface="+mn-cs"/>
+                  </a:rPr>
+                  <a:t>.  Do današnjeg dana nije osmišljen algoritam koji ovo omogućava i ne preostaje ništa drugo no pokušati sa </a:t>
+                </a:r>
+                <a:r>
+                  <a:rPr lang="sr-Latn-RS" sz="1200" i="1" kern="1200" dirty="0">
+                    <a:solidFill>
+                      <a:schemeClr val="tx1"/>
+                    </a:solidFill>
+                    <a:effectLst/>
+                    <a:latin typeface="+mn-lt"/>
+                    <a:ea typeface="+mn-ea"/>
+                    <a:cs typeface="+mn-cs"/>
+                  </a:rPr>
+                  <a:t>brute-force</a:t>
+                </a:r>
+                <a:r>
+                  <a:rPr lang="sr-Latn-RS" sz="1200" kern="1200" dirty="0">
+                    <a:solidFill>
+                      <a:schemeClr val="tx1"/>
+                    </a:solidFill>
+                    <a:effectLst/>
+                    <a:latin typeface="+mn-lt"/>
+                    <a:ea typeface="+mn-ea"/>
+                    <a:cs typeface="+mn-cs"/>
+                  </a:rPr>
+                  <a:t> pretragom (sistematično nabrajanje svih mogućih kandidata za rešavanje problema i proveravanje da li svaki kandidat zadovoljava problem). Ako su brojevi </a:t>
+                </a:r>
+                <a14:m>
+                  <m:oMath xmlns:m="http://schemas.openxmlformats.org/officeDocument/2006/math">
+                    <m:r>
+                      <a:rPr lang="sr-Latn-RS" sz="1200" b="1" i="1" kern="1200">
+                        <a:solidFill>
+                          <a:schemeClr val="tx1"/>
+                        </a:solidFill>
+                        <a:effectLst/>
+                        <a:latin typeface="+mn-lt"/>
+                        <a:ea typeface="+mn-ea"/>
+                        <a:cs typeface="+mn-cs"/>
+                      </a:rPr>
+                      <m:t>𝒑</m:t>
+                    </m:r>
+                  </m:oMath>
+                </a14:m>
+                <a:r>
+                  <a:rPr lang="sr-Latn-RS" sz="1200" kern="1200" dirty="0">
+                    <a:solidFill>
+                      <a:schemeClr val="tx1"/>
+                    </a:solidFill>
+                    <a:effectLst/>
+                    <a:latin typeface="+mn-lt"/>
+                    <a:ea typeface="+mn-ea"/>
+                    <a:cs typeface="+mn-cs"/>
+                  </a:rPr>
+                  <a:t> i </a:t>
+                </a:r>
+                <a14:m>
+                  <m:oMath xmlns:m="http://schemas.openxmlformats.org/officeDocument/2006/math">
+                    <m:r>
+                      <a:rPr lang="sr-Latn-RS" sz="1200" b="1" i="1" kern="1200">
+                        <a:solidFill>
+                          <a:schemeClr val="tx1"/>
+                        </a:solidFill>
+                        <a:effectLst/>
+                        <a:latin typeface="+mn-lt"/>
+                        <a:ea typeface="+mn-ea"/>
+                        <a:cs typeface="+mn-cs"/>
+                      </a:rPr>
+                      <m:t>𝒒</m:t>
+                    </m:r>
+                  </m:oMath>
+                </a14:m>
+                <a:r>
+                  <a:rPr lang="sr-Latn-RS" sz="1200" b="1" kern="1200" dirty="0">
+                    <a:solidFill>
+                      <a:schemeClr val="tx1"/>
+                    </a:solidFill>
+                    <a:effectLst/>
+                    <a:latin typeface="+mn-lt"/>
+                    <a:ea typeface="+mn-ea"/>
+                    <a:cs typeface="+mn-cs"/>
+                  </a:rPr>
+                  <a:t> </a:t>
+                </a:r>
+                <a:r>
+                  <a:rPr lang="sr-Latn-RS" sz="1200" kern="1200" dirty="0">
+                    <a:solidFill>
+                      <a:schemeClr val="tx1"/>
+                    </a:solidFill>
+                    <a:effectLst/>
+                    <a:latin typeface="+mn-lt"/>
+                    <a:ea typeface="+mn-ea"/>
+                    <a:cs typeface="+mn-cs"/>
+                  </a:rPr>
+                  <a:t>dovoljno veliki, srednje vreme </a:t>
+                </a:r>
+                <a:r>
+                  <a:rPr lang="sr-Latn-RS" sz="1200" i="1" kern="1200" dirty="0">
+                    <a:solidFill>
+                      <a:schemeClr val="tx1"/>
+                    </a:solidFill>
+                    <a:effectLst/>
+                    <a:latin typeface="+mn-lt"/>
+                    <a:ea typeface="+mn-ea"/>
+                    <a:cs typeface="+mn-cs"/>
+                  </a:rPr>
+                  <a:t>brute-force </a:t>
+                </a:r>
+                <a:r>
+                  <a:rPr lang="sr-Latn-RS" sz="1200" kern="1200" dirty="0">
+                    <a:solidFill>
+                      <a:schemeClr val="tx1"/>
+                    </a:solidFill>
+                    <a:effectLst/>
+                    <a:latin typeface="+mn-lt"/>
+                    <a:ea typeface="+mn-ea"/>
+                    <a:cs typeface="+mn-cs"/>
+                  </a:rPr>
+                  <a:t>pretrage može da iznosi nekoliko desetina, pa čak i nekoliko stotina godina, što svakako ide u prilog robusnosti i sigurnosti </a:t>
+                </a:r>
+                <a:r>
+                  <a:rPr lang="sr-Latn-RS" sz="1200" i="1" kern="1200" dirty="0">
+                    <a:solidFill>
+                      <a:schemeClr val="tx1"/>
+                    </a:solidFill>
+                    <a:effectLst/>
+                    <a:latin typeface="+mn-lt"/>
+                    <a:ea typeface="+mn-ea"/>
+                    <a:cs typeface="+mn-cs"/>
+                  </a:rPr>
+                  <a:t>RSA</a:t>
+                </a:r>
+                <a:r>
+                  <a:rPr lang="sr-Latn-RS" sz="1200" kern="1200" dirty="0">
+                    <a:solidFill>
+                      <a:schemeClr val="tx1"/>
+                    </a:solidFill>
+                    <a:effectLst/>
+                    <a:latin typeface="+mn-lt"/>
+                    <a:ea typeface="+mn-ea"/>
+                    <a:cs typeface="+mn-cs"/>
+                  </a:rPr>
+                  <a:t> algoritma</a:t>
+                </a:r>
+                <a:r>
+                  <a:rPr lang="sr-Latn-RS" sz="1200" kern="1200" dirty="0" smtClean="0">
+                    <a:solidFill>
+                      <a:schemeClr val="tx1"/>
+                    </a:solidFill>
+                    <a:effectLst/>
+                    <a:latin typeface="+mn-lt"/>
+                    <a:ea typeface="+mn-ea"/>
+                    <a:cs typeface="+mn-cs"/>
+                  </a:rPr>
+                  <a:t>.</a:t>
+                </a:r>
+                <a:endParaRPr lang="en-GB" sz="1200" kern="1200" dirty="0">
+                  <a:solidFill>
+                    <a:schemeClr val="tx1"/>
+                  </a:solidFill>
+                  <a:effectLst/>
+                  <a:latin typeface="+mn-lt"/>
+                  <a:ea typeface="+mn-ea"/>
+                  <a:cs typeface="+mn-cs"/>
+                </a:endParaRPr>
+              </a:p>
+            </p:txBody>
+          </p:sp>
+        </mc:Choice>
+        <mc:Fallback>
+          <p:sp>
+            <p:nvSpPr>
+              <p:cNvPr id="3" name="Notes Placeholder 2"/>
+              <p:cNvSpPr>
+                <a:spLocks noGrp="1"/>
+              </p:cNvSpPr>
+              <p:nvPr>
+                <p:ph type="body" idx="1"/>
+              </p:nvPr>
+            </p:nvSpPr>
+            <p:spPr/>
+            <p:txBody>
+              <a:bodyPr/>
+              <a:lstStyle/>
+              <a:p>
+                <a:pPr marL="0" marR="0" lvl="0" indent="0" algn="l" defTabSz="914400" rtl="0" eaLnBrk="1" fontAlgn="auto" latinLnBrk="0" hangingPunct="1">
+                  <a:lnSpc>
+                    <a:spcPct val="100000"/>
+                  </a:lnSpc>
+                  <a:spcBef>
+                    <a:spcPts val="0"/>
+                  </a:spcBef>
+                  <a:spcAft>
+                    <a:spcPts val="0"/>
+                  </a:spcAft>
+                  <a:buClrTx/>
+                  <a:buSzTx/>
+                  <a:buFontTx/>
+                  <a:buNone/>
+                  <a:tabLst/>
+                  <a:defRPr/>
+                </a:pPr>
+                <a:r>
+                  <a:rPr lang="sr-Latn-RS" sz="1200" kern="1200" dirty="0" smtClean="0">
+                    <a:solidFill>
+                      <a:schemeClr val="tx1"/>
+                    </a:solidFill>
+                    <a:effectLst/>
+                    <a:latin typeface="+mn-lt"/>
+                    <a:ea typeface="+mn-ea"/>
+                    <a:cs typeface="+mn-cs"/>
+                  </a:rPr>
+                  <a:t>Enkripcija (engl. </a:t>
+                </a:r>
+                <a:r>
+                  <a:rPr lang="sr-Latn-RS" sz="1200" i="1" kern="1200" dirty="0" smtClean="0">
+                    <a:solidFill>
+                      <a:schemeClr val="tx1"/>
+                    </a:solidFill>
+                    <a:effectLst/>
+                    <a:latin typeface="+mn-lt"/>
+                    <a:ea typeface="+mn-ea"/>
+                    <a:cs typeface="+mn-cs"/>
+                  </a:rPr>
+                  <a:t>encryption</a:t>
+                </a:r>
+                <a:r>
+                  <a:rPr lang="sr-Latn-RS" sz="1200" kern="1200" dirty="0" smtClean="0">
+                    <a:solidFill>
+                      <a:schemeClr val="tx1"/>
+                    </a:solidFill>
+                    <a:effectLst/>
+                    <a:latin typeface="+mn-lt"/>
+                    <a:ea typeface="+mn-ea"/>
+                    <a:cs typeface="+mn-cs"/>
+                  </a:rPr>
+                  <a:t>) ili šifrovanje je proces u kriptografiji kojim se vrši izmena podataka tako da se podaci, ili poruke, učine nečitljivim za osobe koje ne poseduju određeno znanje (ključ). Na taj način se dobija šifrovana informacija. Da bi ovi podaci postali razumljivi i upotrebljivi, potrebno je da se dešifruju. Dešifrovanje se vrši procesom suprotnim od enkripcije koji se naziva dekripcija (engl. </a:t>
+                </a:r>
+                <a:r>
+                  <a:rPr lang="sr-Latn-RS" sz="1200" i="1" kern="1200" dirty="0" smtClean="0">
+                    <a:solidFill>
+                      <a:schemeClr val="tx1"/>
+                    </a:solidFill>
+                    <a:effectLst/>
+                    <a:latin typeface="+mn-lt"/>
+                    <a:ea typeface="+mn-ea"/>
+                    <a:cs typeface="+mn-cs"/>
+                  </a:rPr>
+                  <a:t>decryption</a:t>
+                </a:r>
+                <a:r>
+                  <a:rPr lang="sr-Latn-RS" sz="1200" kern="1200" dirty="0" smtClean="0">
+                    <a:solidFill>
+                      <a:schemeClr val="tx1"/>
+                    </a:solidFill>
+                    <a:effectLst/>
+                    <a:latin typeface="+mn-lt"/>
+                    <a:ea typeface="+mn-ea"/>
+                    <a:cs typeface="+mn-cs"/>
+                  </a:rPr>
+                  <a:t>). </a:t>
+                </a:r>
+                <a:endParaRPr lang="en-GB" sz="1200" kern="1200" dirty="0" smtClean="0">
+                  <a:solidFill>
+                    <a:schemeClr val="tx1"/>
+                  </a:solidFill>
+                  <a:effectLst/>
+                  <a:latin typeface="+mn-lt"/>
+                  <a:ea typeface="+mn-ea"/>
+                  <a:cs typeface="+mn-cs"/>
+                </a:endParaRPr>
+              </a:p>
+              <a:p>
+                <a:pPr marL="0" marR="0" lvl="0" indent="0" algn="l" defTabSz="914400" rtl="0" eaLnBrk="1" fontAlgn="auto" latinLnBrk="0" hangingPunct="1">
+                  <a:lnSpc>
+                    <a:spcPct val="100000"/>
+                  </a:lnSpc>
+                  <a:spcBef>
+                    <a:spcPts val="0"/>
+                  </a:spcBef>
+                  <a:spcAft>
+                    <a:spcPts val="0"/>
+                  </a:spcAft>
+                  <a:buClrTx/>
+                  <a:buSzTx/>
+                  <a:buFontTx/>
+                  <a:buNone/>
+                  <a:tabLst/>
+                  <a:defRPr/>
+                </a:pPr>
+                <a:endParaRPr lang="en-GB" sz="1200" kern="1200" dirty="0" smtClean="0">
+                  <a:solidFill>
+                    <a:schemeClr val="tx1"/>
+                  </a:solidFill>
+                  <a:effectLst/>
+                  <a:latin typeface="+mn-lt"/>
+                  <a:ea typeface="+mn-ea"/>
+                  <a:cs typeface="+mn-cs"/>
+                </a:endParaRPr>
+              </a:p>
+              <a:p>
+                <a:pPr marL="0" marR="0" lvl="0" indent="0" algn="l" defTabSz="914400" rtl="0" eaLnBrk="1" fontAlgn="auto" latinLnBrk="0" hangingPunct="1">
+                  <a:lnSpc>
+                    <a:spcPct val="100000"/>
+                  </a:lnSpc>
+                  <a:spcBef>
+                    <a:spcPts val="0"/>
+                  </a:spcBef>
+                  <a:spcAft>
+                    <a:spcPts val="0"/>
+                  </a:spcAft>
+                  <a:buClrTx/>
+                  <a:buSzTx/>
+                  <a:buFontTx/>
+                  <a:buNone/>
+                  <a:tabLst/>
+                  <a:defRPr/>
+                </a:pPr>
+                <a:r>
+                  <a:rPr lang="en-GB" sz="1200" kern="1200" dirty="0" err="1" smtClean="0">
+                    <a:solidFill>
+                      <a:schemeClr val="tx1"/>
+                    </a:solidFill>
+                    <a:effectLst/>
+                    <a:latin typeface="+mn-lt"/>
+                    <a:ea typeface="+mn-ea"/>
+                    <a:cs typeface="+mn-cs"/>
+                  </a:rPr>
+                  <a:t>Elementi</a:t>
+                </a:r>
+                <a:r>
+                  <a:rPr lang="en-GB" sz="1200" kern="1200" dirty="0" smtClean="0">
+                    <a:solidFill>
+                      <a:schemeClr val="tx1"/>
+                    </a:solidFill>
+                    <a:effectLst/>
+                    <a:latin typeface="+mn-lt"/>
+                    <a:ea typeface="+mn-ea"/>
+                    <a:cs typeface="+mn-cs"/>
+                  </a:rPr>
+                  <a:t> </a:t>
+                </a:r>
+                <a:r>
+                  <a:rPr lang="en-GB" sz="1200" kern="1200" dirty="0" err="1" smtClean="0">
+                    <a:solidFill>
+                      <a:schemeClr val="tx1"/>
+                    </a:solidFill>
+                    <a:effectLst/>
+                    <a:latin typeface="+mn-lt"/>
+                    <a:ea typeface="+mn-ea"/>
+                    <a:cs typeface="+mn-cs"/>
+                  </a:rPr>
+                  <a:t>enkripcije</a:t>
+                </a:r>
+                <a:r>
+                  <a:rPr lang="en-GB" sz="1200" kern="1200" dirty="0" smtClean="0">
+                    <a:solidFill>
+                      <a:schemeClr val="tx1"/>
+                    </a:solidFill>
+                    <a:effectLst/>
+                    <a:latin typeface="+mn-lt"/>
+                    <a:ea typeface="+mn-ea"/>
+                    <a:cs typeface="+mn-cs"/>
+                  </a:rPr>
+                  <a:t>:</a:t>
+                </a:r>
+              </a:p>
+              <a:p>
+                <a:r>
+                  <a:rPr lang="sr-Latn-RS" sz="1200" kern="1200" dirty="0" smtClean="0">
+                    <a:solidFill>
+                      <a:schemeClr val="tx1"/>
+                    </a:solidFill>
+                    <a:effectLst/>
+                    <a:latin typeface="+mn-lt"/>
+                    <a:ea typeface="+mn-ea"/>
+                    <a:cs typeface="+mn-cs"/>
+                  </a:rPr>
+                  <a:t>• </a:t>
+                </a:r>
+                <a:r>
+                  <a:rPr lang="sr-Latn-RS" sz="1200" i="1" kern="1200" dirty="0" smtClean="0">
+                    <a:solidFill>
+                      <a:schemeClr val="tx1"/>
+                    </a:solidFill>
+                    <a:effectLst/>
+                    <a:latin typeface="+mn-lt"/>
+                    <a:ea typeface="+mn-ea"/>
+                    <a:cs typeface="+mn-cs"/>
+                  </a:rPr>
+                  <a:t>Algoritam</a:t>
+                </a:r>
+                <a:r>
+                  <a:rPr lang="sr-Latn-RS" sz="1200" kern="1200" dirty="0" smtClean="0">
+                    <a:solidFill>
+                      <a:schemeClr val="tx1"/>
+                    </a:solidFill>
+                    <a:effectLst/>
+                    <a:latin typeface="+mn-lt"/>
+                    <a:ea typeface="+mn-ea"/>
+                    <a:cs typeface="+mn-cs"/>
+                  </a:rPr>
+                  <a:t>: funkcija, obično sa jakom matematičkom osnovom, koja obavlja zadatak enkripcije podataka.</a:t>
+                </a:r>
+                <a:endParaRPr lang="en-GB" sz="1200" kern="1200" dirty="0" smtClean="0">
+                  <a:solidFill>
+                    <a:schemeClr val="tx1"/>
+                  </a:solidFill>
+                  <a:effectLst/>
+                  <a:latin typeface="+mn-lt"/>
+                  <a:ea typeface="+mn-ea"/>
+                  <a:cs typeface="+mn-cs"/>
+                </a:endParaRPr>
+              </a:p>
+              <a:p>
+                <a:r>
+                  <a:rPr lang="sr-Latn-RS" sz="1200" kern="1200" dirty="0" smtClean="0">
+                    <a:solidFill>
+                      <a:schemeClr val="tx1"/>
+                    </a:solidFill>
+                    <a:effectLst/>
+                    <a:latin typeface="+mn-lt"/>
+                    <a:ea typeface="+mn-ea"/>
+                    <a:cs typeface="+mn-cs"/>
+                  </a:rPr>
+                  <a:t>• </a:t>
+                </a:r>
+                <a:r>
+                  <a:rPr lang="sr-Latn-RS" sz="1200" i="1" kern="1200" dirty="0" smtClean="0">
+                    <a:solidFill>
+                      <a:schemeClr val="tx1"/>
+                    </a:solidFill>
+                    <a:effectLst/>
+                    <a:latin typeface="+mn-lt"/>
+                    <a:ea typeface="+mn-ea"/>
+                    <a:cs typeface="+mn-cs"/>
+                  </a:rPr>
+                  <a:t>Ključevi</a:t>
+                </a:r>
+                <a:r>
+                  <a:rPr lang="sr-Latn-RS" sz="1200" kern="1200" dirty="0" smtClean="0">
+                    <a:solidFill>
+                      <a:schemeClr val="tx1"/>
+                    </a:solidFill>
+                    <a:effectLst/>
+                    <a:latin typeface="+mn-lt"/>
+                    <a:ea typeface="+mn-ea"/>
+                    <a:cs typeface="+mn-cs"/>
+                  </a:rPr>
+                  <a:t>: koriste se zajedno sa algoritmima enkripcije i određuju način na koji su podaci šifrovani.</a:t>
+                </a:r>
+                <a:endParaRPr lang="en-GB" sz="1200" kern="1200" dirty="0" smtClean="0">
+                  <a:solidFill>
+                    <a:schemeClr val="tx1"/>
+                  </a:solidFill>
+                  <a:effectLst/>
+                  <a:latin typeface="+mn-lt"/>
+                  <a:ea typeface="+mn-ea"/>
+                  <a:cs typeface="+mn-cs"/>
+                </a:endParaRPr>
+              </a:p>
+              <a:p>
+                <a:r>
+                  <a:rPr lang="sr-Latn-RS" sz="1200" kern="1200" dirty="0" smtClean="0">
+                    <a:solidFill>
+                      <a:schemeClr val="tx1"/>
+                    </a:solidFill>
+                    <a:effectLst/>
+                    <a:latin typeface="+mn-lt"/>
+                    <a:ea typeface="+mn-ea"/>
+                    <a:cs typeface="+mn-cs"/>
+                  </a:rPr>
+                  <a:t>• </a:t>
+                </a:r>
+                <a:r>
+                  <a:rPr lang="sr-Latn-RS" sz="1200" i="1" kern="1200" dirty="0" smtClean="0">
+                    <a:solidFill>
+                      <a:schemeClr val="tx1"/>
+                    </a:solidFill>
+                    <a:effectLst/>
+                    <a:latin typeface="+mn-lt"/>
+                    <a:ea typeface="+mn-ea"/>
+                    <a:cs typeface="+mn-cs"/>
+                  </a:rPr>
+                  <a:t>Dužina ključa</a:t>
+                </a:r>
+                <a:r>
+                  <a:rPr lang="sr-Latn-RS" sz="1200" kern="1200" dirty="0" smtClean="0">
+                    <a:solidFill>
+                      <a:schemeClr val="tx1"/>
+                    </a:solidFill>
+                    <a:effectLst/>
+                    <a:latin typeface="+mn-lt"/>
+                    <a:ea typeface="+mn-ea"/>
+                    <a:cs typeface="+mn-cs"/>
+                  </a:rPr>
+                  <a:t>: enkripcioni ključevi imaju određenu dužinu u zavisnosti od toga koji enkripcioni sistemi se koriste. Dužina se meri brojem bitova, a što su duži ključevi, teži su za oštećenje sistema enkripcije.</a:t>
+                </a:r>
+                <a:endParaRPr lang="en-GB" sz="1200" kern="1200" dirty="0" smtClean="0">
+                  <a:solidFill>
+                    <a:schemeClr val="tx1"/>
+                  </a:solidFill>
+                  <a:effectLst/>
+                  <a:latin typeface="+mn-lt"/>
+                  <a:ea typeface="+mn-ea"/>
+                  <a:cs typeface="+mn-cs"/>
+                </a:endParaRPr>
+              </a:p>
+              <a:p>
+                <a:r>
+                  <a:rPr lang="sr-Latn-RS" sz="1200" kern="1200" dirty="0" smtClean="0">
+                    <a:solidFill>
+                      <a:schemeClr val="tx1"/>
+                    </a:solidFill>
+                    <a:effectLst/>
+                    <a:latin typeface="+mn-lt"/>
+                    <a:ea typeface="+mn-ea"/>
+                    <a:cs typeface="+mn-cs"/>
+                  </a:rPr>
+                  <a:t>• </a:t>
+                </a:r>
+                <a:r>
+                  <a:rPr lang="sr-Latn-RS" sz="1200" i="1" kern="1200" dirty="0" smtClean="0">
+                    <a:solidFill>
+                      <a:schemeClr val="tx1"/>
+                    </a:solidFill>
+                    <a:effectLst/>
+                    <a:latin typeface="+mn-lt"/>
+                    <a:ea typeface="+mn-ea"/>
+                    <a:cs typeface="+mn-cs"/>
+                  </a:rPr>
+                  <a:t>Otvoren tekst</a:t>
+                </a:r>
+                <a:r>
+                  <a:rPr lang="sr-Latn-RS" sz="1200" kern="1200" dirty="0" smtClean="0">
+                    <a:solidFill>
+                      <a:schemeClr val="tx1"/>
+                    </a:solidFill>
+                    <a:effectLst/>
+                    <a:latin typeface="+mn-lt"/>
+                    <a:ea typeface="+mn-ea"/>
+                    <a:cs typeface="+mn-cs"/>
+                  </a:rPr>
+                  <a:t> (engl. </a:t>
+                </a:r>
+                <a:r>
+                  <a:rPr lang="sr-Latn-RS" sz="1200" i="1" kern="1200" dirty="0" smtClean="0">
+                    <a:solidFill>
+                      <a:schemeClr val="tx1"/>
+                    </a:solidFill>
+                    <a:effectLst/>
+                    <a:latin typeface="+mn-lt"/>
+                    <a:ea typeface="+mn-ea"/>
+                    <a:cs typeface="+mn-cs"/>
+                  </a:rPr>
+                  <a:t>plaintext</a:t>
+                </a:r>
+                <a:r>
+                  <a:rPr lang="sr-Latn-RS" sz="1200" kern="1200" dirty="0" smtClean="0">
+                    <a:solidFill>
+                      <a:schemeClr val="tx1"/>
+                    </a:solidFill>
+                    <a:effectLst/>
+                    <a:latin typeface="+mn-lt"/>
+                    <a:ea typeface="+mn-ea"/>
+                    <a:cs typeface="+mn-cs"/>
+                  </a:rPr>
+                  <a:t>): informacije koje želimo da šifrujemo.</a:t>
+                </a:r>
+                <a:endParaRPr lang="en-GB" sz="1200" kern="1200" dirty="0" smtClean="0">
+                  <a:solidFill>
+                    <a:schemeClr val="tx1"/>
+                  </a:solidFill>
+                  <a:effectLst/>
+                  <a:latin typeface="+mn-lt"/>
+                  <a:ea typeface="+mn-ea"/>
+                  <a:cs typeface="+mn-cs"/>
+                </a:endParaRPr>
+              </a:p>
+              <a:p>
+                <a:r>
+                  <a:rPr lang="sr-Latn-RS" sz="1200" kern="1200" dirty="0" smtClean="0">
+                    <a:solidFill>
+                      <a:schemeClr val="tx1"/>
+                    </a:solidFill>
+                    <a:effectLst/>
+                    <a:latin typeface="+mn-lt"/>
+                    <a:ea typeface="+mn-ea"/>
+                    <a:cs typeface="+mn-cs"/>
+                  </a:rPr>
+                  <a:t>• </a:t>
+                </a:r>
+                <a:r>
+                  <a:rPr lang="sr-Latn-RS" sz="1200" i="1" kern="1200" dirty="0" smtClean="0">
+                    <a:solidFill>
+                      <a:schemeClr val="tx1"/>
+                    </a:solidFill>
+                    <a:effectLst/>
+                    <a:latin typeface="+mn-lt"/>
+                    <a:ea typeface="+mn-ea"/>
+                    <a:cs typeface="+mn-cs"/>
+                  </a:rPr>
+                  <a:t>Šifrovan tekst</a:t>
+                </a:r>
+                <a:r>
+                  <a:rPr lang="sr-Latn-RS" sz="1200" kern="1200" dirty="0" smtClean="0">
+                    <a:solidFill>
+                      <a:schemeClr val="tx1"/>
+                    </a:solidFill>
+                    <a:effectLst/>
+                    <a:latin typeface="+mn-lt"/>
+                    <a:ea typeface="+mn-ea"/>
+                    <a:cs typeface="+mn-cs"/>
+                  </a:rPr>
+                  <a:t> (engl. </a:t>
+                </a:r>
+                <a:r>
+                  <a:rPr lang="sr-Latn-RS" sz="1200" i="1" kern="1200" dirty="0" smtClean="0">
+                    <a:solidFill>
+                      <a:schemeClr val="tx1"/>
+                    </a:solidFill>
+                    <a:effectLst/>
+                    <a:latin typeface="+mn-lt"/>
+                    <a:ea typeface="+mn-ea"/>
+                    <a:cs typeface="+mn-cs"/>
+                  </a:rPr>
+                  <a:t>ciphertext</a:t>
+                </a:r>
+                <a:r>
+                  <a:rPr lang="sr-Latn-RS" sz="1200" kern="1200" dirty="0" smtClean="0">
+                    <a:solidFill>
+                      <a:schemeClr val="tx1"/>
+                    </a:solidFill>
+                    <a:effectLst/>
+                    <a:latin typeface="+mn-lt"/>
+                    <a:ea typeface="+mn-ea"/>
+                    <a:cs typeface="+mn-cs"/>
+                  </a:rPr>
+                  <a:t>): informacije nakon šifrovanja.</a:t>
+                </a:r>
+              </a:p>
+              <a:p>
+                <a:endParaRPr lang="sr-Latn-RS" sz="1200" kern="1200" dirty="0" smtClean="0">
+                  <a:solidFill>
+                    <a:schemeClr val="tx1"/>
+                  </a:solidFill>
+                  <a:effectLst/>
+                  <a:latin typeface="+mn-lt"/>
+                  <a:ea typeface="+mn-ea"/>
+                  <a:cs typeface="+mn-cs"/>
+                </a:endParaRPr>
+              </a:p>
+              <a:p>
+                <a:r>
+                  <a:rPr lang="sr-Latn-RS" sz="1200" kern="1200" dirty="0" smtClean="0">
+                    <a:solidFill>
+                      <a:schemeClr val="tx1"/>
+                    </a:solidFill>
+                    <a:effectLst/>
+                    <a:latin typeface="+mn-lt"/>
+                    <a:ea typeface="+mn-ea"/>
+                    <a:cs typeface="+mn-cs"/>
+                  </a:rPr>
+                  <a:t>Postoje dve osnovne vrste enkripcije, simetrična i asimetrična enkripcija. Kod simetrične enkripcije se i za šifrovanje i za dešifrovanje koristi ista šifra (ključ), i samim tim što obe strane koriste isti ključ i za enkripciju i za dekripciju proboj sistema je znatno olakšan. Kod asimetrične enkripcije postoji poseban ključ samo za šifrovanje i drugi koji služi samo za dešifrovanje. Ova dva ključa nazivaju se još </a:t>
+                </a:r>
+                <a:r>
+                  <a:rPr lang="sr-Latn-RS" sz="1200" b="1" kern="1200" dirty="0" smtClean="0">
+                    <a:solidFill>
+                      <a:schemeClr val="tx1"/>
+                    </a:solidFill>
+                    <a:effectLst/>
+                    <a:latin typeface="+mn-lt"/>
+                    <a:ea typeface="+mn-ea"/>
+                    <a:cs typeface="+mn-cs"/>
+                  </a:rPr>
+                  <a:t>tajni</a:t>
+                </a:r>
+                <a:r>
+                  <a:rPr lang="sr-Latn-RS" sz="1200" kern="1200" dirty="0" smtClean="0">
+                    <a:solidFill>
+                      <a:schemeClr val="tx1"/>
+                    </a:solidFill>
+                    <a:effectLst/>
+                    <a:latin typeface="+mn-lt"/>
+                    <a:ea typeface="+mn-ea"/>
+                    <a:cs typeface="+mn-cs"/>
+                  </a:rPr>
+                  <a:t> i </a:t>
+                </a:r>
+                <a:r>
+                  <a:rPr lang="sr-Latn-RS" sz="1200" b="1" kern="1200" dirty="0" smtClean="0">
+                    <a:solidFill>
+                      <a:schemeClr val="tx1"/>
+                    </a:solidFill>
+                    <a:effectLst/>
+                    <a:latin typeface="+mn-lt"/>
+                    <a:ea typeface="+mn-ea"/>
+                    <a:cs typeface="+mn-cs"/>
+                  </a:rPr>
+                  <a:t>javni</a:t>
+                </a:r>
+                <a:r>
+                  <a:rPr lang="sr-Latn-RS" sz="1200" i="1" kern="1200" dirty="0" smtClean="0">
+                    <a:solidFill>
+                      <a:schemeClr val="tx1"/>
+                    </a:solidFill>
+                    <a:effectLst/>
+                    <a:latin typeface="+mn-lt"/>
+                    <a:ea typeface="+mn-ea"/>
+                    <a:cs typeface="+mn-cs"/>
+                  </a:rPr>
+                  <a:t> </a:t>
+                </a:r>
+                <a:r>
+                  <a:rPr lang="sr-Latn-RS" sz="1200" kern="1200" dirty="0" smtClean="0">
+                    <a:solidFill>
+                      <a:schemeClr val="tx1"/>
+                    </a:solidFill>
+                    <a:effectLst/>
+                    <a:latin typeface="+mn-lt"/>
+                    <a:ea typeface="+mn-ea"/>
+                    <a:cs typeface="+mn-cs"/>
+                  </a:rPr>
+                  <a:t>ključevi. Tajni ključ se dodeljuje onda kada se vrši enkripcija i na osnovu njega se generiše javni ključ, koji koristi strana koja treba da pročita podatke.</a:t>
+                </a:r>
+                <a:r>
+                  <a:rPr lang="sr-Latn-RS" sz="1200" i="1" kern="1200" dirty="0" smtClean="0">
+                    <a:solidFill>
+                      <a:schemeClr val="tx1"/>
+                    </a:solidFill>
+                    <a:effectLst/>
+                    <a:latin typeface="+mn-lt"/>
+                    <a:ea typeface="+mn-ea"/>
+                    <a:cs typeface="+mn-cs"/>
+                  </a:rPr>
+                  <a:t> </a:t>
+                </a:r>
+              </a:p>
+              <a:p>
+                <a:endParaRPr lang="sr-Latn-RS" sz="1200" i="1" kern="1200" dirty="0" smtClean="0">
+                  <a:solidFill>
+                    <a:schemeClr val="tx1"/>
+                  </a:solidFill>
+                  <a:effectLst/>
+                  <a:latin typeface="+mn-lt"/>
+                  <a:ea typeface="+mn-ea"/>
+                  <a:cs typeface="+mn-cs"/>
+                </a:endParaRPr>
+              </a:p>
+              <a:p>
+                <a:r>
+                  <a:rPr lang="sr-Latn-RS" sz="1200" kern="1200" dirty="0" smtClean="0">
+                    <a:solidFill>
+                      <a:schemeClr val="tx1"/>
+                    </a:solidFill>
+                    <a:effectLst/>
+                    <a:latin typeface="+mn-lt"/>
+                    <a:ea typeface="+mn-ea"/>
+                    <a:cs typeface="+mn-cs"/>
+                  </a:rPr>
+                  <a:t>Kod </a:t>
+                </a:r>
+                <a:r>
+                  <a:rPr lang="sr-Latn-RS" sz="1200" i="1" kern="1200" dirty="0">
+                    <a:solidFill>
+                      <a:schemeClr val="tx1"/>
+                    </a:solidFill>
+                    <a:effectLst/>
+                    <a:latin typeface="+mn-lt"/>
+                    <a:ea typeface="+mn-ea"/>
+                    <a:cs typeface="+mn-cs"/>
+                  </a:rPr>
+                  <a:t>RSA</a:t>
+                </a:r>
+                <a:r>
+                  <a:rPr lang="sr-Latn-RS" sz="1200" kern="1200" dirty="0">
+                    <a:solidFill>
+                      <a:schemeClr val="tx1"/>
+                    </a:solidFill>
+                    <a:effectLst/>
+                    <a:latin typeface="+mn-lt"/>
+                    <a:ea typeface="+mn-ea"/>
+                    <a:cs typeface="+mn-cs"/>
+                  </a:rPr>
+                  <a:t> enkripcije se postavlja pitanje zašto se koriste baš prosti brojevi? Zašto ne bilo koja dva velika broja? Odgovor leži u tome da je današnjim računarima veoma lako pomnožiti dva velika prosta broja i naći broj </a:t>
+                </a:r>
+                <a:r>
+                  <a:rPr lang="sr-Latn-RS" sz="1200" b="1" i="0" kern="1200">
+                    <a:solidFill>
+                      <a:schemeClr val="tx1"/>
+                    </a:solidFill>
+                    <a:effectLst/>
+                    <a:latin typeface="+mn-lt"/>
+                    <a:ea typeface="+mn-ea"/>
+                    <a:cs typeface="+mn-cs"/>
+                  </a:rPr>
+                  <a:t>𝒏</a:t>
+                </a:r>
+                <a:r>
+                  <a:rPr lang="sr-Latn-RS" sz="1200" kern="1200" dirty="0">
+                    <a:solidFill>
+                      <a:schemeClr val="tx1"/>
+                    </a:solidFill>
+                    <a:effectLst/>
+                    <a:latin typeface="+mn-lt"/>
+                    <a:ea typeface="+mn-ea"/>
+                    <a:cs typeface="+mn-cs"/>
+                  </a:rPr>
+                  <a:t>, ali ne postoji način na koji bi se efikasno odradila inverzna operacija kako bi se došlo do faktora </a:t>
+                </a:r>
+                <a:r>
+                  <a:rPr lang="sr-Latn-RS" sz="1200" b="1" i="0" kern="1200">
+                    <a:solidFill>
+                      <a:schemeClr val="tx1"/>
+                    </a:solidFill>
+                    <a:effectLst/>
+                    <a:latin typeface="+mn-lt"/>
+                    <a:ea typeface="+mn-ea"/>
+                    <a:cs typeface="+mn-cs"/>
+                  </a:rPr>
+                  <a:t>𝒑</a:t>
+                </a:r>
+                <a:r>
+                  <a:rPr lang="sr-Latn-RS" sz="1200" kern="1200" dirty="0">
+                    <a:solidFill>
+                      <a:schemeClr val="tx1"/>
+                    </a:solidFill>
+                    <a:effectLst/>
+                    <a:latin typeface="+mn-lt"/>
+                    <a:ea typeface="+mn-ea"/>
+                    <a:cs typeface="+mn-cs"/>
+                  </a:rPr>
+                  <a:t> i </a:t>
+                </a:r>
+                <a:r>
+                  <a:rPr lang="sr-Latn-RS" sz="1200" b="1" i="0" kern="1200">
+                    <a:solidFill>
+                      <a:schemeClr val="tx1"/>
+                    </a:solidFill>
+                    <a:effectLst/>
+                    <a:latin typeface="+mn-lt"/>
+                    <a:ea typeface="+mn-ea"/>
+                    <a:cs typeface="+mn-cs"/>
+                  </a:rPr>
+                  <a:t>𝒒</a:t>
+                </a:r>
+                <a:r>
+                  <a:rPr lang="sr-Latn-RS" sz="1200" kern="1200" dirty="0">
+                    <a:solidFill>
+                      <a:schemeClr val="tx1"/>
+                    </a:solidFill>
+                    <a:effectLst/>
+                    <a:latin typeface="+mn-lt"/>
+                    <a:ea typeface="+mn-ea"/>
+                    <a:cs typeface="+mn-cs"/>
+                  </a:rPr>
+                  <a:t> jer to direktno proizilazi iz osnovne teoreme algebre. Ona kaže da se svaki složeni broj, koji je veći od 1, može napisati na tačno jedan način kao proizvod prostih brojeva. Sa malim brojevima to je lako, npr. </a:t>
+                </a:r>
+                <a:r>
+                  <a:rPr lang="sr-Latn-RS" sz="1200" b="1" i="0" kern="1200">
+                    <a:solidFill>
+                      <a:schemeClr val="tx1"/>
+                    </a:solidFill>
+                    <a:effectLst/>
+                    <a:latin typeface="+mn-lt"/>
+                    <a:ea typeface="+mn-ea"/>
+                    <a:cs typeface="+mn-cs"/>
+                  </a:rPr>
+                  <a:t>𝟏𝟓=𝟑∗𝟓</a:t>
+                </a:r>
+                <a:r>
+                  <a:rPr lang="sr-Latn-RS" sz="1200" kern="1200" dirty="0">
+                    <a:solidFill>
+                      <a:schemeClr val="tx1"/>
+                    </a:solidFill>
+                    <a:effectLst/>
+                    <a:latin typeface="+mn-lt"/>
+                    <a:ea typeface="+mn-ea"/>
+                    <a:cs typeface="+mn-cs"/>
+                  </a:rPr>
+                  <a:t> ili </a:t>
+                </a:r>
+                <a:r>
+                  <a:rPr lang="sr-Latn-RS" sz="1200" b="1" i="0" kern="1200">
+                    <a:solidFill>
+                      <a:schemeClr val="tx1"/>
+                    </a:solidFill>
+                    <a:effectLst/>
+                    <a:latin typeface="+mn-lt"/>
+                    <a:ea typeface="+mn-ea"/>
+                    <a:cs typeface="+mn-cs"/>
+                  </a:rPr>
+                  <a:t>𝟐𝟓𝟓=𝟑∗𝟓∗𝟏𝟕</a:t>
+                </a:r>
+                <a:r>
+                  <a:rPr lang="sr-Latn-RS" sz="1200" kern="1200" dirty="0">
+                    <a:solidFill>
+                      <a:schemeClr val="tx1"/>
+                    </a:solidFill>
+                    <a:effectLst/>
+                    <a:latin typeface="+mn-lt"/>
+                    <a:ea typeface="+mn-ea"/>
+                    <a:cs typeface="+mn-cs"/>
+                  </a:rPr>
+                  <a:t>, ali kada je dat problem koji izgleda kao </a:t>
+                </a:r>
+                <a:r>
+                  <a:rPr lang="sr-Latn-RS" sz="1200" b="1" i="0" kern="1200">
+                    <a:solidFill>
+                      <a:schemeClr val="tx1"/>
+                    </a:solidFill>
+                    <a:effectLst/>
+                    <a:latin typeface="+mn-lt"/>
+                    <a:ea typeface="+mn-ea"/>
+                    <a:cs typeface="+mn-cs"/>
+                  </a:rPr>
+                  <a:t>𝒑∗𝒒=𝟔𝟕𝟎𝟎𝟐𝟖𝟑</a:t>
+                </a:r>
+                <a:r>
+                  <a:rPr lang="sr-Latn-RS" sz="1200" kern="1200" dirty="0">
+                    <a:solidFill>
+                      <a:schemeClr val="tx1"/>
+                    </a:solidFill>
+                    <a:effectLst/>
+                    <a:latin typeface="+mn-lt"/>
+                    <a:ea typeface="+mn-ea"/>
+                    <a:cs typeface="+mn-cs"/>
+                  </a:rPr>
+                  <a:t>, onda je izuzetno teško zaključiti da je </a:t>
+                </a:r>
+                <a:r>
+                  <a:rPr lang="sr-Latn-RS" sz="1200" b="1" i="0" kern="1200">
+                    <a:solidFill>
+                      <a:schemeClr val="tx1"/>
+                    </a:solidFill>
+                    <a:effectLst/>
+                    <a:latin typeface="+mn-lt"/>
+                    <a:ea typeface="+mn-ea"/>
+                    <a:cs typeface="+mn-cs"/>
+                  </a:rPr>
+                  <a:t>𝒑=𝟏𝟖𝟖𝟗</a:t>
+                </a:r>
+                <a:r>
+                  <a:rPr lang="sr-Latn-RS" sz="1200" kern="1200" dirty="0">
+                    <a:solidFill>
+                      <a:schemeClr val="tx1"/>
+                    </a:solidFill>
+                    <a:effectLst/>
+                    <a:latin typeface="+mn-lt"/>
+                    <a:ea typeface="+mn-ea"/>
+                    <a:cs typeface="+mn-cs"/>
+                  </a:rPr>
+                  <a:t> i da je </a:t>
+                </a:r>
+                <a:r>
+                  <a:rPr lang="sr-Latn-RS" sz="1200" b="1" i="0" kern="1200">
+                    <a:solidFill>
+                      <a:schemeClr val="tx1"/>
+                    </a:solidFill>
+                    <a:effectLst/>
+                    <a:latin typeface="+mn-lt"/>
+                    <a:ea typeface="+mn-ea"/>
+                    <a:cs typeface="+mn-cs"/>
+                  </a:rPr>
+                  <a:t>𝒒=𝟑𝟓𝟒𝟕</a:t>
+                </a:r>
+                <a:r>
+                  <a:rPr lang="sr-Latn-RS" sz="1200" kern="1200" dirty="0">
+                    <a:solidFill>
+                      <a:schemeClr val="tx1"/>
+                    </a:solidFill>
+                    <a:effectLst/>
+                    <a:latin typeface="+mn-lt"/>
+                    <a:ea typeface="+mn-ea"/>
+                    <a:cs typeface="+mn-cs"/>
+                  </a:rPr>
+                  <a:t>.  Do današnjeg dana nije osmišljen algoritam koji ovo omogućava i ne preostaje ništa drugo no pokušati sa </a:t>
+                </a:r>
+                <a:r>
+                  <a:rPr lang="sr-Latn-RS" sz="1200" i="1" kern="1200" dirty="0">
+                    <a:solidFill>
+                      <a:schemeClr val="tx1"/>
+                    </a:solidFill>
+                    <a:effectLst/>
+                    <a:latin typeface="+mn-lt"/>
+                    <a:ea typeface="+mn-ea"/>
+                    <a:cs typeface="+mn-cs"/>
+                  </a:rPr>
+                  <a:t>brute-force</a:t>
+                </a:r>
+                <a:r>
+                  <a:rPr lang="sr-Latn-RS" sz="1200" kern="1200" dirty="0">
+                    <a:solidFill>
+                      <a:schemeClr val="tx1"/>
+                    </a:solidFill>
+                    <a:effectLst/>
+                    <a:latin typeface="+mn-lt"/>
+                    <a:ea typeface="+mn-ea"/>
+                    <a:cs typeface="+mn-cs"/>
+                  </a:rPr>
+                  <a:t> pretragom (sistematično nabrajanje svih mogućih kandidata za rešavanje problema i proveravanje da li svaki kandidat zadovoljava problem). Ako su brojevi </a:t>
+                </a:r>
+                <a:r>
+                  <a:rPr lang="sr-Latn-RS" sz="1200" b="1" i="0" kern="1200">
+                    <a:solidFill>
+                      <a:schemeClr val="tx1"/>
+                    </a:solidFill>
+                    <a:effectLst/>
+                    <a:latin typeface="+mn-lt"/>
+                    <a:ea typeface="+mn-ea"/>
+                    <a:cs typeface="+mn-cs"/>
+                  </a:rPr>
+                  <a:t>𝒑</a:t>
+                </a:r>
+                <a:r>
+                  <a:rPr lang="sr-Latn-RS" sz="1200" kern="1200" dirty="0">
+                    <a:solidFill>
+                      <a:schemeClr val="tx1"/>
+                    </a:solidFill>
+                    <a:effectLst/>
+                    <a:latin typeface="+mn-lt"/>
+                    <a:ea typeface="+mn-ea"/>
+                    <a:cs typeface="+mn-cs"/>
+                  </a:rPr>
+                  <a:t> i </a:t>
+                </a:r>
+                <a:r>
+                  <a:rPr lang="sr-Latn-RS" sz="1200" b="1" i="0" kern="1200">
+                    <a:solidFill>
+                      <a:schemeClr val="tx1"/>
+                    </a:solidFill>
+                    <a:effectLst/>
+                    <a:latin typeface="+mn-lt"/>
+                    <a:ea typeface="+mn-ea"/>
+                    <a:cs typeface="+mn-cs"/>
+                  </a:rPr>
+                  <a:t>𝒒</a:t>
+                </a:r>
+                <a:r>
+                  <a:rPr lang="sr-Latn-RS" sz="1200" b="1" kern="1200" dirty="0">
+                    <a:solidFill>
+                      <a:schemeClr val="tx1"/>
+                    </a:solidFill>
+                    <a:effectLst/>
+                    <a:latin typeface="+mn-lt"/>
+                    <a:ea typeface="+mn-ea"/>
+                    <a:cs typeface="+mn-cs"/>
+                  </a:rPr>
+                  <a:t> </a:t>
+                </a:r>
+                <a:r>
+                  <a:rPr lang="sr-Latn-RS" sz="1200" kern="1200" dirty="0">
+                    <a:solidFill>
+                      <a:schemeClr val="tx1"/>
+                    </a:solidFill>
+                    <a:effectLst/>
+                    <a:latin typeface="+mn-lt"/>
+                    <a:ea typeface="+mn-ea"/>
+                    <a:cs typeface="+mn-cs"/>
+                  </a:rPr>
+                  <a:t>dovoljno veliki, srednje vreme </a:t>
+                </a:r>
+                <a:r>
+                  <a:rPr lang="sr-Latn-RS" sz="1200" i="1" kern="1200" dirty="0">
+                    <a:solidFill>
+                      <a:schemeClr val="tx1"/>
+                    </a:solidFill>
+                    <a:effectLst/>
+                    <a:latin typeface="+mn-lt"/>
+                    <a:ea typeface="+mn-ea"/>
+                    <a:cs typeface="+mn-cs"/>
+                  </a:rPr>
+                  <a:t>brute-force </a:t>
+                </a:r>
+                <a:r>
+                  <a:rPr lang="sr-Latn-RS" sz="1200" kern="1200" dirty="0">
+                    <a:solidFill>
+                      <a:schemeClr val="tx1"/>
+                    </a:solidFill>
+                    <a:effectLst/>
+                    <a:latin typeface="+mn-lt"/>
+                    <a:ea typeface="+mn-ea"/>
+                    <a:cs typeface="+mn-cs"/>
+                  </a:rPr>
+                  <a:t>pretrage može da iznosi nekoliko desetina, pa čak i nekoliko stotina godina, što svakako ide u prilog robusnosti i sigurnosti </a:t>
+                </a:r>
+                <a:r>
+                  <a:rPr lang="sr-Latn-RS" sz="1200" i="1" kern="1200" dirty="0">
+                    <a:solidFill>
+                      <a:schemeClr val="tx1"/>
+                    </a:solidFill>
+                    <a:effectLst/>
+                    <a:latin typeface="+mn-lt"/>
+                    <a:ea typeface="+mn-ea"/>
+                    <a:cs typeface="+mn-cs"/>
+                  </a:rPr>
+                  <a:t>RSA</a:t>
+                </a:r>
+                <a:r>
+                  <a:rPr lang="sr-Latn-RS" sz="1200" kern="1200" dirty="0">
+                    <a:solidFill>
+                      <a:schemeClr val="tx1"/>
+                    </a:solidFill>
+                    <a:effectLst/>
+                    <a:latin typeface="+mn-lt"/>
+                    <a:ea typeface="+mn-ea"/>
+                    <a:cs typeface="+mn-cs"/>
+                  </a:rPr>
+                  <a:t> algoritma</a:t>
+                </a:r>
+                <a:r>
+                  <a:rPr lang="sr-Latn-RS" sz="1200" kern="1200" dirty="0" smtClean="0">
+                    <a:solidFill>
+                      <a:schemeClr val="tx1"/>
+                    </a:solidFill>
+                    <a:effectLst/>
+                    <a:latin typeface="+mn-lt"/>
+                    <a:ea typeface="+mn-ea"/>
+                    <a:cs typeface="+mn-cs"/>
+                  </a:rPr>
+                  <a:t>.</a:t>
+                </a:r>
+                <a:endParaRPr lang="en-GB" sz="1200" kern="1200" dirty="0">
+                  <a:solidFill>
+                    <a:schemeClr val="tx1"/>
+                  </a:solidFill>
+                  <a:effectLst/>
+                  <a:latin typeface="+mn-lt"/>
+                  <a:ea typeface="+mn-ea"/>
+                  <a:cs typeface="+mn-cs"/>
+                </a:endParaRPr>
+              </a:p>
+            </p:txBody>
+          </p:sp>
+        </mc:Fallback>
+      </mc:AlternateContent>
+      <p:sp>
+        <p:nvSpPr>
+          <p:cNvPr id="4" name="Slide Number Placeholder 3"/>
+          <p:cNvSpPr>
+            <a:spLocks noGrp="1"/>
+          </p:cNvSpPr>
+          <p:nvPr>
+            <p:ph type="sldNum" sz="quarter" idx="10"/>
+          </p:nvPr>
+        </p:nvSpPr>
+        <p:spPr/>
+        <p:txBody>
+          <a:bodyPr/>
+          <a:lstStyle/>
+          <a:p>
+            <a:fld id="{9F10CBF3-37F0-420D-959A-0BF960019D0A}" type="slidenum">
+              <a:rPr lang="en-GB" smtClean="0"/>
+              <a:t>7</a:t>
+            </a:fld>
+            <a:endParaRPr lang="en-GB" dirty="0"/>
+          </a:p>
+        </p:txBody>
+      </p:sp>
+    </p:spTree>
+    <p:extLst>
+      <p:ext uri="{BB962C8B-B14F-4D97-AF65-F5344CB8AC3E}">
+        <p14:creationId xmlns:p14="http://schemas.microsoft.com/office/powerpoint/2010/main" val="2087383059"/>
+      </p:ext>
+    </p:extLst>
+  </p:cSld>
+  <p:clrMapOvr>
+    <a:masterClrMapping/>
+  </p:clrMapOvr>
+</p:notes>
+</file>
+
+<file path=ppt/notesSlides/notesSlide6.xml><?xml version="1.0" encoding="utf-8"?>
+<p:notes xmlns:a="http://schemas.openxmlformats.org/drawingml/2006/main" xmlns:r="http://schemas.openxmlformats.org/officeDocument/2006/relationships" xmlns:p="http://schemas.openxmlformats.org/presentationml/2006/main">
+  <p:cSld>
+    <p:spTree>
+      <p:nvGrpSpPr>
+        <p:cNvPr id="1" name=""/>
+        <p:cNvGrpSpPr/>
+        <p:nvPr/>
+      </p:nvGrpSpPr>
+      <p:grpSpPr>
+        <a:xfrm>
+          <a:off x="0" y="0"/>
+          <a:ext cx="0" cy="0"/>
+          <a:chOff x="0" y="0"/>
+          <a:chExt cx="0" cy="0"/>
+        </a:xfrm>
+      </p:grpSpPr>
+      <p:sp>
+        <p:nvSpPr>
+          <p:cNvPr id="2" name="Slide Image Placeholder 1"/>
+          <p:cNvSpPr>
+            <a:spLocks noGrp="1" noRot="1" noChangeAspect="1"/>
+          </p:cNvSpPr>
+          <p:nvPr>
+            <p:ph type="sldImg"/>
+          </p:nvPr>
+        </p:nvSpPr>
+        <p:spPr/>
+      </p:sp>
+      <p:sp>
+        <p:nvSpPr>
+          <p:cNvPr id="3" name="Notes Placeholder 2"/>
+          <p:cNvSpPr>
+            <a:spLocks noGrp="1"/>
+          </p:cNvSpPr>
+          <p:nvPr>
+            <p:ph type="body" idx="1"/>
+          </p:nvPr>
+        </p:nvSpPr>
+        <p:spPr/>
+        <p:txBody>
+          <a:bodyPr/>
+          <a:lstStyle/>
+          <a:p>
+            <a:pPr marL="0" marR="0" lvl="0" indent="0" algn="l" defTabSz="914400" rtl="0" eaLnBrk="1" fontAlgn="auto" latinLnBrk="0" hangingPunct="1">
+              <a:lnSpc>
+                <a:spcPct val="100000"/>
+              </a:lnSpc>
+              <a:spcBef>
+                <a:spcPts val="0"/>
+              </a:spcBef>
+              <a:spcAft>
+                <a:spcPts val="0"/>
+              </a:spcAft>
+              <a:buClrTx/>
+              <a:buSzTx/>
+              <a:buFontTx/>
+              <a:buNone/>
+              <a:tabLst/>
+              <a:defRPr/>
+            </a:pPr>
+            <a:r>
+              <a:rPr lang="sr-Latn-RS" sz="1200" kern="1200" dirty="0" smtClean="0">
+                <a:solidFill>
+                  <a:schemeClr val="tx1"/>
+                </a:solidFill>
+                <a:effectLst/>
+                <a:latin typeface="+mn-lt"/>
+                <a:ea typeface="+mn-ea"/>
+                <a:cs typeface="+mn-cs"/>
+              </a:rPr>
+              <a:t>Mala dopuna u radu jeste izrada jednostavne grafičke korisničke sprege koja olakšava korišćenje programske podrške na klijentskoj strani.  Sastoji se od jednog dugmeta, i pritiskom na to dugme otvara se </a:t>
+            </a:r>
+            <a:r>
+              <a:rPr lang="sr-Latn-RS" sz="1200" i="1" kern="1200" dirty="0" smtClean="0">
+                <a:solidFill>
+                  <a:schemeClr val="tx1"/>
+                </a:solidFill>
+                <a:effectLst/>
+                <a:latin typeface="+mn-lt"/>
+                <a:ea typeface="+mn-ea"/>
+                <a:cs typeface="+mn-cs"/>
+              </a:rPr>
+              <a:t>.exe</a:t>
+            </a:r>
+            <a:r>
+              <a:rPr lang="sr-Latn-RS" sz="1200" kern="1200" dirty="0" smtClean="0">
+                <a:solidFill>
+                  <a:schemeClr val="tx1"/>
+                </a:solidFill>
+                <a:effectLst/>
+                <a:latin typeface="+mn-lt"/>
+                <a:ea typeface="+mn-ea"/>
+                <a:cs typeface="+mn-cs"/>
+              </a:rPr>
+              <a:t> datoteka koja pokreće klijentsku stranu programske podrške. Grafička korisnička sprega je napisano u jeziku </a:t>
+            </a:r>
+            <a:r>
+              <a:rPr lang="sr-Latn-RS" sz="1200" i="1" kern="1200" dirty="0" smtClean="0">
+                <a:solidFill>
+                  <a:schemeClr val="tx1"/>
+                </a:solidFill>
+                <a:effectLst/>
+                <a:latin typeface="+mn-lt"/>
+                <a:ea typeface="+mn-ea"/>
+                <a:cs typeface="+mn-cs"/>
+              </a:rPr>
+              <a:t>Python</a:t>
+            </a:r>
+            <a:r>
+              <a:rPr lang="sr-Latn-RS" sz="1200" kern="1200" dirty="0" smtClean="0">
+                <a:solidFill>
+                  <a:schemeClr val="tx1"/>
+                </a:solidFill>
+                <a:effectLst/>
+                <a:latin typeface="+mn-lt"/>
+                <a:ea typeface="+mn-ea"/>
+                <a:cs typeface="+mn-cs"/>
+              </a:rPr>
+              <a:t> koristeći </a:t>
+            </a:r>
+            <a:r>
+              <a:rPr lang="sr-Latn-RS" sz="1200" i="1" kern="1200" dirty="0" smtClean="0">
+                <a:solidFill>
+                  <a:schemeClr val="tx1"/>
+                </a:solidFill>
+                <a:effectLst/>
+                <a:latin typeface="+mn-lt"/>
+                <a:ea typeface="+mn-ea"/>
+                <a:cs typeface="+mn-cs"/>
+              </a:rPr>
+              <a:t>TkInter</a:t>
+            </a:r>
+            <a:r>
+              <a:rPr lang="sr-Latn-RS" sz="1200" kern="1200" dirty="0" smtClean="0">
+                <a:solidFill>
+                  <a:schemeClr val="tx1"/>
+                </a:solidFill>
+                <a:effectLst/>
+                <a:latin typeface="+mn-lt"/>
+                <a:ea typeface="+mn-ea"/>
+                <a:cs typeface="+mn-cs"/>
+              </a:rPr>
+              <a:t> paket za izradu </a:t>
+            </a:r>
+            <a:r>
+              <a:rPr lang="sr-Latn-RS" sz="1200" i="1" kern="1200" dirty="0" smtClean="0">
+                <a:solidFill>
+                  <a:schemeClr val="tx1"/>
+                </a:solidFill>
+                <a:effectLst/>
+                <a:latin typeface="+mn-lt"/>
+                <a:ea typeface="+mn-ea"/>
+                <a:cs typeface="+mn-cs"/>
+              </a:rPr>
+              <a:t>GUI</a:t>
+            </a:r>
+            <a:r>
+              <a:rPr lang="sr-Latn-RS" sz="1200" kern="1200" dirty="0" smtClean="0">
+                <a:solidFill>
+                  <a:schemeClr val="tx1"/>
+                </a:solidFill>
+                <a:effectLst/>
+                <a:latin typeface="+mn-lt"/>
+                <a:ea typeface="+mn-ea"/>
+                <a:cs typeface="+mn-cs"/>
+              </a:rPr>
+              <a:t> elemenata.</a:t>
+            </a:r>
+            <a:endParaRPr lang="en-GB" sz="1200" kern="1200" dirty="0" smtClean="0">
+              <a:solidFill>
+                <a:schemeClr val="tx1"/>
+              </a:solidFill>
+              <a:effectLst/>
+              <a:latin typeface="+mn-lt"/>
+              <a:ea typeface="+mn-ea"/>
+              <a:cs typeface="+mn-cs"/>
+            </a:endParaRPr>
+          </a:p>
+        </p:txBody>
+      </p:sp>
+      <p:sp>
+        <p:nvSpPr>
+          <p:cNvPr id="4" name="Slide Number Placeholder 3"/>
+          <p:cNvSpPr>
+            <a:spLocks noGrp="1"/>
+          </p:cNvSpPr>
+          <p:nvPr>
+            <p:ph type="sldNum" sz="quarter" idx="10"/>
+          </p:nvPr>
+        </p:nvSpPr>
+        <p:spPr/>
+        <p:txBody>
+          <a:bodyPr/>
+          <a:lstStyle/>
+          <a:p>
+            <a:fld id="{9F10CBF3-37F0-420D-959A-0BF960019D0A}" type="slidenum">
+              <a:rPr lang="en-GB" smtClean="0"/>
+              <a:t>11</a:t>
+            </a:fld>
+            <a:endParaRPr lang="en-GB" dirty="0"/>
+          </a:p>
+        </p:txBody>
+      </p:sp>
+    </p:spTree>
+    <p:extLst>
+      <p:ext uri="{BB962C8B-B14F-4D97-AF65-F5344CB8AC3E}">
+        <p14:creationId xmlns:p14="http://schemas.microsoft.com/office/powerpoint/2010/main" val="591172838"/>
+      </p:ext>
+    </p:extLst>
+  </p:cSld>
+  <p:clrMapOvr>
+    <a:masterClrMapping/>
+  </p:clrMapOvr>
+</p:notes>
+</file>
+
+<file path=ppt/notesSlides/notesSlide7.xml><?xml version="1.0" encoding="utf-8"?>
+<p:notes xmlns:a="http://schemas.openxmlformats.org/drawingml/2006/main" xmlns:r="http://schemas.openxmlformats.org/officeDocument/2006/relationships" xmlns:p="http://schemas.openxmlformats.org/presentationml/2006/main">
+  <p:cSld>
+    <p:spTree>
+      <p:nvGrpSpPr>
+        <p:cNvPr id="1" name=""/>
+        <p:cNvGrpSpPr/>
+        <p:nvPr/>
+      </p:nvGrpSpPr>
+      <p:grpSpPr>
+        <a:xfrm>
+          <a:off x="0" y="0"/>
+          <a:ext cx="0" cy="0"/>
+          <a:chOff x="0" y="0"/>
+          <a:chExt cx="0" cy="0"/>
+        </a:xfrm>
+      </p:grpSpPr>
+      <p:sp>
+        <p:nvSpPr>
+          <p:cNvPr id="2" name="Slide Image Placeholder 1"/>
+          <p:cNvSpPr>
+            <a:spLocks noGrp="1" noRot="1" noChangeAspect="1"/>
+          </p:cNvSpPr>
+          <p:nvPr>
+            <p:ph type="sldImg"/>
+          </p:nvPr>
+        </p:nvSpPr>
+        <p:spPr/>
+      </p:sp>
+      <p:sp>
+        <p:nvSpPr>
+          <p:cNvPr id="3" name="Notes Placeholder 2"/>
+          <p:cNvSpPr>
+            <a:spLocks noGrp="1"/>
+          </p:cNvSpPr>
+          <p:nvPr>
+            <p:ph type="body" idx="1"/>
+          </p:nvPr>
+        </p:nvSpPr>
+        <p:spPr/>
+        <p:txBody>
+          <a:bodyPr/>
+          <a:lstStyle/>
+          <a:p>
+            <a:r>
+              <a:rPr lang="sr-Latn-RS" sz="1200" kern="1200" dirty="0" smtClean="0">
+                <a:solidFill>
+                  <a:schemeClr val="tx1"/>
+                </a:solidFill>
+                <a:effectLst/>
+                <a:latin typeface="+mn-lt"/>
+                <a:ea typeface="+mn-ea"/>
+                <a:cs typeface="+mn-cs"/>
+              </a:rPr>
+              <a:t>U okviru ovog poglavlja biće opisano testiranje i verifikacija rešenja. S obzirom da je akcenat u zadatku bio na enkripciji i dekripciji podataka, može se reći da je provera ispravnosti  rešenja  poprilično jednostavna, odnosno potrebno je utvrditi da li se enkriptovani podaci mogu vratiti u originalni oblik bez poznavanja tajnog ključa. Odgovor je da ne mogu. Jedini način za vraćanje originalnih podataka je </a:t>
+            </a:r>
+            <a:r>
+              <a:rPr lang="sr-Latn-RS" sz="1200" i="1" kern="1200" dirty="0" smtClean="0">
+                <a:solidFill>
+                  <a:schemeClr val="tx1"/>
+                </a:solidFill>
+                <a:effectLst/>
+                <a:latin typeface="+mn-lt"/>
+                <a:ea typeface="+mn-ea"/>
+                <a:cs typeface="+mn-cs"/>
+              </a:rPr>
+              <a:t>brute-force</a:t>
+            </a:r>
+            <a:r>
+              <a:rPr lang="sr-Latn-RS" sz="1200" kern="1200" dirty="0" smtClean="0">
+                <a:solidFill>
+                  <a:schemeClr val="tx1"/>
+                </a:solidFill>
+                <a:effectLst/>
+                <a:latin typeface="+mn-lt"/>
+                <a:ea typeface="+mn-ea"/>
+                <a:cs typeface="+mn-cs"/>
+              </a:rPr>
+              <a:t> pretraga tajnog ključa, ali kao što je već rečeno, </a:t>
+            </a:r>
+            <a:r>
+              <a:rPr lang="sr-Latn-RS" sz="1200" i="1" kern="1200" dirty="0" smtClean="0">
+                <a:solidFill>
+                  <a:schemeClr val="tx1"/>
+                </a:solidFill>
+                <a:effectLst/>
+                <a:latin typeface="+mn-lt"/>
+                <a:ea typeface="+mn-ea"/>
+                <a:cs typeface="+mn-cs"/>
+              </a:rPr>
+              <a:t>brute-force</a:t>
+            </a:r>
+            <a:r>
+              <a:rPr lang="sr-Latn-RS" sz="1200" kern="1200" dirty="0" smtClean="0">
+                <a:solidFill>
+                  <a:schemeClr val="tx1"/>
+                </a:solidFill>
+                <a:effectLst/>
+                <a:latin typeface="+mn-lt"/>
+                <a:ea typeface="+mn-ea"/>
+                <a:cs typeface="+mn-cs"/>
+              </a:rPr>
+              <a:t> pretraga  može da potraje i po nekoliko desetina godina, pa čak i više.</a:t>
+            </a:r>
+            <a:endParaRPr lang="en-GB" dirty="0"/>
+          </a:p>
+        </p:txBody>
+      </p:sp>
+      <p:sp>
+        <p:nvSpPr>
+          <p:cNvPr id="4" name="Slide Number Placeholder 3"/>
+          <p:cNvSpPr>
+            <a:spLocks noGrp="1"/>
+          </p:cNvSpPr>
+          <p:nvPr>
+            <p:ph type="sldNum" sz="quarter" idx="10"/>
+          </p:nvPr>
+        </p:nvSpPr>
+        <p:spPr/>
+        <p:txBody>
+          <a:bodyPr/>
+          <a:lstStyle/>
+          <a:p>
+            <a:fld id="{9F10CBF3-37F0-420D-959A-0BF960019D0A}" type="slidenum">
+              <a:rPr lang="en-GB" smtClean="0"/>
+              <a:t>12</a:t>
+            </a:fld>
+            <a:endParaRPr lang="en-GB" dirty="0"/>
+          </a:p>
+        </p:txBody>
+      </p:sp>
+    </p:spTree>
+    <p:extLst>
+      <p:ext uri="{BB962C8B-B14F-4D97-AF65-F5344CB8AC3E}">
+        <p14:creationId xmlns:p14="http://schemas.microsoft.com/office/powerpoint/2010/main" val="310965513"/>
+      </p:ext>
+    </p:extLst>
+  </p:cSld>
+  <p:clrMapOvr>
+    <a:masterClrMapping/>
+  </p:clrMapOvr>
+</p:notes>
+</file>
+
+<file path=ppt/notesSlides/notesSlide8.xml><?xml version="1.0" encoding="utf-8"?>
+<p:notes xmlns:a="http://schemas.openxmlformats.org/drawingml/2006/main" xmlns:r="http://schemas.openxmlformats.org/officeDocument/2006/relationships" xmlns:p="http://schemas.openxmlformats.org/presentationml/2006/main">
+  <p:cSld>
+    <p:spTree>
+      <p:nvGrpSpPr>
+        <p:cNvPr id="1" name=""/>
+        <p:cNvGrpSpPr/>
+        <p:nvPr/>
+      </p:nvGrpSpPr>
+      <p:grpSpPr>
+        <a:xfrm>
+          <a:off x="0" y="0"/>
+          <a:ext cx="0" cy="0"/>
+          <a:chOff x="0" y="0"/>
+          <a:chExt cx="0" cy="0"/>
+        </a:xfrm>
+      </p:grpSpPr>
+      <p:sp>
+        <p:nvSpPr>
+          <p:cNvPr id="2" name="Slide Image Placeholder 1"/>
+          <p:cNvSpPr>
+            <a:spLocks noGrp="1" noRot="1" noChangeAspect="1"/>
+          </p:cNvSpPr>
+          <p:nvPr>
+            <p:ph type="sldImg"/>
+          </p:nvPr>
+        </p:nvSpPr>
+        <p:spPr/>
+      </p:sp>
+      <p:sp>
+        <p:nvSpPr>
+          <p:cNvPr id="3" name="Notes Placeholder 2"/>
+          <p:cNvSpPr>
+            <a:spLocks noGrp="1"/>
+          </p:cNvSpPr>
+          <p:nvPr>
+            <p:ph type="body" idx="1"/>
+          </p:nvPr>
+        </p:nvSpPr>
+        <p:spPr/>
+        <p:txBody>
+          <a:bodyPr/>
+          <a:lstStyle/>
+          <a:p>
+            <a:pPr marL="0" marR="0" lvl="0" indent="0" algn="l" defTabSz="914400" rtl="0" eaLnBrk="1" fontAlgn="auto" latinLnBrk="0" hangingPunct="1">
+              <a:lnSpc>
+                <a:spcPct val="100000"/>
+              </a:lnSpc>
+              <a:spcBef>
+                <a:spcPts val="0"/>
+              </a:spcBef>
+              <a:spcAft>
+                <a:spcPts val="0"/>
+              </a:spcAft>
+              <a:buClrTx/>
+              <a:buSzTx/>
+              <a:buFontTx/>
+              <a:buNone/>
+              <a:tabLst/>
+              <a:defRPr/>
+            </a:pPr>
+            <a:r>
+              <a:rPr lang="sr-Latn-RS" sz="1200" kern="1200" dirty="0" smtClean="0">
+                <a:solidFill>
+                  <a:schemeClr val="tx1"/>
+                </a:solidFill>
+                <a:effectLst/>
+                <a:latin typeface="+mn-lt"/>
+                <a:ea typeface="+mn-ea"/>
+                <a:cs typeface="+mn-cs"/>
+              </a:rPr>
+              <a:t>Rešenje je, pored tekstualnih datoteka testirano i na slikama različitih formata. Kao što je i očekivano, enkriptovana slika ne može biti reprodukovana, dok se dekriptovana reprodukuje bez ikakvih problema.</a:t>
+            </a:r>
+            <a:endParaRPr lang="en-GB" sz="1200" kern="1200" dirty="0" smtClean="0">
+              <a:solidFill>
+                <a:schemeClr val="tx1"/>
+              </a:solidFill>
+              <a:effectLst/>
+              <a:latin typeface="+mn-lt"/>
+              <a:ea typeface="+mn-ea"/>
+              <a:cs typeface="+mn-cs"/>
+            </a:endParaRPr>
+          </a:p>
+        </p:txBody>
+      </p:sp>
+      <p:sp>
+        <p:nvSpPr>
+          <p:cNvPr id="4" name="Slide Number Placeholder 3"/>
+          <p:cNvSpPr>
+            <a:spLocks noGrp="1"/>
+          </p:cNvSpPr>
+          <p:nvPr>
+            <p:ph type="sldNum" sz="quarter" idx="10"/>
+          </p:nvPr>
+        </p:nvSpPr>
+        <p:spPr/>
+        <p:txBody>
+          <a:bodyPr/>
+          <a:lstStyle/>
+          <a:p>
+            <a:fld id="{9F10CBF3-37F0-420D-959A-0BF960019D0A}" type="slidenum">
+              <a:rPr lang="en-GB" smtClean="0"/>
+              <a:t>13</a:t>
+            </a:fld>
+            <a:endParaRPr lang="en-GB" dirty="0"/>
+          </a:p>
+        </p:txBody>
+      </p:sp>
+    </p:spTree>
+    <p:extLst>
+      <p:ext uri="{BB962C8B-B14F-4D97-AF65-F5344CB8AC3E}">
+        <p14:creationId xmlns:p14="http://schemas.microsoft.com/office/powerpoint/2010/main" val="3038287892"/>
+      </p:ext>
+    </p:extLst>
+  </p:cSld>
+  <p:clrMapOvr>
+    <a:masterClrMapping/>
+  </p:clrMapOvr>
+</p:notes>
+</file>
+
+<file path=ppt/notesSlides/notesSlide9.xml><?xml version="1.0" encoding="utf-8"?>
+<p:notes xmlns:a="http://schemas.openxmlformats.org/drawingml/2006/main" xmlns:r="http://schemas.openxmlformats.org/officeDocument/2006/relationships" xmlns:p="http://schemas.openxmlformats.org/presentationml/2006/main">
+  <p:cSld>
+    <p:spTree>
+      <p:nvGrpSpPr>
+        <p:cNvPr id="1" name=""/>
+        <p:cNvGrpSpPr/>
+        <p:nvPr/>
+      </p:nvGrpSpPr>
+      <p:grpSpPr>
+        <a:xfrm>
+          <a:off x="0" y="0"/>
+          <a:ext cx="0" cy="0"/>
+          <a:chOff x="0" y="0"/>
+          <a:chExt cx="0" cy="0"/>
+        </a:xfrm>
+      </p:grpSpPr>
+      <p:sp>
+        <p:nvSpPr>
+          <p:cNvPr id="2" name="Slide Image Placeholder 1"/>
+          <p:cNvSpPr>
+            <a:spLocks noGrp="1" noRot="1" noChangeAspect="1"/>
+          </p:cNvSpPr>
+          <p:nvPr>
+            <p:ph type="sldImg"/>
+          </p:nvPr>
+        </p:nvSpPr>
+        <p:spPr/>
+      </p:sp>
+      <p:sp>
+        <p:nvSpPr>
+          <p:cNvPr id="3" name="Notes Placeholder 2"/>
+          <p:cNvSpPr>
+            <a:spLocks noGrp="1"/>
+          </p:cNvSpPr>
+          <p:nvPr>
+            <p:ph type="body" idx="1"/>
+          </p:nvPr>
+        </p:nvSpPr>
+        <p:spPr/>
+        <p:txBody>
+          <a:bodyPr/>
+          <a:lstStyle/>
+          <a:p>
+            <a:r>
+              <a:rPr lang="sr-Latn-RS" sz="1200" kern="1200" dirty="0" smtClean="0">
+                <a:solidFill>
+                  <a:schemeClr val="tx1"/>
+                </a:solidFill>
+                <a:effectLst/>
+                <a:latin typeface="+mn-lt"/>
+                <a:ea typeface="+mn-ea"/>
+                <a:cs typeface="+mn-cs"/>
+              </a:rPr>
+              <a:t>Testiranjem je utvrđeno da prosečna izmerena brzina komunikacije između namenske platforme i računara iznosi 23.48 kbit/s. Kao što se vidi na slici 5.4, brzina slanja podataka je konstantna, sa zanemarljivim fluktuacijama. Ova brzina nije na nivou brzina koje se koriste u svakodnevnoj upotrebi, međutim kao što je već poznato, sa namenske platforme će se izvlačiti  dijagnostički podaci čija veličina se meri u kilobajtima, tako da je brzina komunikacije između računara i namenske platforme sasvim zadovoljavajuća za ovaj vid primene.</a:t>
+            </a:r>
+            <a:endParaRPr lang="en-GB" sz="1200" kern="1200" dirty="0" smtClean="0">
+              <a:solidFill>
+                <a:schemeClr val="tx1"/>
+              </a:solidFill>
+              <a:effectLst/>
+              <a:latin typeface="+mn-lt"/>
+              <a:ea typeface="+mn-ea"/>
+              <a:cs typeface="+mn-cs"/>
+            </a:endParaRPr>
+          </a:p>
+        </p:txBody>
+      </p:sp>
+      <p:sp>
+        <p:nvSpPr>
+          <p:cNvPr id="4" name="Slide Number Placeholder 3"/>
+          <p:cNvSpPr>
+            <a:spLocks noGrp="1"/>
+          </p:cNvSpPr>
+          <p:nvPr>
+            <p:ph type="sldNum" sz="quarter" idx="10"/>
+          </p:nvPr>
+        </p:nvSpPr>
+        <p:spPr/>
+        <p:txBody>
+          <a:bodyPr/>
+          <a:lstStyle/>
+          <a:p>
+            <a:fld id="{9F10CBF3-37F0-420D-959A-0BF960019D0A}" type="slidenum">
+              <a:rPr lang="en-GB" smtClean="0"/>
+              <a:t>14</a:t>
+            </a:fld>
+            <a:endParaRPr lang="en-GB" dirty="0"/>
+          </a:p>
+        </p:txBody>
+      </p:sp>
+    </p:spTree>
+    <p:extLst>
+      <p:ext uri="{BB962C8B-B14F-4D97-AF65-F5344CB8AC3E}">
+        <p14:creationId xmlns:p14="http://schemas.microsoft.com/office/powerpoint/2010/main" val="3726228433"/>
       </p:ext>
     </p:extLst>
   </p:cSld>
@@ -1446,7 +5766,7 @@
           <a:p>
             <a:fld id="{D687CFD6-3914-43FA-82AE-6C2BCB2F5304}" type="datetime1">
               <a:rPr lang="en-GB" smtClean="0"/>
-              <a:t>04/09/2018</a:t>
+              <a:t>05/09/2018</a:t>
             </a:fld>
             <a:endParaRPr lang="en-GB" dirty="0"/>
           </a:p>
@@ -1704,7 +6024,7 @@
           <a:p>
             <a:fld id="{56C0CC82-B1B9-4FA0-8152-83F9205EC05D}" type="datetime1">
               <a:rPr lang="en-GB" smtClean="0"/>
-              <a:t>04/09/2018</a:t>
+              <a:t>05/09/2018</a:t>
             </a:fld>
             <a:endParaRPr lang="en-GB" dirty="0"/>
           </a:p>
@@ -1884,7 +6204,7 @@
           <a:p>
             <a:fld id="{F1DF5540-753E-45C0-B9BF-6D0C4961FF7B}" type="datetime1">
               <a:rPr lang="en-GB" smtClean="0"/>
-              <a:t>04/09/2018</a:t>
+              <a:t>05/09/2018</a:t>
             </a:fld>
             <a:endParaRPr lang="en-GB" dirty="0"/>
           </a:p>
@@ -2061,7 +6381,7 @@
           <a:p>
             <a:fld id="{72041144-3E58-4F0C-80C7-41BD6C897C65}" type="datetime1">
               <a:rPr lang="en-GB" smtClean="0"/>
-              <a:t>04/09/2018</a:t>
+              <a:t>05/09/2018</a:t>
             </a:fld>
             <a:endParaRPr lang="en-GB" dirty="0"/>
           </a:p>
@@ -2314,7 +6634,7 @@
           <a:p>
             <a:fld id="{63B5AB60-E104-4C26-85F8-BFBAAF410C05}" type="datetime1">
               <a:rPr lang="en-GB" smtClean="0"/>
-              <a:t>04/09/2018</a:t>
+              <a:t>05/09/2018</a:t>
             </a:fld>
             <a:endParaRPr lang="en-GB" dirty="0"/>
           </a:p>
@@ -2553,7 +6873,7 @@
           <a:p>
             <a:fld id="{65E1D567-557C-4499-9E8F-C30ACB70317C}" type="datetime1">
               <a:rPr lang="en-GB" smtClean="0"/>
-              <a:t>04/09/2018</a:t>
+              <a:t>05/09/2018</a:t>
             </a:fld>
             <a:endParaRPr lang="en-GB" dirty="0"/>
           </a:p>
@@ -2927,7 +7247,7 @@
           <a:p>
             <a:fld id="{9AE1CED2-3B6D-476F-AB4E-28DD0D82C9EA}" type="datetime1">
               <a:rPr lang="en-GB" smtClean="0"/>
-              <a:t>04/09/2018</a:t>
+              <a:t>05/09/2018</a:t>
             </a:fld>
             <a:endParaRPr lang="en-GB" dirty="0"/>
           </a:p>
@@ -3052,7 +7372,7 @@
           <a:p>
             <a:fld id="{A2B2F60D-8E4D-469F-97F8-9F2C592593FA}" type="datetime1">
               <a:rPr lang="en-GB" smtClean="0"/>
-              <a:t>04/09/2018</a:t>
+              <a:t>05/09/2018</a:t>
             </a:fld>
             <a:endParaRPr lang="en-GB" dirty="0"/>
           </a:p>
@@ -3154,7 +7474,7 @@
           <a:p>
             <a:fld id="{0954E2FF-5053-403D-9275-4E14153D1110}" type="datetime1">
               <a:rPr lang="en-GB" smtClean="0"/>
-              <a:t>04/09/2018</a:t>
+              <a:t>05/09/2018</a:t>
             </a:fld>
             <a:endParaRPr lang="en-GB" dirty="0"/>
           </a:p>
@@ -3438,7 +7758,7 @@
           <a:p>
             <a:fld id="{B01DADD0-3696-40BD-BE2A-05759D46E0E7}" type="datetime1">
               <a:rPr lang="en-GB" smtClean="0"/>
-              <a:t>04/09/2018</a:t>
+              <a:t>05/09/2018</a:t>
             </a:fld>
             <a:endParaRPr lang="en-GB" dirty="0"/>
           </a:p>
@@ -3702,7 +8022,7 @@
           <a:p>
             <a:fld id="{CBB06DF5-004A-4FE5-B5D3-D22AA8BA7689}" type="datetime1">
               <a:rPr lang="en-GB" smtClean="0"/>
-              <a:t>04/09/2018</a:t>
+              <a:t>05/09/2018</a:t>
             </a:fld>
             <a:endParaRPr lang="en-GB" dirty="0"/>
           </a:p>
@@ -3892,7 +8212,7 @@
           <a:p>
             <a:fld id="{5F103D76-B2D5-4BE5-8772-D05C92B298FC}" type="datetime1">
               <a:rPr lang="en-GB" smtClean="0"/>
-              <a:t>04/09/2018</a:t>
+              <a:t>05/09/2018</a:t>
             </a:fld>
             <a:endParaRPr lang="en-GB" dirty="0"/>
           </a:p>
@@ -4847,7 +9167,7 @@
         </p:nvSpPr>
         <p:spPr>
           <a:xfrm>
-            <a:off x="1297371" y="2952185"/>
+            <a:off x="1389838" y="2818621"/>
             <a:ext cx="9144000" cy="2387600"/>
           </a:xfrm>
         </p:spPr>
@@ -5115,6 +9435,892 @@
 </p:sld>
 </file>
 
+<file path=ppt/slides/slide10.xml><?xml version="1.0" encoding="utf-8"?>
+<p:sld xmlns:a="http://schemas.openxmlformats.org/drawingml/2006/main" xmlns:r="http://schemas.openxmlformats.org/officeDocument/2006/relationships" xmlns:p="http://schemas.openxmlformats.org/presentationml/2006/main">
+  <p:cSld>
+    <p:spTree>
+      <p:nvGrpSpPr>
+        <p:cNvPr id="1" name=""/>
+        <p:cNvGrpSpPr/>
+        <p:nvPr/>
+      </p:nvGrpSpPr>
+      <p:grpSpPr>
+        <a:xfrm>
+          <a:off x="0" y="0"/>
+          <a:ext cx="0" cy="0"/>
+          <a:chOff x="0" y="0"/>
+          <a:chExt cx="0" cy="0"/>
+        </a:xfrm>
+      </p:grpSpPr>
+      <p:sp>
+        <p:nvSpPr>
+          <p:cNvPr id="2" name="Title 1"/>
+          <p:cNvSpPr>
+            <a:spLocks noGrp="1"/>
+          </p:cNvSpPr>
+          <p:nvPr>
+            <p:ph type="title"/>
+          </p:nvPr>
+        </p:nvSpPr>
+        <p:spPr/>
+        <p:txBody>
+          <a:bodyPr>
+            <a:normAutofit/>
+          </a:bodyPr>
+          <a:lstStyle/>
+          <a:p>
+            <a:r>
+              <a:rPr lang="sr-Latn-RS" sz="5400" dirty="0"/>
+              <a:t>Koncept rešenja</a:t>
+            </a:r>
+            <a:endParaRPr lang="en-GB" sz="5400" dirty="0"/>
+          </a:p>
+        </p:txBody>
+      </p:sp>
+      <p:sp>
+        <p:nvSpPr>
+          <p:cNvPr id="4" name="Slide Number Placeholder 3"/>
+          <p:cNvSpPr>
+            <a:spLocks noGrp="1"/>
+          </p:cNvSpPr>
+          <p:nvPr>
+            <p:ph type="sldNum" sz="quarter" idx="12"/>
+          </p:nvPr>
+        </p:nvSpPr>
+        <p:spPr/>
+        <p:txBody>
+          <a:bodyPr/>
+          <a:lstStyle/>
+          <a:p>
+            <a:fld id="{D22DBB91-4764-4098-A9EE-EA9330E91630}" type="slidenum">
+              <a:rPr lang="en-GB" smtClean="0"/>
+              <a:t>10</a:t>
+            </a:fld>
+            <a:endParaRPr lang="en-GB" dirty="0"/>
+          </a:p>
+        </p:txBody>
+      </p:sp>
+      <p:pic>
+        <p:nvPicPr>
+          <p:cNvPr id="7" name="Content Placeholder 6"/>
+          <p:cNvPicPr>
+            <a:picLocks noGrp="1" noChangeAspect="1"/>
+          </p:cNvPicPr>
+          <p:nvPr>
+            <p:ph idx="1"/>
+          </p:nvPr>
+        </p:nvPicPr>
+        <p:blipFill>
+          <a:blip r:embed="rId2">
+            <a:extLst>
+              <a:ext uri="{28A0092B-C50C-407E-A947-70E740481C1C}">
+                <a14:useLocalDpi xmlns:a14="http://schemas.microsoft.com/office/drawing/2010/main" val="0"/>
+              </a:ext>
+            </a:extLst>
+          </a:blip>
+          <a:stretch>
+            <a:fillRect/>
+          </a:stretch>
+        </p:blipFill>
+        <p:spPr>
+          <a:xfrm>
+            <a:off x="1935883" y="1652338"/>
+            <a:ext cx="8320234" cy="4546850"/>
+          </a:xfrm>
+        </p:spPr>
+      </p:pic>
+    </p:spTree>
+    <p:extLst>
+      <p:ext uri="{BB962C8B-B14F-4D97-AF65-F5344CB8AC3E}">
+        <p14:creationId xmlns:p14="http://schemas.microsoft.com/office/powerpoint/2010/main" val="1467196194"/>
+      </p:ext>
+    </p:extLst>
+  </p:cSld>
+  <p:clrMapOvr>
+    <a:masterClrMapping/>
+  </p:clrMapOvr>
+</p:sld>
+</file>
+
+<file path=ppt/slides/slide11.xml><?xml version="1.0" encoding="utf-8"?>
+<p:sld xmlns:a="http://schemas.openxmlformats.org/drawingml/2006/main" xmlns:r="http://schemas.openxmlformats.org/officeDocument/2006/relationships" xmlns:p="http://schemas.openxmlformats.org/presentationml/2006/main">
+  <p:cSld>
+    <p:spTree>
+      <p:nvGrpSpPr>
+        <p:cNvPr id="1" name=""/>
+        <p:cNvGrpSpPr/>
+        <p:nvPr/>
+      </p:nvGrpSpPr>
+      <p:grpSpPr>
+        <a:xfrm>
+          <a:off x="0" y="0"/>
+          <a:ext cx="0" cy="0"/>
+          <a:chOff x="0" y="0"/>
+          <a:chExt cx="0" cy="0"/>
+        </a:xfrm>
+      </p:grpSpPr>
+      <p:sp>
+        <p:nvSpPr>
+          <p:cNvPr id="2" name="Title 1"/>
+          <p:cNvSpPr>
+            <a:spLocks noGrp="1"/>
+          </p:cNvSpPr>
+          <p:nvPr>
+            <p:ph type="title"/>
+          </p:nvPr>
+        </p:nvSpPr>
+        <p:spPr/>
+        <p:txBody>
+          <a:bodyPr>
+            <a:normAutofit/>
+          </a:bodyPr>
+          <a:lstStyle/>
+          <a:p>
+            <a:r>
+              <a:rPr lang="sr-Latn-RS" sz="5400" dirty="0" smtClean="0"/>
+              <a:t>Koncept rešenja</a:t>
+            </a:r>
+            <a:endParaRPr lang="en-GB" sz="5400" dirty="0"/>
+          </a:p>
+        </p:txBody>
+      </p:sp>
+      <p:sp>
+        <p:nvSpPr>
+          <p:cNvPr id="3" name="Content Placeholder 2"/>
+          <p:cNvSpPr>
+            <a:spLocks noGrp="1"/>
+          </p:cNvSpPr>
+          <p:nvPr>
+            <p:ph idx="1"/>
+          </p:nvPr>
+        </p:nvSpPr>
+        <p:spPr/>
+        <p:txBody>
+          <a:bodyPr>
+            <a:normAutofit/>
+          </a:bodyPr>
+          <a:lstStyle/>
+          <a:p>
+            <a:r>
+              <a:rPr lang="sr-Latn-RS" sz="2400" dirty="0" smtClean="0"/>
+              <a:t>Grafička korisnička sprega</a:t>
+            </a:r>
+            <a:endParaRPr lang="en-GB" sz="2400" dirty="0"/>
+          </a:p>
+        </p:txBody>
+      </p:sp>
+      <p:sp>
+        <p:nvSpPr>
+          <p:cNvPr id="4" name="Slide Number Placeholder 3"/>
+          <p:cNvSpPr>
+            <a:spLocks noGrp="1"/>
+          </p:cNvSpPr>
+          <p:nvPr>
+            <p:ph type="sldNum" sz="quarter" idx="12"/>
+          </p:nvPr>
+        </p:nvSpPr>
+        <p:spPr/>
+        <p:txBody>
+          <a:bodyPr/>
+          <a:lstStyle/>
+          <a:p>
+            <a:fld id="{D22DBB91-4764-4098-A9EE-EA9330E91630}" type="slidenum">
+              <a:rPr lang="en-GB" smtClean="0"/>
+              <a:t>11</a:t>
+            </a:fld>
+            <a:endParaRPr lang="en-GB" dirty="0"/>
+          </a:p>
+        </p:txBody>
+      </p:sp>
+      <p:pic>
+        <p:nvPicPr>
+          <p:cNvPr id="5" name="Picture 4"/>
+          <p:cNvPicPr>
+            <a:picLocks noChangeAspect="1"/>
+          </p:cNvPicPr>
+          <p:nvPr/>
+        </p:nvPicPr>
+        <p:blipFill>
+          <a:blip r:embed="rId3">
+            <a:extLst>
+              <a:ext uri="{28A0092B-C50C-407E-A947-70E740481C1C}">
+                <a14:useLocalDpi xmlns:a14="http://schemas.microsoft.com/office/drawing/2010/main" val="0"/>
+              </a:ext>
+            </a:extLst>
+          </a:blip>
+          <a:stretch>
+            <a:fillRect/>
+          </a:stretch>
+        </p:blipFill>
+        <p:spPr>
+          <a:xfrm>
+            <a:off x="3787738" y="2432292"/>
+            <a:ext cx="4616523" cy="3182454"/>
+          </a:xfrm>
+          <a:prstGeom prst="rect">
+            <a:avLst/>
+          </a:prstGeom>
+        </p:spPr>
+      </p:pic>
+    </p:spTree>
+    <p:extLst>
+      <p:ext uri="{BB962C8B-B14F-4D97-AF65-F5344CB8AC3E}">
+        <p14:creationId xmlns:p14="http://schemas.microsoft.com/office/powerpoint/2010/main" val="3440650851"/>
+      </p:ext>
+    </p:extLst>
+  </p:cSld>
+  <p:clrMapOvr>
+    <a:masterClrMapping/>
+  </p:clrMapOvr>
+</p:sld>
+</file>
+
+<file path=ppt/slides/slide12.xml><?xml version="1.0" encoding="utf-8"?>
+<p:sld xmlns:a="http://schemas.openxmlformats.org/drawingml/2006/main" xmlns:r="http://schemas.openxmlformats.org/officeDocument/2006/relationships" xmlns:p="http://schemas.openxmlformats.org/presentationml/2006/main">
+  <p:cSld>
+    <p:spTree>
+      <p:nvGrpSpPr>
+        <p:cNvPr id="1" name=""/>
+        <p:cNvGrpSpPr/>
+        <p:nvPr/>
+      </p:nvGrpSpPr>
+      <p:grpSpPr>
+        <a:xfrm>
+          <a:off x="0" y="0"/>
+          <a:ext cx="0" cy="0"/>
+          <a:chOff x="0" y="0"/>
+          <a:chExt cx="0" cy="0"/>
+        </a:xfrm>
+      </p:grpSpPr>
+      <p:sp>
+        <p:nvSpPr>
+          <p:cNvPr id="2" name="Title 1"/>
+          <p:cNvSpPr>
+            <a:spLocks noGrp="1"/>
+          </p:cNvSpPr>
+          <p:nvPr>
+            <p:ph type="title"/>
+          </p:nvPr>
+        </p:nvSpPr>
+        <p:spPr/>
+        <p:txBody>
+          <a:bodyPr>
+            <a:normAutofit/>
+          </a:bodyPr>
+          <a:lstStyle/>
+          <a:p>
+            <a:r>
+              <a:rPr lang="sr-Latn-RS" sz="5400" dirty="0" smtClean="0"/>
+              <a:t>Testiranje i verifikacija</a:t>
+            </a:r>
+            <a:endParaRPr lang="en-GB" sz="5400" dirty="0"/>
+          </a:p>
+        </p:txBody>
+      </p:sp>
+      <p:sp>
+        <p:nvSpPr>
+          <p:cNvPr id="3" name="Content Placeholder 2"/>
+          <p:cNvSpPr>
+            <a:spLocks noGrp="1"/>
+          </p:cNvSpPr>
+          <p:nvPr>
+            <p:ph idx="1"/>
+          </p:nvPr>
+        </p:nvSpPr>
+        <p:spPr/>
+        <p:txBody>
+          <a:bodyPr>
+            <a:normAutofit/>
+          </a:bodyPr>
+          <a:lstStyle/>
+          <a:p>
+            <a:r>
+              <a:rPr lang="sr-Latn-RS" sz="2400" dirty="0" smtClean="0"/>
+              <a:t>Scenario: slučaj presretanja komunikacije</a:t>
+            </a:r>
+            <a:endParaRPr lang="en-GB" sz="2400" dirty="0"/>
+          </a:p>
+        </p:txBody>
+      </p:sp>
+      <p:sp>
+        <p:nvSpPr>
+          <p:cNvPr id="4" name="Slide Number Placeholder 3"/>
+          <p:cNvSpPr>
+            <a:spLocks noGrp="1"/>
+          </p:cNvSpPr>
+          <p:nvPr>
+            <p:ph type="sldNum" sz="quarter" idx="12"/>
+          </p:nvPr>
+        </p:nvSpPr>
+        <p:spPr/>
+        <p:txBody>
+          <a:bodyPr/>
+          <a:lstStyle/>
+          <a:p>
+            <a:fld id="{D22DBB91-4764-4098-A9EE-EA9330E91630}" type="slidenum">
+              <a:rPr lang="en-GB" smtClean="0"/>
+              <a:t>12</a:t>
+            </a:fld>
+            <a:endParaRPr lang="en-GB" dirty="0"/>
+          </a:p>
+        </p:txBody>
+      </p:sp>
+      <p:pic>
+        <p:nvPicPr>
+          <p:cNvPr id="5" name="Picture 4"/>
+          <p:cNvPicPr>
+            <a:picLocks noChangeAspect="1"/>
+          </p:cNvPicPr>
+          <p:nvPr/>
+        </p:nvPicPr>
+        <p:blipFill>
+          <a:blip r:embed="rId3">
+            <a:extLst>
+              <a:ext uri="{28A0092B-C50C-407E-A947-70E740481C1C}">
+                <a14:useLocalDpi xmlns:a14="http://schemas.microsoft.com/office/drawing/2010/main" val="0"/>
+              </a:ext>
+            </a:extLst>
+          </a:blip>
+          <a:stretch>
+            <a:fillRect/>
+          </a:stretch>
+        </p:blipFill>
+        <p:spPr>
+          <a:xfrm>
+            <a:off x="838200" y="2301545"/>
+            <a:ext cx="4392197" cy="3443948"/>
+          </a:xfrm>
+          <a:prstGeom prst="rect">
+            <a:avLst/>
+          </a:prstGeom>
+        </p:spPr>
+      </p:pic>
+      <p:pic>
+        <p:nvPicPr>
+          <p:cNvPr id="6" name="Picture 5"/>
+          <p:cNvPicPr>
+            <a:picLocks noChangeAspect="1"/>
+          </p:cNvPicPr>
+          <p:nvPr/>
+        </p:nvPicPr>
+        <p:blipFill>
+          <a:blip r:embed="rId4">
+            <a:extLst>
+              <a:ext uri="{28A0092B-C50C-407E-A947-70E740481C1C}">
+                <a14:useLocalDpi xmlns:a14="http://schemas.microsoft.com/office/drawing/2010/main" val="0"/>
+              </a:ext>
+            </a:extLst>
+          </a:blip>
+          <a:stretch>
+            <a:fillRect/>
+          </a:stretch>
+        </p:blipFill>
+        <p:spPr>
+          <a:xfrm>
+            <a:off x="6023972" y="2301545"/>
+            <a:ext cx="4396405" cy="3443948"/>
+          </a:xfrm>
+          <a:prstGeom prst="rect">
+            <a:avLst/>
+          </a:prstGeom>
+        </p:spPr>
+      </p:pic>
+    </p:spTree>
+    <p:extLst>
+      <p:ext uri="{BB962C8B-B14F-4D97-AF65-F5344CB8AC3E}">
+        <p14:creationId xmlns:p14="http://schemas.microsoft.com/office/powerpoint/2010/main" val="2623926690"/>
+      </p:ext>
+    </p:extLst>
+  </p:cSld>
+  <p:clrMapOvr>
+    <a:masterClrMapping/>
+  </p:clrMapOvr>
+</p:sld>
+</file>
+
+<file path=ppt/slides/slide13.xml><?xml version="1.0" encoding="utf-8"?>
+<p:sld xmlns:a="http://schemas.openxmlformats.org/drawingml/2006/main" xmlns:r="http://schemas.openxmlformats.org/officeDocument/2006/relationships" xmlns:p="http://schemas.openxmlformats.org/presentationml/2006/main">
+  <p:cSld>
+    <p:spTree>
+      <p:nvGrpSpPr>
+        <p:cNvPr id="1" name=""/>
+        <p:cNvGrpSpPr/>
+        <p:nvPr/>
+      </p:nvGrpSpPr>
+      <p:grpSpPr>
+        <a:xfrm>
+          <a:off x="0" y="0"/>
+          <a:ext cx="0" cy="0"/>
+          <a:chOff x="0" y="0"/>
+          <a:chExt cx="0" cy="0"/>
+        </a:xfrm>
+      </p:grpSpPr>
+      <p:sp>
+        <p:nvSpPr>
+          <p:cNvPr id="2" name="Title 1"/>
+          <p:cNvSpPr>
+            <a:spLocks noGrp="1"/>
+          </p:cNvSpPr>
+          <p:nvPr>
+            <p:ph type="title"/>
+          </p:nvPr>
+        </p:nvSpPr>
+        <p:spPr/>
+        <p:txBody>
+          <a:bodyPr>
+            <a:normAutofit/>
+          </a:bodyPr>
+          <a:lstStyle/>
+          <a:p>
+            <a:r>
+              <a:rPr lang="sr-Latn-RS" sz="5400" dirty="0" smtClean="0"/>
+              <a:t>Testiranje i verifikacija</a:t>
+            </a:r>
+            <a:endParaRPr lang="en-GB" sz="5400" dirty="0"/>
+          </a:p>
+        </p:txBody>
+      </p:sp>
+      <p:sp>
+        <p:nvSpPr>
+          <p:cNvPr id="3" name="Content Placeholder 2"/>
+          <p:cNvSpPr>
+            <a:spLocks noGrp="1"/>
+          </p:cNvSpPr>
+          <p:nvPr>
+            <p:ph idx="1"/>
+          </p:nvPr>
+        </p:nvSpPr>
+        <p:spPr/>
+        <p:txBody>
+          <a:bodyPr>
+            <a:normAutofit/>
+          </a:bodyPr>
+          <a:lstStyle/>
+          <a:p>
+            <a:r>
+              <a:rPr lang="sr-Latn-RS" sz="2400" dirty="0" smtClean="0"/>
+              <a:t>Razlika između datoteka potpuno stohastička</a:t>
+            </a:r>
+            <a:endParaRPr lang="en-GB" sz="2400" dirty="0"/>
+          </a:p>
+        </p:txBody>
+      </p:sp>
+      <p:sp>
+        <p:nvSpPr>
+          <p:cNvPr id="4" name="Slide Number Placeholder 3"/>
+          <p:cNvSpPr>
+            <a:spLocks noGrp="1"/>
+          </p:cNvSpPr>
+          <p:nvPr>
+            <p:ph type="sldNum" sz="quarter" idx="12"/>
+          </p:nvPr>
+        </p:nvSpPr>
+        <p:spPr/>
+        <p:txBody>
+          <a:bodyPr/>
+          <a:lstStyle/>
+          <a:p>
+            <a:fld id="{D22DBB91-4764-4098-A9EE-EA9330E91630}" type="slidenum">
+              <a:rPr lang="en-GB" smtClean="0"/>
+              <a:t>13</a:t>
+            </a:fld>
+            <a:endParaRPr lang="en-GB" dirty="0"/>
+          </a:p>
+        </p:txBody>
+      </p:sp>
+      <p:pic>
+        <p:nvPicPr>
+          <p:cNvPr id="5" name="Picture 4"/>
+          <p:cNvPicPr>
+            <a:picLocks noChangeAspect="1"/>
+          </p:cNvPicPr>
+          <p:nvPr/>
+        </p:nvPicPr>
+        <p:blipFill>
+          <a:blip r:embed="rId3">
+            <a:extLst>
+              <a:ext uri="{28A0092B-C50C-407E-A947-70E740481C1C}">
+                <a14:useLocalDpi xmlns:a14="http://schemas.microsoft.com/office/drawing/2010/main" val="0"/>
+              </a:ext>
+            </a:extLst>
+          </a:blip>
+          <a:stretch>
+            <a:fillRect/>
+          </a:stretch>
+        </p:blipFill>
+        <p:spPr>
+          <a:xfrm>
+            <a:off x="3567495" y="2404168"/>
+            <a:ext cx="5057010" cy="3873601"/>
+          </a:xfrm>
+          <a:prstGeom prst="rect">
+            <a:avLst/>
+          </a:prstGeom>
+        </p:spPr>
+      </p:pic>
+    </p:spTree>
+    <p:extLst>
+      <p:ext uri="{BB962C8B-B14F-4D97-AF65-F5344CB8AC3E}">
+        <p14:creationId xmlns:p14="http://schemas.microsoft.com/office/powerpoint/2010/main" val="499738687"/>
+      </p:ext>
+    </p:extLst>
+  </p:cSld>
+  <p:clrMapOvr>
+    <a:masterClrMapping/>
+  </p:clrMapOvr>
+</p:sld>
+</file>
+
+<file path=ppt/slides/slide14.xml><?xml version="1.0" encoding="utf-8"?>
+<p:sld xmlns:a="http://schemas.openxmlformats.org/drawingml/2006/main" xmlns:r="http://schemas.openxmlformats.org/officeDocument/2006/relationships" xmlns:p="http://schemas.openxmlformats.org/presentationml/2006/main">
+  <p:cSld>
+    <p:spTree>
+      <p:nvGrpSpPr>
+        <p:cNvPr id="1" name=""/>
+        <p:cNvGrpSpPr/>
+        <p:nvPr/>
+      </p:nvGrpSpPr>
+      <p:grpSpPr>
+        <a:xfrm>
+          <a:off x="0" y="0"/>
+          <a:ext cx="0" cy="0"/>
+          <a:chOff x="0" y="0"/>
+          <a:chExt cx="0" cy="0"/>
+        </a:xfrm>
+      </p:grpSpPr>
+      <p:sp>
+        <p:nvSpPr>
+          <p:cNvPr id="2" name="Title 1"/>
+          <p:cNvSpPr>
+            <a:spLocks noGrp="1"/>
+          </p:cNvSpPr>
+          <p:nvPr>
+            <p:ph type="title"/>
+          </p:nvPr>
+        </p:nvSpPr>
+        <p:spPr/>
+        <p:txBody>
+          <a:bodyPr>
+            <a:normAutofit/>
+          </a:bodyPr>
+          <a:lstStyle/>
+          <a:p>
+            <a:r>
+              <a:rPr lang="sr-Latn-RS" sz="5400" dirty="0" smtClean="0"/>
+              <a:t>Testiranje i verifikacija</a:t>
+            </a:r>
+            <a:endParaRPr lang="en-GB" sz="5400" dirty="0"/>
+          </a:p>
+        </p:txBody>
+      </p:sp>
+      <p:sp>
+        <p:nvSpPr>
+          <p:cNvPr id="4" name="Slide Number Placeholder 3"/>
+          <p:cNvSpPr>
+            <a:spLocks noGrp="1"/>
+          </p:cNvSpPr>
+          <p:nvPr>
+            <p:ph type="sldNum" sz="quarter" idx="12"/>
+          </p:nvPr>
+        </p:nvSpPr>
+        <p:spPr/>
+        <p:txBody>
+          <a:bodyPr/>
+          <a:lstStyle/>
+          <a:p>
+            <a:fld id="{D22DBB91-4764-4098-A9EE-EA9330E91630}" type="slidenum">
+              <a:rPr lang="en-GB" smtClean="0"/>
+              <a:t>14</a:t>
+            </a:fld>
+            <a:endParaRPr lang="en-GB" dirty="0"/>
+          </a:p>
+        </p:txBody>
+      </p:sp>
+      <p:graphicFrame>
+        <p:nvGraphicFramePr>
+          <p:cNvPr id="6" name="Content Placeholder 5"/>
+          <p:cNvGraphicFramePr>
+            <a:graphicFrameLocks noGrp="1"/>
+          </p:cNvGraphicFramePr>
+          <p:nvPr>
+            <p:ph idx="1"/>
+            <p:extLst>
+              <p:ext uri="{D42A27DB-BD31-4B8C-83A1-F6EECF244321}">
+                <p14:modId xmlns:p14="http://schemas.microsoft.com/office/powerpoint/2010/main" val="1964637387"/>
+              </p:ext>
+            </p:extLst>
+          </p:nvPr>
+        </p:nvGraphicFramePr>
+        <p:xfrm>
+          <a:off x="1526005" y="1668379"/>
+          <a:ext cx="9139989" cy="4687971"/>
+        </p:xfrm>
+        <a:graphic>
+          <a:graphicData uri="http://schemas.openxmlformats.org/drawingml/2006/chart">
+            <c:chart xmlns:c="http://schemas.openxmlformats.org/drawingml/2006/chart" xmlns:r="http://schemas.openxmlformats.org/officeDocument/2006/relationships" r:id="rId3"/>
+          </a:graphicData>
+        </a:graphic>
+      </p:graphicFrame>
+    </p:spTree>
+    <p:extLst>
+      <p:ext uri="{BB962C8B-B14F-4D97-AF65-F5344CB8AC3E}">
+        <p14:creationId xmlns:p14="http://schemas.microsoft.com/office/powerpoint/2010/main" val="2446985717"/>
+      </p:ext>
+    </p:extLst>
+  </p:cSld>
+  <p:clrMapOvr>
+    <a:masterClrMapping/>
+  </p:clrMapOvr>
+</p:sld>
+</file>
+
+<file path=ppt/slides/slide15.xml><?xml version="1.0" encoding="utf-8"?>
+<p:sld xmlns:a="http://schemas.openxmlformats.org/drawingml/2006/main" xmlns:r="http://schemas.openxmlformats.org/officeDocument/2006/relationships" xmlns:p="http://schemas.openxmlformats.org/presentationml/2006/main">
+  <p:cSld>
+    <p:spTree>
+      <p:nvGrpSpPr>
+        <p:cNvPr id="1" name=""/>
+        <p:cNvGrpSpPr/>
+        <p:nvPr/>
+      </p:nvGrpSpPr>
+      <p:grpSpPr>
+        <a:xfrm>
+          <a:off x="0" y="0"/>
+          <a:ext cx="0" cy="0"/>
+          <a:chOff x="0" y="0"/>
+          <a:chExt cx="0" cy="0"/>
+        </a:xfrm>
+      </p:grpSpPr>
+      <p:sp>
+        <p:nvSpPr>
+          <p:cNvPr id="2" name="Title 1"/>
+          <p:cNvSpPr>
+            <a:spLocks noGrp="1"/>
+          </p:cNvSpPr>
+          <p:nvPr>
+            <p:ph type="title"/>
+          </p:nvPr>
+        </p:nvSpPr>
+        <p:spPr/>
+        <p:txBody>
+          <a:bodyPr>
+            <a:normAutofit/>
+          </a:bodyPr>
+          <a:lstStyle/>
+          <a:p>
+            <a:r>
+              <a:rPr lang="sr-Latn-RS" sz="5400" dirty="0" smtClean="0"/>
+              <a:t>Zaključak i dalji razvoj</a:t>
+            </a:r>
+            <a:endParaRPr lang="en-GB" sz="5400" dirty="0"/>
+          </a:p>
+        </p:txBody>
+      </p:sp>
+      <p:sp>
+        <p:nvSpPr>
+          <p:cNvPr id="3" name="Content Placeholder 2"/>
+          <p:cNvSpPr>
+            <a:spLocks noGrp="1"/>
+          </p:cNvSpPr>
+          <p:nvPr>
+            <p:ph idx="1"/>
+          </p:nvPr>
+        </p:nvSpPr>
+        <p:spPr/>
+        <p:txBody>
+          <a:bodyPr>
+            <a:normAutofit/>
+          </a:bodyPr>
+          <a:lstStyle/>
+          <a:p>
+            <a:r>
+              <a:rPr lang="sr-Latn-RS" sz="2400" dirty="0" smtClean="0"/>
+              <a:t>Dalji razvoj: </a:t>
+            </a:r>
+          </a:p>
+          <a:p>
+            <a:pPr lvl="1"/>
+            <a:r>
+              <a:rPr lang="sr-Latn-RS" sz="2000" dirty="0" smtClean="0"/>
+              <a:t>Upotreba većih prostih brojeva</a:t>
+            </a:r>
+          </a:p>
+          <a:p>
+            <a:pPr lvl="1"/>
+            <a:r>
+              <a:rPr lang="sr-Latn-RS" sz="2000" dirty="0" smtClean="0"/>
+              <a:t>Proširenje niza ključeva</a:t>
+            </a:r>
+          </a:p>
+          <a:p>
+            <a:pPr lvl="1"/>
+            <a:r>
+              <a:rPr lang="sr-Latn-RS" sz="2000" dirty="0" smtClean="0"/>
+              <a:t>Dodatna optimizacija napisanog koda</a:t>
+            </a:r>
+          </a:p>
+          <a:p>
+            <a:pPr lvl="1"/>
+            <a:r>
+              <a:rPr lang="sr-Latn-RS" sz="2000" dirty="0" smtClean="0"/>
+              <a:t>Upotreba neke od komercijalnih biblioteka za enkripciju/dekripciju</a:t>
+            </a:r>
+          </a:p>
+          <a:p>
+            <a:r>
+              <a:rPr lang="sr-Latn-RS" sz="2400" dirty="0" smtClean="0"/>
+              <a:t>Zaključak</a:t>
+            </a:r>
+          </a:p>
+          <a:p>
+            <a:pPr marL="457200" lvl="1" indent="0">
+              <a:buNone/>
+            </a:pPr>
+            <a:endParaRPr lang="en-GB" sz="2000" dirty="0"/>
+          </a:p>
+        </p:txBody>
+      </p:sp>
+      <p:sp>
+        <p:nvSpPr>
+          <p:cNvPr id="4" name="Slide Number Placeholder 3"/>
+          <p:cNvSpPr>
+            <a:spLocks noGrp="1"/>
+          </p:cNvSpPr>
+          <p:nvPr>
+            <p:ph type="sldNum" sz="quarter" idx="12"/>
+          </p:nvPr>
+        </p:nvSpPr>
+        <p:spPr/>
+        <p:txBody>
+          <a:bodyPr/>
+          <a:lstStyle/>
+          <a:p>
+            <a:fld id="{D22DBB91-4764-4098-A9EE-EA9330E91630}" type="slidenum">
+              <a:rPr lang="en-GB" smtClean="0"/>
+              <a:t>15</a:t>
+            </a:fld>
+            <a:endParaRPr lang="en-GB" dirty="0"/>
+          </a:p>
+        </p:txBody>
+      </p:sp>
+    </p:spTree>
+    <p:extLst>
+      <p:ext uri="{BB962C8B-B14F-4D97-AF65-F5344CB8AC3E}">
+        <p14:creationId xmlns:p14="http://schemas.microsoft.com/office/powerpoint/2010/main" val="457119436"/>
+      </p:ext>
+    </p:extLst>
+  </p:cSld>
+  <p:clrMapOvr>
+    <a:masterClrMapping/>
+  </p:clrMapOvr>
+</p:sld>
+</file>
+
+<file path=ppt/slides/slide16.xml><?xml version="1.0" encoding="utf-8"?>
+<p:sld xmlns:a="http://schemas.openxmlformats.org/drawingml/2006/main" xmlns:r="http://schemas.openxmlformats.org/officeDocument/2006/relationships" xmlns:p="http://schemas.openxmlformats.org/presentationml/2006/main">
+  <p:cSld>
+    <p:spTree>
+      <p:nvGrpSpPr>
+        <p:cNvPr id="1" name=""/>
+        <p:cNvGrpSpPr/>
+        <p:nvPr/>
+      </p:nvGrpSpPr>
+      <p:grpSpPr>
+        <a:xfrm>
+          <a:off x="0" y="0"/>
+          <a:ext cx="0" cy="0"/>
+          <a:chOff x="0" y="0"/>
+          <a:chExt cx="0" cy="0"/>
+        </a:xfrm>
+      </p:grpSpPr>
+      <p:sp>
+        <p:nvSpPr>
+          <p:cNvPr id="2" name="Title 1"/>
+          <p:cNvSpPr>
+            <a:spLocks noGrp="1"/>
+          </p:cNvSpPr>
+          <p:nvPr>
+            <p:ph type="title"/>
+          </p:nvPr>
+        </p:nvSpPr>
+        <p:spPr/>
+        <p:txBody>
+          <a:bodyPr/>
+          <a:lstStyle/>
+          <a:p>
+            <a:endParaRPr lang="en-GB"/>
+          </a:p>
+        </p:txBody>
+      </p:sp>
+      <p:sp>
+        <p:nvSpPr>
+          <p:cNvPr id="3" name="Content Placeholder 2"/>
+          <p:cNvSpPr>
+            <a:spLocks noGrp="1"/>
+          </p:cNvSpPr>
+          <p:nvPr>
+            <p:ph idx="1"/>
+          </p:nvPr>
+        </p:nvSpPr>
+        <p:spPr>
+          <a:xfrm>
+            <a:off x="3779921" y="3409698"/>
+            <a:ext cx="5348037" cy="769853"/>
+          </a:xfrm>
+        </p:spPr>
+        <p:txBody>
+          <a:bodyPr>
+            <a:normAutofit fontScale="85000" lnSpcReduction="20000"/>
+          </a:bodyPr>
+          <a:lstStyle/>
+          <a:p>
+            <a:pPr marL="0" indent="0">
+              <a:buNone/>
+            </a:pPr>
+            <a:r>
+              <a:rPr lang="sr-Latn-RS" sz="6600" dirty="0" smtClean="0"/>
+              <a:t>Hvala na pažnji!</a:t>
+            </a:r>
+            <a:endParaRPr lang="en-GB" sz="6600" dirty="0"/>
+          </a:p>
+        </p:txBody>
+      </p:sp>
+      <p:sp>
+        <p:nvSpPr>
+          <p:cNvPr id="4" name="Slide Number Placeholder 3"/>
+          <p:cNvSpPr>
+            <a:spLocks noGrp="1"/>
+          </p:cNvSpPr>
+          <p:nvPr>
+            <p:ph type="sldNum" sz="quarter" idx="12"/>
+          </p:nvPr>
+        </p:nvSpPr>
+        <p:spPr/>
+        <p:txBody>
+          <a:bodyPr/>
+          <a:lstStyle/>
+          <a:p>
+            <a:fld id="{D22DBB91-4764-4098-A9EE-EA9330E91630}" type="slidenum">
+              <a:rPr lang="en-GB" smtClean="0"/>
+              <a:t>16</a:t>
+            </a:fld>
+            <a:endParaRPr lang="en-GB" dirty="0"/>
+          </a:p>
+        </p:txBody>
+      </p:sp>
+    </p:spTree>
+    <p:extLst>
+      <p:ext uri="{BB962C8B-B14F-4D97-AF65-F5344CB8AC3E}">
+        <p14:creationId xmlns:p14="http://schemas.microsoft.com/office/powerpoint/2010/main" val="3331290501"/>
+      </p:ext>
+    </p:extLst>
+  </p:cSld>
+  <p:clrMapOvr>
+    <a:masterClrMapping/>
+  </p:clrMapOvr>
+</p:sld>
+</file>
+
 <file path=ppt/slides/slide2.xml><?xml version="1.0" encoding="utf-8"?>
 <p:sld xmlns:a="http://schemas.openxmlformats.org/drawingml/2006/main" xmlns:r="http://schemas.openxmlformats.org/officeDocument/2006/relationships" xmlns:p="http://schemas.openxmlformats.org/presentationml/2006/main">
   <p:cSld>
@@ -5822,6 +11028,484 @@
     <p:extLst>
       <p:ext uri="{BB962C8B-B14F-4D97-AF65-F5344CB8AC3E}">
         <p14:creationId xmlns:p14="http://schemas.microsoft.com/office/powerpoint/2010/main" val="3572345609"/>
+      </p:ext>
+    </p:extLst>
+  </p:cSld>
+  <p:clrMapOvr>
+    <a:masterClrMapping/>
+  </p:clrMapOvr>
+</p:sld>
+</file>
+
+<file path=ppt/slides/slide7.xml><?xml version="1.0" encoding="utf-8"?>
+<p:sld xmlns:a="http://schemas.openxmlformats.org/drawingml/2006/main" xmlns:r="http://schemas.openxmlformats.org/officeDocument/2006/relationships" xmlns:p="http://schemas.openxmlformats.org/presentationml/2006/main">
+  <p:cSld>
+    <p:spTree>
+      <p:nvGrpSpPr>
+        <p:cNvPr id="1" name=""/>
+        <p:cNvGrpSpPr/>
+        <p:nvPr/>
+      </p:nvGrpSpPr>
+      <p:grpSpPr>
+        <a:xfrm>
+          <a:off x="0" y="0"/>
+          <a:ext cx="0" cy="0"/>
+          <a:chOff x="0" y="0"/>
+          <a:chExt cx="0" cy="0"/>
+        </a:xfrm>
+      </p:grpSpPr>
+      <p:sp>
+        <p:nvSpPr>
+          <p:cNvPr id="2" name="Title 1"/>
+          <p:cNvSpPr>
+            <a:spLocks noGrp="1"/>
+          </p:cNvSpPr>
+          <p:nvPr>
+            <p:ph type="title"/>
+          </p:nvPr>
+        </p:nvSpPr>
+        <p:spPr/>
+        <p:txBody>
+          <a:bodyPr>
+            <a:normAutofit/>
+          </a:bodyPr>
+          <a:lstStyle/>
+          <a:p>
+            <a:r>
+              <a:rPr lang="en-GB" sz="5400" dirty="0" err="1" smtClean="0"/>
+              <a:t>Teorijske</a:t>
+            </a:r>
+            <a:r>
+              <a:rPr lang="en-GB" sz="5400" dirty="0" smtClean="0"/>
+              <a:t> </a:t>
+            </a:r>
+            <a:r>
+              <a:rPr lang="en-GB" sz="5400" dirty="0" err="1" smtClean="0"/>
+              <a:t>osnove</a:t>
+            </a:r>
+            <a:endParaRPr lang="en-GB" sz="5400" dirty="0"/>
+          </a:p>
+        </p:txBody>
+      </p:sp>
+      <p:sp>
+        <p:nvSpPr>
+          <p:cNvPr id="3" name="Content Placeholder 2"/>
+          <p:cNvSpPr>
+            <a:spLocks noGrp="1"/>
+          </p:cNvSpPr>
+          <p:nvPr>
+            <p:ph idx="1"/>
+          </p:nvPr>
+        </p:nvSpPr>
+        <p:spPr/>
+        <p:txBody>
+          <a:bodyPr>
+            <a:normAutofit/>
+          </a:bodyPr>
+          <a:lstStyle/>
+          <a:p>
+            <a:r>
+              <a:rPr lang="en-GB" sz="2400" dirty="0" err="1" smtClean="0"/>
+              <a:t>Enkripcija</a:t>
+            </a:r>
+            <a:endParaRPr lang="en-GB" sz="2400" dirty="0" smtClean="0"/>
+          </a:p>
+          <a:p>
+            <a:r>
+              <a:rPr lang="en-GB" sz="2400" dirty="0" err="1" smtClean="0"/>
+              <a:t>Elementi</a:t>
+            </a:r>
+            <a:r>
+              <a:rPr lang="en-GB" sz="2400" dirty="0" smtClean="0"/>
+              <a:t> </a:t>
+            </a:r>
+            <a:r>
+              <a:rPr lang="en-GB" sz="2400" dirty="0" err="1" smtClean="0"/>
+              <a:t>enkripcije</a:t>
+            </a:r>
+            <a:endParaRPr lang="en-GB" sz="2400" dirty="0" smtClean="0"/>
+          </a:p>
+          <a:p>
+            <a:r>
+              <a:rPr lang="en-GB" sz="2400" dirty="0" err="1" smtClean="0"/>
+              <a:t>Vrste</a:t>
+            </a:r>
+            <a:r>
+              <a:rPr lang="en-GB" sz="2400" dirty="0" smtClean="0"/>
+              <a:t> </a:t>
+            </a:r>
+            <a:r>
+              <a:rPr lang="en-GB" sz="2400" dirty="0" err="1" smtClean="0"/>
+              <a:t>enkripcije</a:t>
+            </a:r>
+            <a:r>
+              <a:rPr lang="en-GB" sz="2400" dirty="0" smtClean="0"/>
+              <a:t>:</a:t>
+            </a:r>
+          </a:p>
+          <a:p>
+            <a:pPr lvl="1"/>
+            <a:r>
+              <a:rPr lang="en-GB" sz="2000" dirty="0" err="1" smtClean="0"/>
+              <a:t>Simetri</a:t>
+            </a:r>
+            <a:r>
+              <a:rPr lang="sr-Latn-RS" sz="2000" dirty="0" smtClean="0"/>
+              <a:t>čna</a:t>
+            </a:r>
+          </a:p>
+          <a:p>
+            <a:pPr lvl="1"/>
+            <a:r>
+              <a:rPr lang="sr-Latn-RS" sz="2000" dirty="0" smtClean="0"/>
+              <a:t>Asimetrična</a:t>
+            </a:r>
+          </a:p>
+          <a:p>
+            <a:r>
+              <a:rPr lang="sr-Latn-RS" sz="2400" dirty="0" smtClean="0"/>
+              <a:t>Asimetrična </a:t>
+            </a:r>
+            <a:r>
+              <a:rPr lang="sr-Latn-RS" sz="2400" i="1" dirty="0" smtClean="0"/>
+              <a:t>RSA</a:t>
+            </a:r>
+            <a:r>
+              <a:rPr lang="sr-Latn-RS" sz="2400" dirty="0" smtClean="0"/>
+              <a:t> enkripcija</a:t>
+            </a:r>
+          </a:p>
+          <a:p>
+            <a:r>
+              <a:rPr lang="sr-Latn-RS" sz="2400" dirty="0" smtClean="0"/>
+              <a:t>Zašto baš prosti brojevi</a:t>
+            </a:r>
+            <a:r>
+              <a:rPr lang="en-GB" sz="2400" dirty="0" smtClean="0"/>
+              <a:t>?</a:t>
+            </a:r>
+            <a:endParaRPr lang="sr-Latn-RS" sz="2400" dirty="0" smtClean="0"/>
+          </a:p>
+          <a:p>
+            <a:r>
+              <a:rPr lang="sr-Latn-RS" sz="2400" i="1" dirty="0" smtClean="0"/>
+              <a:t>Brute-force</a:t>
+            </a:r>
+            <a:r>
+              <a:rPr lang="sr-Latn-RS" sz="2400" dirty="0" smtClean="0"/>
+              <a:t> pretraga</a:t>
+            </a:r>
+            <a:endParaRPr lang="en-GB" sz="2400" dirty="0"/>
+          </a:p>
+        </p:txBody>
+      </p:sp>
+      <p:sp>
+        <p:nvSpPr>
+          <p:cNvPr id="4" name="Slide Number Placeholder 3"/>
+          <p:cNvSpPr>
+            <a:spLocks noGrp="1"/>
+          </p:cNvSpPr>
+          <p:nvPr>
+            <p:ph type="sldNum" sz="quarter" idx="12"/>
+          </p:nvPr>
+        </p:nvSpPr>
+        <p:spPr/>
+        <p:txBody>
+          <a:bodyPr/>
+          <a:lstStyle/>
+          <a:p>
+            <a:fld id="{D22DBB91-4764-4098-A9EE-EA9330E91630}" type="slidenum">
+              <a:rPr lang="en-GB" smtClean="0"/>
+              <a:t>7</a:t>
+            </a:fld>
+            <a:endParaRPr lang="en-GB" dirty="0"/>
+          </a:p>
+        </p:txBody>
+      </p:sp>
+    </p:spTree>
+    <p:extLst>
+      <p:ext uri="{BB962C8B-B14F-4D97-AF65-F5344CB8AC3E}">
+        <p14:creationId xmlns:p14="http://schemas.microsoft.com/office/powerpoint/2010/main" val="489229574"/>
+      </p:ext>
+    </p:extLst>
+  </p:cSld>
+  <p:clrMapOvr>
+    <a:masterClrMapping/>
+  </p:clrMapOvr>
+</p:sld>
+</file>
+
+<file path=ppt/slides/slide8.xml><?xml version="1.0" encoding="utf-8"?>
+<p:sld xmlns:a="http://schemas.openxmlformats.org/drawingml/2006/main" xmlns:r="http://schemas.openxmlformats.org/officeDocument/2006/relationships" xmlns:p="http://schemas.openxmlformats.org/presentationml/2006/main">
+  <p:cSld>
+    <p:spTree>
+      <p:nvGrpSpPr>
+        <p:cNvPr id="1" name=""/>
+        <p:cNvGrpSpPr/>
+        <p:nvPr/>
+      </p:nvGrpSpPr>
+      <p:grpSpPr>
+        <a:xfrm>
+          <a:off x="0" y="0"/>
+          <a:ext cx="0" cy="0"/>
+          <a:chOff x="0" y="0"/>
+          <a:chExt cx="0" cy="0"/>
+        </a:xfrm>
+      </p:grpSpPr>
+      <p:sp>
+        <p:nvSpPr>
+          <p:cNvPr id="2" name="Title 1"/>
+          <p:cNvSpPr>
+            <a:spLocks noGrp="1"/>
+          </p:cNvSpPr>
+          <p:nvPr>
+            <p:ph type="title"/>
+          </p:nvPr>
+        </p:nvSpPr>
+        <p:spPr/>
+        <p:txBody>
+          <a:bodyPr>
+            <a:normAutofit/>
+          </a:bodyPr>
+          <a:lstStyle/>
+          <a:p>
+            <a:r>
+              <a:rPr lang="sr-Latn-RS" sz="5400" dirty="0" smtClean="0"/>
+              <a:t>Teorijske osnove</a:t>
+            </a:r>
+            <a:endParaRPr lang="en-GB" sz="5400" dirty="0"/>
+          </a:p>
+        </p:txBody>
+      </p:sp>
+      <p:sp>
+        <p:nvSpPr>
+          <p:cNvPr id="3" name="Content Placeholder 2"/>
+          <p:cNvSpPr>
+            <a:spLocks noGrp="1"/>
+          </p:cNvSpPr>
+          <p:nvPr>
+            <p:ph idx="1"/>
+          </p:nvPr>
+        </p:nvSpPr>
+        <p:spPr/>
+        <p:txBody>
+          <a:bodyPr>
+            <a:normAutofit/>
+          </a:bodyPr>
+          <a:lstStyle/>
+          <a:p>
+            <a:r>
+              <a:rPr lang="sr-Latn-RS" sz="2400" dirty="0" smtClean="0"/>
+              <a:t>Algoritam asimetrične </a:t>
+            </a:r>
+            <a:r>
+              <a:rPr lang="sr-Latn-RS" sz="2400" i="1" dirty="0" smtClean="0"/>
+              <a:t>RSA</a:t>
+            </a:r>
+            <a:r>
+              <a:rPr lang="sr-Latn-RS" sz="2400" dirty="0" smtClean="0"/>
+              <a:t> enkripcije</a:t>
+            </a:r>
+            <a:endParaRPr lang="en-GB" sz="2400" dirty="0"/>
+          </a:p>
+        </p:txBody>
+      </p:sp>
+      <p:sp>
+        <p:nvSpPr>
+          <p:cNvPr id="4" name="Slide Number Placeholder 3"/>
+          <p:cNvSpPr>
+            <a:spLocks noGrp="1"/>
+          </p:cNvSpPr>
+          <p:nvPr>
+            <p:ph type="sldNum" sz="quarter" idx="12"/>
+          </p:nvPr>
+        </p:nvSpPr>
+        <p:spPr/>
+        <p:txBody>
+          <a:bodyPr/>
+          <a:lstStyle/>
+          <a:p>
+            <a:fld id="{D22DBB91-4764-4098-A9EE-EA9330E91630}" type="slidenum">
+              <a:rPr lang="en-GB" smtClean="0"/>
+              <a:t>8</a:t>
+            </a:fld>
+            <a:endParaRPr lang="en-GB" dirty="0"/>
+          </a:p>
+        </p:txBody>
+      </p:sp>
+      <p:pic>
+        <p:nvPicPr>
+          <p:cNvPr id="5" name="Picture 4"/>
+          <p:cNvPicPr>
+            <a:picLocks noChangeAspect="1"/>
+          </p:cNvPicPr>
+          <p:nvPr/>
+        </p:nvPicPr>
+        <p:blipFill>
+          <a:blip r:embed="rId2">
+            <a:extLst>
+              <a:ext uri="{28A0092B-C50C-407E-A947-70E740481C1C}">
+                <a14:useLocalDpi xmlns:a14="http://schemas.microsoft.com/office/drawing/2010/main" val="0"/>
+              </a:ext>
+            </a:extLst>
+          </a:blip>
+          <a:stretch>
+            <a:fillRect/>
+          </a:stretch>
+        </p:blipFill>
+        <p:spPr>
+          <a:xfrm>
+            <a:off x="2842758" y="2394516"/>
+            <a:ext cx="6506483" cy="3258005"/>
+          </a:xfrm>
+          <a:prstGeom prst="rect">
+            <a:avLst/>
+          </a:prstGeom>
+        </p:spPr>
+      </p:pic>
+    </p:spTree>
+    <p:extLst>
+      <p:ext uri="{BB962C8B-B14F-4D97-AF65-F5344CB8AC3E}">
+        <p14:creationId xmlns:p14="http://schemas.microsoft.com/office/powerpoint/2010/main" val="2374420839"/>
+      </p:ext>
+    </p:extLst>
+  </p:cSld>
+  <p:clrMapOvr>
+    <a:masterClrMapping/>
+  </p:clrMapOvr>
+</p:sld>
+</file>
+
+<file path=ppt/slides/slide9.xml><?xml version="1.0" encoding="utf-8"?>
+<p:sld xmlns:a="http://schemas.openxmlformats.org/drawingml/2006/main" xmlns:r="http://schemas.openxmlformats.org/officeDocument/2006/relationships" xmlns:p="http://schemas.openxmlformats.org/presentationml/2006/main">
+  <p:cSld>
+    <p:spTree>
+      <p:nvGrpSpPr>
+        <p:cNvPr id="1" name=""/>
+        <p:cNvGrpSpPr/>
+        <p:nvPr/>
+      </p:nvGrpSpPr>
+      <p:grpSpPr>
+        <a:xfrm>
+          <a:off x="0" y="0"/>
+          <a:ext cx="0" cy="0"/>
+          <a:chOff x="0" y="0"/>
+          <a:chExt cx="0" cy="0"/>
+        </a:xfrm>
+      </p:grpSpPr>
+      <p:sp>
+        <p:nvSpPr>
+          <p:cNvPr id="2" name="Title 1"/>
+          <p:cNvSpPr>
+            <a:spLocks noGrp="1"/>
+          </p:cNvSpPr>
+          <p:nvPr>
+            <p:ph type="title"/>
+          </p:nvPr>
+        </p:nvSpPr>
+        <p:spPr/>
+        <p:txBody>
+          <a:bodyPr>
+            <a:normAutofit/>
+          </a:bodyPr>
+          <a:lstStyle/>
+          <a:p>
+            <a:r>
+              <a:rPr lang="sr-Latn-RS" sz="5400" dirty="0" smtClean="0"/>
+              <a:t>Koncept rešenja</a:t>
+            </a:r>
+            <a:endParaRPr lang="en-GB" sz="5400" dirty="0"/>
+          </a:p>
+        </p:txBody>
+      </p:sp>
+      <p:sp>
+        <p:nvSpPr>
+          <p:cNvPr id="3" name="Content Placeholder 2"/>
+          <p:cNvSpPr>
+            <a:spLocks noGrp="1"/>
+          </p:cNvSpPr>
+          <p:nvPr>
+            <p:ph idx="1"/>
+          </p:nvPr>
+        </p:nvSpPr>
+        <p:spPr/>
+        <p:txBody>
+          <a:bodyPr>
+            <a:normAutofit/>
+          </a:bodyPr>
+          <a:lstStyle/>
+          <a:p>
+            <a:r>
+              <a:rPr lang="sr-Latn-RS" sz="2400" dirty="0" smtClean="0"/>
+              <a:t>Klijentska strana</a:t>
+            </a:r>
+          </a:p>
+          <a:p>
+            <a:r>
+              <a:rPr lang="sr-Latn-RS" sz="2400" dirty="0" smtClean="0"/>
+              <a:t>Serverska strana</a:t>
+            </a:r>
+            <a:endParaRPr lang="en-GB" sz="2400" dirty="0"/>
+          </a:p>
+        </p:txBody>
+      </p:sp>
+      <p:sp>
+        <p:nvSpPr>
+          <p:cNvPr id="4" name="Slide Number Placeholder 3"/>
+          <p:cNvSpPr>
+            <a:spLocks noGrp="1"/>
+          </p:cNvSpPr>
+          <p:nvPr>
+            <p:ph type="sldNum" sz="quarter" idx="12"/>
+          </p:nvPr>
+        </p:nvSpPr>
+        <p:spPr/>
+        <p:txBody>
+          <a:bodyPr/>
+          <a:lstStyle/>
+          <a:p>
+            <a:fld id="{D22DBB91-4764-4098-A9EE-EA9330E91630}" type="slidenum">
+              <a:rPr lang="en-GB" smtClean="0"/>
+              <a:t>9</a:t>
+            </a:fld>
+            <a:endParaRPr lang="en-GB" dirty="0"/>
+          </a:p>
+        </p:txBody>
+      </p:sp>
+      <p:pic>
+        <p:nvPicPr>
+          <p:cNvPr id="5" name="Picture 4"/>
+          <p:cNvPicPr>
+            <a:picLocks noChangeAspect="1"/>
+          </p:cNvPicPr>
+          <p:nvPr/>
+        </p:nvPicPr>
+        <p:blipFill>
+          <a:blip r:embed="rId2">
+            <a:extLst>
+              <a:ext uri="{28A0092B-C50C-407E-A947-70E740481C1C}">
+                <a14:useLocalDpi xmlns:a14="http://schemas.microsoft.com/office/drawing/2010/main" val="0"/>
+              </a:ext>
+            </a:extLst>
+          </a:blip>
+          <a:stretch>
+            <a:fillRect/>
+          </a:stretch>
+        </p:blipFill>
+        <p:spPr>
+          <a:xfrm>
+            <a:off x="3927279" y="1539771"/>
+            <a:ext cx="4337442" cy="4816579"/>
+          </a:xfrm>
+          <a:prstGeom prst="rect">
+            <a:avLst/>
+          </a:prstGeom>
+        </p:spPr>
+      </p:pic>
+    </p:spTree>
+    <p:extLst>
+      <p:ext uri="{BB962C8B-B14F-4D97-AF65-F5344CB8AC3E}">
+        <p14:creationId xmlns:p14="http://schemas.microsoft.com/office/powerpoint/2010/main" val="1586486481"/>
       </p:ext>
     </p:extLst>
   </p:cSld>
